--- a/анацкая/КП/КР ЧигаревА.Ю. БИб-21Э1 ТПЗАС.pptx
+++ b/анацкая/КП/КР ЧигаревА.Ю. БИб-21Э1 ТПЗАС.pptx
@@ -122,6 +122,11 @@
       </a:defRPr>
     </a:lvl9pPr>
   </p:defaultTextStyle>
+  <p:extLst>
+    <p:ext uri="{EFAFB233-063F-42B5-8137-9DF3F51BA10A}">
+      <p15:sldGuideLst xmlns:p15="http://schemas.microsoft.com/office/powerpoint/2012/main"/>
+    </p:ext>
+  </p:extLst>
 </p:presentation>
 </file>
 
@@ -207,7 +212,7 @@
           <a:p>
             <a:fld id="{DD186280-603E-41D4-9C58-213F871B2EE3}" type="datetimeFigureOut">
               <a:rPr lang="ru-RU" smtClean="0"/>
-              <a:t>06.06.2024</a:t>
+              <a:t>07.06.2024</a:t>
             </a:fld>
             <a:endParaRPr lang="ru-RU"/>
           </a:p>
@@ -621,7 +626,7 @@
           <a:p>
             <a:fld id="{D9DAC22D-1FBD-4591-A4F5-5FF751D7F282}" type="datetime1">
               <a:rPr lang="ru-RU" smtClean="0"/>
-              <a:t>06.06.2024</a:t>
+              <a:t>07.06.2024</a:t>
             </a:fld>
             <a:endParaRPr lang="ru-RU"/>
           </a:p>
@@ -819,7 +824,7 @@
           <a:p>
             <a:fld id="{D1BB15F8-19EC-4F6B-B9BB-58DA993EEAFA}" type="datetime1">
               <a:rPr lang="ru-RU" smtClean="0"/>
-              <a:t>06.06.2024</a:t>
+              <a:t>07.06.2024</a:t>
             </a:fld>
             <a:endParaRPr lang="ru-RU"/>
           </a:p>
@@ -1027,7 +1032,7 @@
           <a:p>
             <a:fld id="{FED2C3AF-4872-476C-B6DF-448C1F9EEA7A}" type="datetime1">
               <a:rPr lang="ru-RU" smtClean="0"/>
-              <a:t>06.06.2024</a:t>
+              <a:t>07.06.2024</a:t>
             </a:fld>
             <a:endParaRPr lang="ru-RU"/>
           </a:p>
@@ -1225,7 +1230,7 @@
           <a:p>
             <a:fld id="{5B900A97-4AF2-4B5E-8854-7AB78675DA9E}" type="datetime1">
               <a:rPr lang="ru-RU" smtClean="0"/>
-              <a:t>06.06.2024</a:t>
+              <a:t>07.06.2024</a:t>
             </a:fld>
             <a:endParaRPr lang="ru-RU"/>
           </a:p>
@@ -1500,7 +1505,7 @@
           <a:p>
             <a:fld id="{9C5212F0-2E47-4264-85F8-CB3B3C3B8B41}" type="datetime1">
               <a:rPr lang="ru-RU" smtClean="0"/>
-              <a:t>06.06.2024</a:t>
+              <a:t>07.06.2024</a:t>
             </a:fld>
             <a:endParaRPr lang="ru-RU"/>
           </a:p>
@@ -1765,7 +1770,7 @@
           <a:p>
             <a:fld id="{59F2642E-238C-41FE-90E5-9C71EA1A2F6B}" type="datetime1">
               <a:rPr lang="ru-RU" smtClean="0"/>
-              <a:t>06.06.2024</a:t>
+              <a:t>07.06.2024</a:t>
             </a:fld>
             <a:endParaRPr lang="ru-RU"/>
           </a:p>
@@ -2177,7 +2182,7 @@
           <a:p>
             <a:fld id="{B45FB836-FD09-409A-9BD7-87BD662FEBD2}" type="datetime1">
               <a:rPr lang="ru-RU" smtClean="0"/>
-              <a:t>06.06.2024</a:t>
+              <a:t>07.06.2024</a:t>
             </a:fld>
             <a:endParaRPr lang="ru-RU"/>
           </a:p>
@@ -2318,7 +2323,7 @@
           <a:p>
             <a:fld id="{7D19B292-6DFD-48DB-831F-4D4C9BB6FDC1}" type="datetime1">
               <a:rPr lang="ru-RU" smtClean="0"/>
-              <a:t>06.06.2024</a:t>
+              <a:t>07.06.2024</a:t>
             </a:fld>
             <a:endParaRPr lang="ru-RU"/>
           </a:p>
@@ -2431,7 +2436,7 @@
           <a:p>
             <a:fld id="{78CC83A4-CF69-484A-B65F-51745BCB596C}" type="datetime1">
               <a:rPr lang="ru-RU" smtClean="0"/>
-              <a:t>06.06.2024</a:t>
+              <a:t>07.06.2024</a:t>
             </a:fld>
             <a:endParaRPr lang="ru-RU"/>
           </a:p>
@@ -2742,7 +2747,7 @@
           <a:p>
             <a:fld id="{7366973F-6CE6-43D7-8A66-BFA3D57D433E}" type="datetime1">
               <a:rPr lang="ru-RU" smtClean="0"/>
-              <a:t>06.06.2024</a:t>
+              <a:t>07.06.2024</a:t>
             </a:fld>
             <a:endParaRPr lang="ru-RU"/>
           </a:p>
@@ -3030,7 +3035,7 @@
           <a:p>
             <a:fld id="{489F9B2B-1232-40AE-AA92-CDE282597FA6}" type="datetime1">
               <a:rPr lang="ru-RU" smtClean="0"/>
-              <a:t>06.06.2024</a:t>
+              <a:t>07.06.2024</a:t>
             </a:fld>
             <a:endParaRPr lang="ru-RU"/>
           </a:p>
@@ -3271,7 +3276,7 @@
           <a:p>
             <a:fld id="{D21E0DBC-05BD-4938-AC0D-9ED020BF9483}" type="datetime1">
               <a:rPr lang="ru-RU" smtClean="0"/>
-              <a:t>06.06.2024</a:t>
+              <a:t>07.06.2024</a:t>
             </a:fld>
             <a:endParaRPr lang="ru-RU"/>
           </a:p>
@@ -4189,10 +4194,18 @@
           <a:lstStyle/>
           <a:p>
             <a:fld id="{8666B52E-C19B-40B3-8032-CCCA6478B10A}" type="slidenum">
-              <a:rPr lang="ru-RU" smtClean="0"/>
+              <a:rPr lang="ru-RU" sz="2000" smtClean="0">
+                <a:solidFill>
+                  <a:schemeClr val="tx1"/>
+                </a:solidFill>
+              </a:rPr>
               <a:t>10</a:t>
             </a:fld>
-            <a:endParaRPr lang="ru-RU"/>
+            <a:endParaRPr lang="ru-RU" sz="2000" dirty="0">
+              <a:solidFill>
+                <a:schemeClr val="tx1"/>
+              </a:solidFill>
+            </a:endParaRPr>
           </a:p>
         </p:txBody>
       </p:sp>
@@ -4284,10 +4297,18 @@
           <a:lstStyle/>
           <a:p>
             <a:fld id="{8666B52E-C19B-40B3-8032-CCCA6478B10A}" type="slidenum">
-              <a:rPr lang="ru-RU" smtClean="0"/>
+              <a:rPr lang="ru-RU" sz="2000" smtClean="0">
+                <a:solidFill>
+                  <a:schemeClr val="tx1"/>
+                </a:solidFill>
+              </a:rPr>
               <a:t>11</a:t>
             </a:fld>
-            <a:endParaRPr lang="ru-RU"/>
+            <a:endParaRPr lang="ru-RU" sz="2000" dirty="0">
+              <a:solidFill>
+                <a:schemeClr val="tx1"/>
+              </a:solidFill>
+            </a:endParaRPr>
           </a:p>
         </p:txBody>
       </p:sp>
@@ -4408,10 +4429,18 @@
           <a:lstStyle/>
           <a:p>
             <a:fld id="{8666B52E-C19B-40B3-8032-CCCA6478B10A}" type="slidenum">
-              <a:rPr lang="ru-RU" smtClean="0"/>
+              <a:rPr lang="ru-RU" sz="2000" smtClean="0">
+                <a:solidFill>
+                  <a:schemeClr val="tx1"/>
+                </a:solidFill>
+              </a:rPr>
               <a:t>12</a:t>
             </a:fld>
-            <a:endParaRPr lang="ru-RU"/>
+            <a:endParaRPr lang="ru-RU" sz="2000" dirty="0">
+              <a:solidFill>
+                <a:schemeClr val="tx1"/>
+              </a:solidFill>
+            </a:endParaRPr>
           </a:p>
         </p:txBody>
       </p:sp>
@@ -4531,10 +4560,18 @@
           <a:lstStyle/>
           <a:p>
             <a:fld id="{8666B52E-C19B-40B3-8032-CCCA6478B10A}" type="slidenum">
-              <a:rPr lang="ru-RU" smtClean="0"/>
+              <a:rPr lang="ru-RU" sz="2000" smtClean="0">
+                <a:solidFill>
+                  <a:schemeClr val="tx1"/>
+                </a:solidFill>
+              </a:rPr>
               <a:t>13</a:t>
             </a:fld>
-            <a:endParaRPr lang="ru-RU"/>
+            <a:endParaRPr lang="ru-RU" sz="2000" dirty="0">
+              <a:solidFill>
+                <a:schemeClr val="tx1"/>
+              </a:solidFill>
+            </a:endParaRPr>
           </a:p>
         </p:txBody>
       </p:sp>
@@ -4656,10 +4693,18 @@
           <a:lstStyle/>
           <a:p>
             <a:fld id="{8666B52E-C19B-40B3-8032-CCCA6478B10A}" type="slidenum">
-              <a:rPr lang="ru-RU" smtClean="0"/>
+              <a:rPr lang="ru-RU" sz="2000" smtClean="0">
+                <a:solidFill>
+                  <a:schemeClr val="tx1"/>
+                </a:solidFill>
+              </a:rPr>
               <a:t>14</a:t>
             </a:fld>
-            <a:endParaRPr lang="ru-RU"/>
+            <a:endParaRPr lang="ru-RU" sz="2000" dirty="0">
+              <a:solidFill>
+                <a:schemeClr val="tx1"/>
+              </a:solidFill>
+            </a:endParaRPr>
           </a:p>
         </p:txBody>
       </p:sp>
@@ -4822,10 +4867,18 @@
           <a:lstStyle/>
           <a:p>
             <a:fld id="{8666B52E-C19B-40B3-8032-CCCA6478B10A}" type="slidenum">
-              <a:rPr lang="ru-RU" smtClean="0"/>
+              <a:rPr lang="ru-RU" sz="2000" smtClean="0">
+                <a:solidFill>
+                  <a:schemeClr val="tx1"/>
+                </a:solidFill>
+              </a:rPr>
               <a:t>15</a:t>
             </a:fld>
-            <a:endParaRPr lang="ru-RU"/>
+            <a:endParaRPr lang="ru-RU" sz="2000" dirty="0">
+              <a:solidFill>
+                <a:schemeClr val="tx1"/>
+              </a:solidFill>
+            </a:endParaRPr>
           </a:p>
         </p:txBody>
       </p:sp>
@@ -4968,10 +5021,18 @@
           <a:lstStyle/>
           <a:p>
             <a:fld id="{8666B52E-C19B-40B3-8032-CCCA6478B10A}" type="slidenum">
-              <a:rPr lang="ru-RU" smtClean="0"/>
+              <a:rPr lang="ru-RU" sz="2000" smtClean="0">
+                <a:solidFill>
+                  <a:schemeClr val="tx1"/>
+                </a:solidFill>
+              </a:rPr>
               <a:t>16</a:t>
             </a:fld>
-            <a:endParaRPr lang="ru-RU"/>
+            <a:endParaRPr lang="ru-RU" sz="2000" dirty="0">
+              <a:solidFill>
+                <a:schemeClr val="tx1"/>
+              </a:solidFill>
+            </a:endParaRPr>
           </a:p>
         </p:txBody>
       </p:sp>
@@ -5136,13 +5197,19 @@
           <a:lstStyle/>
           <a:p>
             <a:fld id="{8666B52E-C19B-40B3-8032-CCCA6478B10A}" type="slidenum">
-              <a:rPr lang="ru-RU" sz="1400" smtClean="0">
+              <a:rPr lang="ru-RU" sz="2000" smtClean="0">
+                <a:solidFill>
+                  <a:schemeClr val="tx1"/>
+                </a:solidFill>
                 <a:latin typeface="Times New Roman" panose="02020603050405020304" pitchFamily="18" charset="0"/>
                 <a:cs typeface="Times New Roman" panose="02020603050405020304" pitchFamily="18" charset="0"/>
               </a:rPr>
               <a:t>2</a:t>
             </a:fld>
-            <a:endParaRPr lang="ru-RU" sz="1400" dirty="0">
+            <a:endParaRPr lang="ru-RU" sz="2000" dirty="0">
+              <a:solidFill>
+                <a:schemeClr val="tx1"/>
+              </a:solidFill>
               <a:latin typeface="Times New Roman" panose="02020603050405020304" pitchFamily="18" charset="0"/>
               <a:cs typeface="Times New Roman" panose="02020603050405020304" pitchFamily="18" charset="0"/>
             </a:endParaRPr>
@@ -5297,13 +5364,19 @@
           <a:lstStyle/>
           <a:p>
             <a:fld id="{8666B52E-C19B-40B3-8032-CCCA6478B10A}" type="slidenum">
-              <a:rPr lang="ru-RU" sz="1400" smtClean="0">
+              <a:rPr lang="ru-RU" sz="2000" smtClean="0">
+                <a:solidFill>
+                  <a:schemeClr val="tx1"/>
+                </a:solidFill>
                 <a:latin typeface="Times New Roman" panose="02020603050405020304" pitchFamily="18" charset="0"/>
                 <a:cs typeface="Times New Roman" panose="02020603050405020304" pitchFamily="18" charset="0"/>
               </a:rPr>
               <a:t>3</a:t>
             </a:fld>
-            <a:endParaRPr lang="ru-RU" sz="1400" dirty="0">
+            <a:endParaRPr lang="ru-RU" sz="2000" dirty="0">
+              <a:solidFill>
+                <a:schemeClr val="tx1"/>
+              </a:solidFill>
               <a:latin typeface="Times New Roman" panose="02020603050405020304" pitchFamily="18" charset="0"/>
               <a:cs typeface="Times New Roman" panose="02020603050405020304" pitchFamily="18" charset="0"/>
             </a:endParaRPr>
@@ -5469,10 +5542,18 @@
           <a:lstStyle/>
           <a:p>
             <a:fld id="{8666B52E-C19B-40B3-8032-CCCA6478B10A}" type="slidenum">
-              <a:rPr lang="ru-RU" smtClean="0"/>
+              <a:rPr lang="ru-RU" sz="2000" smtClean="0">
+                <a:solidFill>
+                  <a:schemeClr val="tx1"/>
+                </a:solidFill>
+              </a:rPr>
               <a:t>4</a:t>
             </a:fld>
-            <a:endParaRPr lang="ru-RU"/>
+            <a:endParaRPr lang="ru-RU" sz="2000" dirty="0">
+              <a:solidFill>
+                <a:schemeClr val="tx1"/>
+              </a:solidFill>
+            </a:endParaRPr>
           </a:p>
         </p:txBody>
       </p:sp>
@@ -5643,10 +5724,18 @@
           <a:lstStyle/>
           <a:p>
             <a:fld id="{8666B52E-C19B-40B3-8032-CCCA6478B10A}" type="slidenum">
-              <a:rPr lang="ru-RU" smtClean="0"/>
+              <a:rPr lang="ru-RU" sz="2000" smtClean="0">
+                <a:solidFill>
+                  <a:schemeClr val="tx1"/>
+                </a:solidFill>
+              </a:rPr>
               <a:t>5</a:t>
             </a:fld>
-            <a:endParaRPr lang="ru-RU"/>
+            <a:endParaRPr lang="ru-RU" sz="2000" dirty="0">
+              <a:solidFill>
+                <a:schemeClr val="tx1"/>
+              </a:solidFill>
+            </a:endParaRPr>
           </a:p>
         </p:txBody>
       </p:sp>
@@ -5774,10 +5863,18 @@
           <a:lstStyle/>
           <a:p>
             <a:fld id="{8666B52E-C19B-40B3-8032-CCCA6478B10A}" type="slidenum">
-              <a:rPr lang="ru-RU" smtClean="0"/>
+              <a:rPr lang="ru-RU" sz="2000" smtClean="0">
+                <a:solidFill>
+                  <a:schemeClr val="tx1"/>
+                </a:solidFill>
+              </a:rPr>
               <a:t>6</a:t>
             </a:fld>
-            <a:endParaRPr lang="ru-RU"/>
+            <a:endParaRPr lang="ru-RU" sz="2000" dirty="0">
+              <a:solidFill>
+                <a:schemeClr val="tx1"/>
+              </a:solidFill>
+            </a:endParaRPr>
           </a:p>
         </p:txBody>
       </p:sp>
@@ -5905,10 +6002,18 @@
           <a:lstStyle/>
           <a:p>
             <a:fld id="{8666B52E-C19B-40B3-8032-CCCA6478B10A}" type="slidenum">
-              <a:rPr lang="ru-RU" smtClean="0"/>
+              <a:rPr lang="ru-RU" sz="2000" smtClean="0">
+                <a:solidFill>
+                  <a:schemeClr val="tx1"/>
+                </a:solidFill>
+              </a:rPr>
               <a:t>7</a:t>
             </a:fld>
-            <a:endParaRPr lang="ru-RU"/>
+            <a:endParaRPr lang="ru-RU" sz="2000" dirty="0">
+              <a:solidFill>
+                <a:schemeClr val="tx1"/>
+              </a:solidFill>
+            </a:endParaRPr>
           </a:p>
         </p:txBody>
       </p:sp>
@@ -6101,10 +6206,18 @@
           <a:lstStyle/>
           <a:p>
             <a:fld id="{8666B52E-C19B-40B3-8032-CCCA6478B10A}" type="slidenum">
-              <a:rPr lang="ru-RU" smtClean="0"/>
+              <a:rPr lang="ru-RU" sz="2000" smtClean="0">
+                <a:solidFill>
+                  <a:schemeClr val="tx1"/>
+                </a:solidFill>
+              </a:rPr>
               <a:t>8</a:t>
             </a:fld>
-            <a:endParaRPr lang="ru-RU"/>
+            <a:endParaRPr lang="ru-RU" dirty="0">
+              <a:solidFill>
+                <a:schemeClr val="tx1"/>
+              </a:solidFill>
+            </a:endParaRPr>
           </a:p>
         </p:txBody>
       </p:sp>
@@ -6364,10 +6477,18 @@
           <a:lstStyle/>
           <a:p>
             <a:fld id="{8666B52E-C19B-40B3-8032-CCCA6478B10A}" type="slidenum">
-              <a:rPr lang="ru-RU" smtClean="0"/>
+              <a:rPr lang="ru-RU" sz="2000" smtClean="0">
+                <a:solidFill>
+                  <a:schemeClr val="tx1"/>
+                </a:solidFill>
+              </a:rPr>
               <a:t>9</a:t>
             </a:fld>
-            <a:endParaRPr lang="ru-RU"/>
+            <a:endParaRPr lang="ru-RU" sz="2000" dirty="0">
+              <a:solidFill>
+                <a:schemeClr val="tx1"/>
+              </a:solidFill>
+            </a:endParaRPr>
           </a:p>
         </p:txBody>
       </p:sp>

--- a/анацкая/КП/КР ЧигаревА.Ю. БИб-21Э1 ТПЗАС.pptx
+++ b/анацкая/КП/КР ЧигаревА.Ю. БИб-21Э1 ТПЗАС.pptx
@@ -5,7 +5,7 @@
     <p:sldMasterId id="2147483648" r:id="rId1"/>
   </p:sldMasterIdLst>
   <p:notesMasterIdLst>
-    <p:notesMasterId r:id="rId18"/>
+    <p:notesMasterId r:id="rId17"/>
   </p:notesMasterIdLst>
   <p:sldIdLst>
     <p:sldId id="256" r:id="rId2"/>
@@ -15,15 +15,14 @@
     <p:sldId id="259" r:id="rId6"/>
     <p:sldId id="260" r:id="rId7"/>
     <p:sldId id="262" r:id="rId8"/>
-    <p:sldId id="266" r:id="rId9"/>
-    <p:sldId id="267" r:id="rId10"/>
-    <p:sldId id="264" r:id="rId11"/>
-    <p:sldId id="263" r:id="rId12"/>
-    <p:sldId id="268" r:id="rId13"/>
-    <p:sldId id="269" r:id="rId14"/>
-    <p:sldId id="270" r:id="rId15"/>
-    <p:sldId id="271" r:id="rId16"/>
-    <p:sldId id="261" r:id="rId17"/>
+    <p:sldId id="267" r:id="rId9"/>
+    <p:sldId id="264" r:id="rId10"/>
+    <p:sldId id="263" r:id="rId11"/>
+    <p:sldId id="268" r:id="rId12"/>
+    <p:sldId id="269" r:id="rId13"/>
+    <p:sldId id="270" r:id="rId14"/>
+    <p:sldId id="271" r:id="rId15"/>
+    <p:sldId id="261" r:id="rId16"/>
   </p:sldIdLst>
   <p:sldSz cx="12192000" cy="6858000"/>
   <p:notesSz cx="6858000" cy="9144000"/>
@@ -3926,7 +3925,7 @@
         </p:nvSpPr>
         <p:spPr>
           <a:xfrm>
-            <a:off x="7666597" y="4364176"/>
+            <a:off x="7666597" y="4611826"/>
             <a:ext cx="4137928" cy="1200329"/>
           </a:xfrm>
           <a:prstGeom prst="rect">
@@ -3962,12 +3961,16 @@
           <a:p>
             <a:pPr algn="just"/>
             <a:r>
-              <a:rPr lang="ru-RU" dirty="0">
+              <a:rPr lang="ru-RU" dirty="0" smtClean="0">
                 <a:latin typeface="Times New Roman" panose="02020603050405020304" pitchFamily="18" charset="0"/>
                 <a:cs typeface="Times New Roman" panose="02020603050405020304" pitchFamily="18" charset="0"/>
               </a:rPr>
               <a:t>Руководитель проекта</a:t>
             </a:r>
+            <a:endParaRPr lang="ru-RU" dirty="0">
+              <a:latin typeface="Times New Roman" panose="02020603050405020304" pitchFamily="18" charset="0"/>
+              <a:cs typeface="Times New Roman" panose="02020603050405020304" pitchFamily="18" charset="0"/>
+            </a:endParaRPr>
           </a:p>
           <a:p>
             <a:pPr algn="just"/>
@@ -4087,7 +4090,7 @@
           <p:cNvPr id="2" name="Заголовок 1">
             <a:extLst>
               <a:ext uri="{FF2B5EF4-FFF2-40B4-BE49-F238E27FC236}">
-                <a16:creationId xmlns:a16="http://schemas.microsoft.com/office/drawing/2014/main" id="{8935D5EF-6051-9323-D0D6-8FAB21BB6475}"/>
+                <a16:creationId xmlns:a16="http://schemas.microsoft.com/office/drawing/2014/main" id="{10F5E7CB-FFFE-F6CD-2358-AFE8A9529FB2}"/>
               </a:ext>
             </a:extLst>
           </p:cNvPr>
@@ -4098,77 +4101,23 @@
             <p:ph type="title"/>
           </p:nvPr>
         </p:nvSpPr>
-        <p:spPr/>
-        <p:txBody>
-          <a:bodyPr/>
+        <p:spPr>
+          <a:xfrm>
+            <a:off x="838200" y="365126"/>
+            <a:ext cx="10515600" cy="959478"/>
+          </a:xfrm>
+        </p:spPr>
+        <p:txBody>
+          <a:bodyPr>
+            <a:normAutofit fontScale="90000"/>
+          </a:bodyPr>
           <a:lstStyle/>
           <a:p>
             <a:pPr algn="ctr"/>
             <a:r>
               <a:rPr lang="ru-RU" b="1" dirty="0"/>
-              <a:t>Классификация АС Потребительского кредитования</a:t>
-            </a:r>
-          </a:p>
-        </p:txBody>
-      </p:sp>
-      <p:sp>
-        <p:nvSpPr>
-          <p:cNvPr id="3" name="Объект 2">
-            <a:extLst>
-              <a:ext uri="{FF2B5EF4-FFF2-40B4-BE49-F238E27FC236}">
-                <a16:creationId xmlns:a16="http://schemas.microsoft.com/office/drawing/2014/main" id="{CBE190E1-DB26-C7D0-A97C-9F85AC07344D}"/>
-              </a:ext>
-            </a:extLst>
-          </p:cNvPr>
-          <p:cNvSpPr>
-            <a:spLocks noGrp="1"/>
-          </p:cNvSpPr>
-          <p:nvPr>
-            <p:ph idx="1"/>
-          </p:nvPr>
-        </p:nvSpPr>
-        <p:spPr/>
-        <p:txBody>
-          <a:bodyPr/>
-          <a:lstStyle/>
-          <a:p>
-            <a:r>
-              <a:rPr lang="ru-RU" dirty="0"/>
-              <a:t>Класс защищенности информационной системы определяется в </a:t>
-            </a:r>
-            <a:r>
-              <a:rPr lang="ru-RU" dirty="0" err="1"/>
-              <a:t>зави-симости</a:t>
-            </a:r>
-            <a:r>
-              <a:rPr lang="ru-RU" dirty="0"/>
-              <a:t> от уровня значимости информации, обрабатываемой в этой </a:t>
-            </a:r>
-            <a:r>
-              <a:rPr lang="ru-RU" dirty="0" err="1"/>
-              <a:t>инфор-мационной</a:t>
-            </a:r>
-            <a:r>
-              <a:rPr lang="ru-RU" dirty="0"/>
-              <a:t> системе, и масштаба информационной системы.</a:t>
-            </a:r>
-          </a:p>
-          <a:p>
-            <a:r>
-              <a:rPr lang="ru-RU" dirty="0"/>
-              <a:t>Уровень значимости информации определяется степенью возможного ущерба для обладателя информации и (или) оператора от нарушения конфи-</a:t>
-            </a:r>
-            <a:r>
-              <a:rPr lang="ru-RU" dirty="0" err="1"/>
-              <a:t>денциальности</a:t>
-            </a:r>
-            <a:r>
-              <a:rPr lang="ru-RU" dirty="0"/>
-              <a:t>, целостности или доступности информации.</a:t>
-            </a:r>
-          </a:p>
-          <a:p>
-            <a:endParaRPr lang="ru-RU" dirty="0"/>
+              <a:t>Набор мер защиты в информационной системе</a:t>
+            </a:r>
           </a:p>
         </p:txBody>
       </p:sp>
@@ -4177,7 +4126,7 @@
           <p:cNvPr id="4" name="Номер слайда 3">
             <a:extLst>
               <a:ext uri="{FF2B5EF4-FFF2-40B4-BE49-F238E27FC236}">
-                <a16:creationId xmlns:a16="http://schemas.microsoft.com/office/drawing/2014/main" id="{D45BE40A-06E0-051C-9854-8074B4B81497}"/>
+                <a16:creationId xmlns:a16="http://schemas.microsoft.com/office/drawing/2014/main" id="{F03825FB-64D5-6695-85EB-DE18303352FD}"/>
               </a:ext>
             </a:extLst>
           </p:cNvPr>
@@ -4200,109 +4149,6 @@
                 </a:solidFill>
               </a:rPr>
               <a:t>10</a:t>
-            </a:fld>
-            <a:endParaRPr lang="ru-RU" sz="2000" dirty="0">
-              <a:solidFill>
-                <a:schemeClr val="tx1"/>
-              </a:solidFill>
-            </a:endParaRPr>
-          </a:p>
-        </p:txBody>
-      </p:sp>
-    </p:spTree>
-    <p:extLst>
-      <p:ext uri="{BB962C8B-B14F-4D97-AF65-F5344CB8AC3E}">
-        <p14:creationId xmlns:p14="http://schemas.microsoft.com/office/powerpoint/2010/main" val="556537270"/>
-      </p:ext>
-    </p:extLst>
-  </p:cSld>
-  <p:clrMapOvr>
-    <a:masterClrMapping/>
-  </p:clrMapOvr>
-</p:sld>
-</file>
-
-<file path=ppt/slides/slide11.xml><?xml version="1.0" encoding="utf-8"?>
-<p:sld xmlns:a="http://schemas.openxmlformats.org/drawingml/2006/main" xmlns:r="http://schemas.openxmlformats.org/officeDocument/2006/relationships" xmlns:p="http://schemas.openxmlformats.org/presentationml/2006/main">
-  <p:cSld>
-    <p:spTree>
-      <p:nvGrpSpPr>
-        <p:cNvPr id="1" name=""/>
-        <p:cNvGrpSpPr/>
-        <p:nvPr/>
-      </p:nvGrpSpPr>
-      <p:grpSpPr>
-        <a:xfrm>
-          <a:off x="0" y="0"/>
-          <a:ext cx="0" cy="0"/>
-          <a:chOff x="0" y="0"/>
-          <a:chExt cx="0" cy="0"/>
-        </a:xfrm>
-      </p:grpSpPr>
-      <p:sp>
-        <p:nvSpPr>
-          <p:cNvPr id="2" name="Заголовок 1">
-            <a:extLst>
-              <a:ext uri="{FF2B5EF4-FFF2-40B4-BE49-F238E27FC236}">
-                <a16:creationId xmlns:a16="http://schemas.microsoft.com/office/drawing/2014/main" id="{10F5E7CB-FFFE-F6CD-2358-AFE8A9529FB2}"/>
-              </a:ext>
-            </a:extLst>
-          </p:cNvPr>
-          <p:cNvSpPr>
-            <a:spLocks noGrp="1"/>
-          </p:cNvSpPr>
-          <p:nvPr>
-            <p:ph type="title"/>
-          </p:nvPr>
-        </p:nvSpPr>
-        <p:spPr>
-          <a:xfrm>
-            <a:off x="838200" y="365126"/>
-            <a:ext cx="10515600" cy="959478"/>
-          </a:xfrm>
-        </p:spPr>
-        <p:txBody>
-          <a:bodyPr>
-            <a:normAutofit fontScale="90000"/>
-          </a:bodyPr>
-          <a:lstStyle/>
-          <a:p>
-            <a:pPr algn="ctr"/>
-            <a:r>
-              <a:rPr lang="ru-RU" b="1" dirty="0"/>
-              <a:t>Набор мер защиты в информационной системе</a:t>
-            </a:r>
-          </a:p>
-        </p:txBody>
-      </p:sp>
-      <p:sp>
-        <p:nvSpPr>
-          <p:cNvPr id="4" name="Номер слайда 3">
-            <a:extLst>
-              <a:ext uri="{FF2B5EF4-FFF2-40B4-BE49-F238E27FC236}">
-                <a16:creationId xmlns:a16="http://schemas.microsoft.com/office/drawing/2014/main" id="{F03825FB-64D5-6695-85EB-DE18303352FD}"/>
-              </a:ext>
-            </a:extLst>
-          </p:cNvPr>
-          <p:cNvSpPr>
-            <a:spLocks noGrp="1"/>
-          </p:cNvSpPr>
-          <p:nvPr>
-            <p:ph type="sldNum" sz="quarter" idx="12"/>
-          </p:nvPr>
-        </p:nvSpPr>
-        <p:spPr/>
-        <p:txBody>
-          <a:bodyPr/>
-          <a:lstStyle/>
-          <a:p>
-            <a:fld id="{8666B52E-C19B-40B3-8032-CCCA6478B10A}" type="slidenum">
-              <a:rPr lang="ru-RU" sz="2000" smtClean="0">
-                <a:solidFill>
-                  <a:schemeClr val="tx1"/>
-                </a:solidFill>
-              </a:rPr>
-              <a:t>11</a:t>
             </a:fld>
             <a:endParaRPr lang="ru-RU" sz="2000" dirty="0">
               <a:solidFill>
@@ -4354,7 +4200,7 @@
 </p:sld>
 </file>
 
-<file path=ppt/slides/slide12.xml><?xml version="1.0" encoding="utf-8"?>
+<file path=ppt/slides/slide11.xml><?xml version="1.0" encoding="utf-8"?>
 <p:sld xmlns:a="http://schemas.openxmlformats.org/drawingml/2006/main" xmlns:r="http://schemas.openxmlformats.org/officeDocument/2006/relationships" xmlns:p="http://schemas.openxmlformats.org/presentationml/2006/main">
   <p:cSld>
     <p:spTree>
@@ -4434,7 +4280,7 @@
                   <a:schemeClr val="tx1"/>
                 </a:solidFill>
               </a:rPr>
-              <a:t>12</a:t>
+              <a:t>11</a:t>
             </a:fld>
             <a:endParaRPr lang="ru-RU" sz="2000" dirty="0">
               <a:solidFill>
@@ -4487,7 +4333,7 @@
 </p:sld>
 </file>
 
-<file path=ppt/slides/slide13.xml><?xml version="1.0" encoding="utf-8"?>
+<file path=ppt/slides/slide12.xml><?xml version="1.0" encoding="utf-8"?>
 <p:sld xmlns:a="http://schemas.openxmlformats.org/drawingml/2006/main" xmlns:r="http://schemas.openxmlformats.org/officeDocument/2006/relationships" xmlns:p="http://schemas.openxmlformats.org/presentationml/2006/main">
   <p:cSld>
     <p:spTree>
@@ -4565,7 +4411,7 @@
                   <a:schemeClr val="tx1"/>
                 </a:solidFill>
               </a:rPr>
-              <a:t>13</a:t>
+              <a:t>12</a:t>
             </a:fld>
             <a:endParaRPr lang="ru-RU" sz="2000" dirty="0">
               <a:solidFill>
@@ -4618,7 +4464,7 @@
 </p:sld>
 </file>
 
-<file path=ppt/slides/slide14.xml><?xml version="1.0" encoding="utf-8"?>
+<file path=ppt/slides/slide13.xml><?xml version="1.0" encoding="utf-8"?>
 <p:sld xmlns:a="http://schemas.openxmlformats.org/drawingml/2006/main" xmlns:r="http://schemas.openxmlformats.org/officeDocument/2006/relationships" xmlns:p="http://schemas.openxmlformats.org/presentationml/2006/main">
   <p:cSld>
     <p:spTree>
@@ -4698,7 +4544,7 @@
                   <a:schemeClr val="tx1"/>
                 </a:solidFill>
               </a:rPr>
-              <a:t>14</a:t>
+              <a:t>13</a:t>
             </a:fld>
             <a:endParaRPr lang="ru-RU" sz="2000" dirty="0">
               <a:solidFill>
@@ -4751,6 +4597,150 @@
 </p:sld>
 </file>
 
+<file path=ppt/slides/slide14.xml><?xml version="1.0" encoding="utf-8"?>
+<p:sld xmlns:a="http://schemas.openxmlformats.org/drawingml/2006/main" xmlns:r="http://schemas.openxmlformats.org/officeDocument/2006/relationships" xmlns:p="http://schemas.openxmlformats.org/presentationml/2006/main">
+  <p:cSld>
+    <p:spTree>
+      <p:nvGrpSpPr>
+        <p:cNvPr id="1" name=""/>
+        <p:cNvGrpSpPr/>
+        <p:nvPr/>
+      </p:nvGrpSpPr>
+      <p:grpSpPr>
+        <a:xfrm>
+          <a:off x="0" y="0"/>
+          <a:ext cx="0" cy="0"/>
+          <a:chOff x="0" y="0"/>
+          <a:chExt cx="0" cy="0"/>
+        </a:xfrm>
+      </p:grpSpPr>
+      <p:sp>
+        <p:nvSpPr>
+          <p:cNvPr id="2" name="Заголовок 1">
+            <a:extLst>
+              <a:ext uri="{FF2B5EF4-FFF2-40B4-BE49-F238E27FC236}">
+                <a16:creationId xmlns:a16="http://schemas.microsoft.com/office/drawing/2014/main" id="{99E7EC0C-4FA8-26CB-9B50-997CDFC95AFC}"/>
+              </a:ext>
+            </a:extLst>
+          </p:cNvPr>
+          <p:cNvSpPr>
+            <a:spLocks noGrp="1"/>
+          </p:cNvSpPr>
+          <p:nvPr>
+            <p:ph type="title"/>
+          </p:nvPr>
+        </p:nvSpPr>
+        <p:spPr>
+          <a:xfrm>
+            <a:off x="838200" y="365125"/>
+            <a:ext cx="10515600" cy="1024763"/>
+          </a:xfrm>
+        </p:spPr>
+        <p:txBody>
+          <a:bodyPr>
+            <a:noAutofit/>
+          </a:bodyPr>
+          <a:lstStyle/>
+          <a:p>
+            <a:pPr algn="ctr"/>
+            <a:r>
+              <a:rPr lang="ru-RU" sz="3200" b="1" dirty="0"/>
+              <a:t>Техническое задание на проектирование средств защиты информации автоматизированной системы потребительских кредитов</a:t>
+            </a:r>
+          </a:p>
+        </p:txBody>
+      </p:sp>
+      <p:sp>
+        <p:nvSpPr>
+          <p:cNvPr id="3" name="Объект 2">
+            <a:extLst>
+              <a:ext uri="{FF2B5EF4-FFF2-40B4-BE49-F238E27FC236}">
+                <a16:creationId xmlns:a16="http://schemas.microsoft.com/office/drawing/2014/main" id="{F3278044-BFF5-59D7-BCBC-CC765F7ECE11}"/>
+              </a:ext>
+            </a:extLst>
+          </p:cNvPr>
+          <p:cNvSpPr>
+            <a:spLocks noGrp="1"/>
+          </p:cNvSpPr>
+          <p:nvPr>
+            <p:ph idx="1"/>
+          </p:nvPr>
+        </p:nvSpPr>
+        <p:spPr>
+          <a:xfrm>
+            <a:off x="838200" y="2075688"/>
+            <a:ext cx="10515600" cy="4101275"/>
+          </a:xfrm>
+        </p:spPr>
+        <p:txBody>
+          <a:bodyPr>
+            <a:normAutofit/>
+          </a:bodyPr>
+          <a:lstStyle/>
+          <a:p>
+            <a:r>
+              <a:rPr lang="ru-RU" dirty="0"/>
+              <a:t>Целью и основными задачами СЗИ является предотвращение неправомерного доступа к информации, обрабатываемой объектом АС Потребительского кредитования.</a:t>
+            </a:r>
+          </a:p>
+          <a:p>
+            <a:r>
+              <a:rPr lang="ru-RU" dirty="0"/>
+              <a:t>В ТЗ описывается: Заказчик, Исполнитель договора, Период действия договора, Цель и основные требования, Состав и содержание работ, Порядок оформления и предъявления результатов работ, Назначение и цели создания системы, Общая характеристика, Требования к созданию АС, Требования к документированию, Состав и содержание поставляемого товара.</a:t>
+            </a:r>
+          </a:p>
+        </p:txBody>
+      </p:sp>
+      <p:sp>
+        <p:nvSpPr>
+          <p:cNvPr id="4" name="Номер слайда 3">
+            <a:extLst>
+              <a:ext uri="{FF2B5EF4-FFF2-40B4-BE49-F238E27FC236}">
+                <a16:creationId xmlns:a16="http://schemas.microsoft.com/office/drawing/2014/main" id="{089E7E28-6C24-021A-1D32-A04C258D15BA}"/>
+              </a:ext>
+            </a:extLst>
+          </p:cNvPr>
+          <p:cNvSpPr>
+            <a:spLocks noGrp="1"/>
+          </p:cNvSpPr>
+          <p:nvPr>
+            <p:ph type="sldNum" sz="quarter" idx="12"/>
+          </p:nvPr>
+        </p:nvSpPr>
+        <p:spPr/>
+        <p:txBody>
+          <a:bodyPr/>
+          <a:lstStyle/>
+          <a:p>
+            <a:fld id="{8666B52E-C19B-40B3-8032-CCCA6478B10A}" type="slidenum">
+              <a:rPr lang="ru-RU" sz="2000" smtClean="0">
+                <a:solidFill>
+                  <a:schemeClr val="tx1"/>
+                </a:solidFill>
+              </a:rPr>
+              <a:t>14</a:t>
+            </a:fld>
+            <a:endParaRPr lang="ru-RU" sz="2000" dirty="0">
+              <a:solidFill>
+                <a:schemeClr val="tx1"/>
+              </a:solidFill>
+            </a:endParaRPr>
+          </a:p>
+        </p:txBody>
+      </p:sp>
+    </p:spTree>
+    <p:extLst>
+      <p:ext uri="{BB962C8B-B14F-4D97-AF65-F5344CB8AC3E}">
+        <p14:creationId xmlns:p14="http://schemas.microsoft.com/office/powerpoint/2010/main" val="2967561987"/>
+      </p:ext>
+    </p:extLst>
+  </p:cSld>
+  <p:clrMapOvr>
+    <a:masterClrMapping/>
+  </p:clrMapOvr>
+</p:sld>
+</file>
+
 <file path=ppt/slides/slide15.xml><?xml version="1.0" encoding="utf-8"?>
 <p:sld xmlns:a="http://schemas.openxmlformats.org/drawingml/2006/main" xmlns:r="http://schemas.openxmlformats.org/officeDocument/2006/relationships" xmlns:p="http://schemas.openxmlformats.org/presentationml/2006/main">
   <p:cSld>
@@ -4773,7 +4763,7 @@
           <p:cNvPr id="2" name="Заголовок 1">
             <a:extLst>
               <a:ext uri="{FF2B5EF4-FFF2-40B4-BE49-F238E27FC236}">
-                <a16:creationId xmlns:a16="http://schemas.microsoft.com/office/drawing/2014/main" id="{99E7EC0C-4FA8-26CB-9B50-997CDFC95AFC}"/>
+                <a16:creationId xmlns:a16="http://schemas.microsoft.com/office/drawing/2014/main" id="{D601BBB1-6747-EEFC-9F19-747DF3EC9546}"/>
               </a:ext>
             </a:extLst>
           </p:cNvPr>
@@ -4786,20 +4776,20 @@
         </p:nvSpPr>
         <p:spPr>
           <a:xfrm>
-            <a:off x="838200" y="365125"/>
-            <a:ext cx="10515600" cy="1024763"/>
+            <a:off x="838200" y="681037"/>
+            <a:ext cx="10515600" cy="604139"/>
           </a:xfrm>
         </p:spPr>
         <p:txBody>
           <a:bodyPr>
-            <a:noAutofit/>
+            <a:normAutofit fontScale="90000"/>
           </a:bodyPr>
           <a:lstStyle/>
           <a:p>
             <a:pPr algn="ctr"/>
             <a:r>
-              <a:rPr lang="ru-RU" sz="3200" b="1" dirty="0"/>
-              <a:t>Техническое задание на проектирование средств защиты информации автоматизированной системы потребительских кредитов</a:t>
+              <a:rPr lang="ru-RU" b="1" dirty="0"/>
+              <a:t>Заключение</a:t>
             </a:r>
           </a:p>
         </p:txBody>
@@ -4809,7 +4799,7 @@
           <p:cNvPr id="3" name="Объект 2">
             <a:extLst>
               <a:ext uri="{FF2B5EF4-FFF2-40B4-BE49-F238E27FC236}">
-                <a16:creationId xmlns:a16="http://schemas.microsoft.com/office/drawing/2014/main" id="{F3278044-BFF5-59D7-BCBC-CC765F7ECE11}"/>
+                <a16:creationId xmlns:a16="http://schemas.microsoft.com/office/drawing/2014/main" id="{959E7C7B-D65E-D31F-34AE-E0769E785BE4}"/>
               </a:ext>
             </a:extLst>
           </p:cNvPr>
@@ -4820,28 +4810,38 @@
             <p:ph idx="1"/>
           </p:nvPr>
         </p:nvSpPr>
-        <p:spPr>
-          <a:xfrm>
-            <a:off x="838200" y="2075688"/>
-            <a:ext cx="10515600" cy="4101275"/>
-          </a:xfrm>
-        </p:spPr>
+        <p:spPr/>
         <p:txBody>
           <a:bodyPr>
-            <a:normAutofit/>
+            <a:normAutofit fontScale="85000" lnSpcReduction="10000"/>
           </a:bodyPr>
           <a:lstStyle/>
           <a:p>
             <a:r>
               <a:rPr lang="ru-RU" dirty="0"/>
-              <a:t>Целью и основными задачами СЗИ является предотвращение неправомерного доступа к информации, обрабатываемой объектом АС Потребительского кредитования.</a:t>
+              <a:t>В итоге выполнение анализа АС Потребительского кредитования как объекта защиты, позволило выявить общую характеристику объекта защиты выделить основные программные и аппаратные средства, а также группы внешних и внутренних пользователей АС, и возможные угрозы безопасности информации, и объекты, на которые эти угрозы воздействуют.</a:t>
             </a:r>
           </a:p>
           <a:p>
             <a:r>
               <a:rPr lang="ru-RU" dirty="0"/>
-              <a:t>В ТЗ описывается: Заказчик, Исполнитель договора, Период действия договора, Цель и основные требования, Состав и содержание работ, Порядок оформления и предъявления результатов работ, Назначение и цели создания системы, Общая характеристика, Требования к созданию АС, Требования к документированию, Состав и содержание поставляемого товара.</a:t>
-            </a:r>
+              <a:t>Определение требований по обеспечению безопасности в АС Потребительского кредитования, позволило выявить класс защищённости АС Потребительского кредитования, а также состав мер по обеспечению информационной безопасности АС Потребительского кредитования.</a:t>
+            </a:r>
+          </a:p>
+          <a:p>
+            <a:r>
+              <a:rPr lang="ru-RU" dirty="0"/>
+              <a:t>На основе информации, полученной в первом и втором разделах, было спроектировано техническое задание на создание системы защиты для АС Потребительского кредитования.</a:t>
+            </a:r>
+          </a:p>
+          <a:p>
+            <a:r>
+              <a:rPr lang="ru-RU" dirty="0"/>
+              <a:t>Таким образом все поставленные задачи выполнены, цель достигнута.</a:t>
+            </a:r>
+          </a:p>
+          <a:p>
+            <a:endParaRPr lang="ru-RU" dirty="0"/>
           </a:p>
         </p:txBody>
       </p:sp>
@@ -4850,7 +4850,7 @@
           <p:cNvPr id="4" name="Номер слайда 3">
             <a:extLst>
               <a:ext uri="{FF2B5EF4-FFF2-40B4-BE49-F238E27FC236}">
-                <a16:creationId xmlns:a16="http://schemas.microsoft.com/office/drawing/2014/main" id="{089E7E28-6C24-021A-1D32-A04C258D15BA}"/>
+                <a16:creationId xmlns:a16="http://schemas.microsoft.com/office/drawing/2014/main" id="{E0393E48-8A50-F16B-2AED-C58ACAFA9D65}"/>
               </a:ext>
             </a:extLst>
           </p:cNvPr>
@@ -4873,160 +4873,6 @@
                 </a:solidFill>
               </a:rPr>
               <a:t>15</a:t>
-            </a:fld>
-            <a:endParaRPr lang="ru-RU" sz="2000" dirty="0">
-              <a:solidFill>
-                <a:schemeClr val="tx1"/>
-              </a:solidFill>
-            </a:endParaRPr>
-          </a:p>
-        </p:txBody>
-      </p:sp>
-    </p:spTree>
-    <p:extLst>
-      <p:ext uri="{BB962C8B-B14F-4D97-AF65-F5344CB8AC3E}">
-        <p14:creationId xmlns:p14="http://schemas.microsoft.com/office/powerpoint/2010/main" val="2967561987"/>
-      </p:ext>
-    </p:extLst>
-  </p:cSld>
-  <p:clrMapOvr>
-    <a:masterClrMapping/>
-  </p:clrMapOvr>
-</p:sld>
-</file>
-
-<file path=ppt/slides/slide16.xml><?xml version="1.0" encoding="utf-8"?>
-<p:sld xmlns:a="http://schemas.openxmlformats.org/drawingml/2006/main" xmlns:r="http://schemas.openxmlformats.org/officeDocument/2006/relationships" xmlns:p="http://schemas.openxmlformats.org/presentationml/2006/main">
-  <p:cSld>
-    <p:spTree>
-      <p:nvGrpSpPr>
-        <p:cNvPr id="1" name=""/>
-        <p:cNvGrpSpPr/>
-        <p:nvPr/>
-      </p:nvGrpSpPr>
-      <p:grpSpPr>
-        <a:xfrm>
-          <a:off x="0" y="0"/>
-          <a:ext cx="0" cy="0"/>
-          <a:chOff x="0" y="0"/>
-          <a:chExt cx="0" cy="0"/>
-        </a:xfrm>
-      </p:grpSpPr>
-      <p:sp>
-        <p:nvSpPr>
-          <p:cNvPr id="2" name="Заголовок 1">
-            <a:extLst>
-              <a:ext uri="{FF2B5EF4-FFF2-40B4-BE49-F238E27FC236}">
-                <a16:creationId xmlns:a16="http://schemas.microsoft.com/office/drawing/2014/main" id="{D601BBB1-6747-EEFC-9F19-747DF3EC9546}"/>
-              </a:ext>
-            </a:extLst>
-          </p:cNvPr>
-          <p:cNvSpPr>
-            <a:spLocks noGrp="1"/>
-          </p:cNvSpPr>
-          <p:nvPr>
-            <p:ph type="title"/>
-          </p:nvPr>
-        </p:nvSpPr>
-        <p:spPr>
-          <a:xfrm>
-            <a:off x="838200" y="681037"/>
-            <a:ext cx="10515600" cy="604139"/>
-          </a:xfrm>
-        </p:spPr>
-        <p:txBody>
-          <a:bodyPr>
-            <a:normAutofit fontScale="90000"/>
-          </a:bodyPr>
-          <a:lstStyle/>
-          <a:p>
-            <a:pPr algn="ctr"/>
-            <a:r>
-              <a:rPr lang="ru-RU" b="1" dirty="0"/>
-              <a:t>Заключение</a:t>
-            </a:r>
-          </a:p>
-        </p:txBody>
-      </p:sp>
-      <p:sp>
-        <p:nvSpPr>
-          <p:cNvPr id="3" name="Объект 2">
-            <a:extLst>
-              <a:ext uri="{FF2B5EF4-FFF2-40B4-BE49-F238E27FC236}">
-                <a16:creationId xmlns:a16="http://schemas.microsoft.com/office/drawing/2014/main" id="{959E7C7B-D65E-D31F-34AE-E0769E785BE4}"/>
-              </a:ext>
-            </a:extLst>
-          </p:cNvPr>
-          <p:cNvSpPr>
-            <a:spLocks noGrp="1"/>
-          </p:cNvSpPr>
-          <p:nvPr>
-            <p:ph idx="1"/>
-          </p:nvPr>
-        </p:nvSpPr>
-        <p:spPr/>
-        <p:txBody>
-          <a:bodyPr>
-            <a:normAutofit fontScale="85000" lnSpcReduction="10000"/>
-          </a:bodyPr>
-          <a:lstStyle/>
-          <a:p>
-            <a:r>
-              <a:rPr lang="ru-RU" dirty="0"/>
-              <a:t>В итоге выполнение анализа АС Потребительского кредитования как объекта защиты, позволило выявить общую характеристику объекта защиты выделить основные программные и аппаратные средства, а также группы внешних и внутренних пользователей АС, и возможные угрозы безопасности информации, и объекты, на которые эти угрозы воздействуют.</a:t>
-            </a:r>
-          </a:p>
-          <a:p>
-            <a:r>
-              <a:rPr lang="ru-RU" dirty="0"/>
-              <a:t>Определение требований по обеспечению безопасности в АС Потребительского кредитования, позволило выявить класс защищённости АС Потребительского кредитования, а также состав мер по обеспечению информационной безопасности АС Потребительского кредитования.</a:t>
-            </a:r>
-          </a:p>
-          <a:p>
-            <a:r>
-              <a:rPr lang="ru-RU" dirty="0"/>
-              <a:t>На основе информации, полученной в первом и втором разделах, было спроектировано техническое задание на создание системы защиты для АС Потребительского кредитования.</a:t>
-            </a:r>
-          </a:p>
-          <a:p>
-            <a:r>
-              <a:rPr lang="ru-RU" dirty="0"/>
-              <a:t>Таким образом все поставленные задачи выполнены, цель достигнута.</a:t>
-            </a:r>
-          </a:p>
-          <a:p>
-            <a:endParaRPr lang="ru-RU" dirty="0"/>
-          </a:p>
-        </p:txBody>
-      </p:sp>
-      <p:sp>
-        <p:nvSpPr>
-          <p:cNvPr id="4" name="Номер слайда 3">
-            <a:extLst>
-              <a:ext uri="{FF2B5EF4-FFF2-40B4-BE49-F238E27FC236}">
-                <a16:creationId xmlns:a16="http://schemas.microsoft.com/office/drawing/2014/main" id="{E0393E48-8A50-F16B-2AED-C58ACAFA9D65}"/>
-              </a:ext>
-            </a:extLst>
-          </p:cNvPr>
-          <p:cNvSpPr>
-            <a:spLocks noGrp="1"/>
-          </p:cNvSpPr>
-          <p:nvPr>
-            <p:ph type="sldNum" sz="quarter" idx="12"/>
-          </p:nvPr>
-        </p:nvSpPr>
-        <p:spPr/>
-        <p:txBody>
-          <a:bodyPr/>
-          <a:lstStyle/>
-          <a:p>
-            <a:fld id="{8666B52E-C19B-40B3-8032-CCCA6478B10A}" type="slidenum">
-              <a:rPr lang="ru-RU" sz="2000" smtClean="0">
-                <a:solidFill>
-                  <a:schemeClr val="tx1"/>
-                </a:solidFill>
-              </a:rPr>
-              <a:t>16</a:t>
             </a:fld>
             <a:endParaRPr lang="ru-RU" sz="2000" dirty="0">
               <a:solidFill>
@@ -5148,7 +4994,15 @@
             </a:pPr>
             <a:r>
               <a:rPr lang="ru-RU" dirty="0"/>
-              <a:t>1.	Проанализировать автоматизированную систему потребительского кредитования как объекта защиты и определить возможные угрозы без-опасности.</a:t>
+              <a:t>1.	Проанализировать автоматизированную систему потребительского кредитования как объекта защиты и определить возможные угрозы </a:t>
+            </a:r>
+            <a:r>
+              <a:rPr lang="ru-RU" dirty="0" smtClean="0"/>
+              <a:t>безопасности</a:t>
+            </a:r>
+            <a:r>
+              <a:rPr lang="ru-RU" dirty="0"/>
+              <a:t>.</a:t>
             </a:r>
           </a:p>
           <a:p>
@@ -6213,7 +6067,7 @@
               </a:rPr>
               <a:t>8</a:t>
             </a:fld>
-            <a:endParaRPr lang="ru-RU" dirty="0">
+            <a:endParaRPr lang="ru-RU" sz="2000" dirty="0">
               <a:solidFill>
                 <a:schemeClr val="tx1"/>
               </a:solidFill>
@@ -6223,13 +6077,7 @@
       </p:sp>
       <p:pic>
         <p:nvPicPr>
-          <p:cNvPr id="6" name="Рисунок 5">
-            <a:extLst>
-              <a:ext uri="{FF2B5EF4-FFF2-40B4-BE49-F238E27FC236}">
-                <a16:creationId xmlns:a16="http://schemas.microsoft.com/office/drawing/2014/main" id="{E80C8CDA-58B0-0A42-4C94-BE7BC478BBEE}"/>
-              </a:ext>
-            </a:extLst>
-          </p:cNvPr>
+          <p:cNvPr id="3" name="Рисунок 2"/>
           <p:cNvPicPr>
             <a:picLocks noChangeAspect="1"/>
           </p:cNvPicPr>
@@ -6243,8 +6091,8 @@
         </p:blipFill>
         <p:spPr>
           <a:xfrm>
-            <a:off x="838201" y="2248149"/>
-            <a:ext cx="6075892" cy="1811787"/>
+            <a:off x="3655716" y="1940516"/>
+            <a:ext cx="4880567" cy="4688884"/>
           </a:xfrm>
           <a:prstGeom prst="rect">
             <a:avLst/>
@@ -6253,25 +6101,18 @@
       </p:pic>
       <p:sp>
         <p:nvSpPr>
-          <p:cNvPr id="8" name="TextBox 7">
-            <a:extLst>
-              <a:ext uri="{FF2B5EF4-FFF2-40B4-BE49-F238E27FC236}">
-                <a16:creationId xmlns:a16="http://schemas.microsoft.com/office/drawing/2014/main" id="{21908ED5-022F-A49B-28DA-E5B1CBD52B63}"/>
-              </a:ext>
-            </a:extLst>
-          </p:cNvPr>
-          <p:cNvSpPr txBox="1"/>
+          <p:cNvPr id="6" name="Прямоугольник 5"/>
+          <p:cNvSpPr/>
           <p:nvPr/>
         </p:nvSpPr>
         <p:spPr>
           <a:xfrm>
-            <a:off x="838200" y="1369254"/>
-            <a:ext cx="6083808" cy="878895"/>
+            <a:off x="838200" y="1477119"/>
+            <a:ext cx="10515600" cy="463397"/>
           </a:xfrm>
           <a:prstGeom prst="rect">
             <a:avLst/>
           </a:prstGeom>
-          <a:noFill/>
         </p:spPr>
         <p:txBody>
           <a:bodyPr wrap="square">
@@ -6279,22 +6120,21 @@
           </a:bodyPr>
           <a:lstStyle/>
           <a:p>
-            <a:pPr marL="1530350" indent="-989965" algn="just">
+            <a:pPr indent="540385" algn="ctr">
               <a:lnSpc>
                 <a:spcPct val="150000"/>
               </a:lnSpc>
               <a:spcAft>
-                <a:spcPts val="800"/>
+                <a:spcPts val="0"/>
               </a:spcAft>
             </a:pPr>
             <a:r>
-              <a:rPr lang="ru-RU" sz="1800" dirty="0">
-                <a:effectLst/>
+              <a:rPr lang="ru-RU" dirty="0">
                 <a:latin typeface="Times New Roman" panose="02020603050405020304" pitchFamily="18" charset="0"/>
                 <a:ea typeface="Times New Roman" panose="02020603050405020304" pitchFamily="18" charset="0"/>
                 <a:cs typeface="Times New Roman" panose="02020603050405020304" pitchFamily="18" charset="0"/>
               </a:rPr>
-              <a:t>Таблица 3 – Объекты воздействия и виды воздействия на них в АС по работе с кредитами</a:t>
+              <a:t>Таблица 7 – Возможные УИБ для АС по работе с кредитами</a:t>
             </a:r>
             <a:endParaRPr lang="ru-RU" sz="1400" dirty="0">
               <a:effectLst/>
@@ -6305,94 +6145,10 @@
           </a:p>
         </p:txBody>
       </p:sp>
-      <p:pic>
-        <p:nvPicPr>
-          <p:cNvPr id="10" name="Рисунок 9">
-            <a:extLst>
-              <a:ext uri="{FF2B5EF4-FFF2-40B4-BE49-F238E27FC236}">
-                <a16:creationId xmlns:a16="http://schemas.microsoft.com/office/drawing/2014/main" id="{FC0C1FC1-037D-8B40-229C-F87D0D612C2A}"/>
-              </a:ext>
-            </a:extLst>
-          </p:cNvPr>
-          <p:cNvPicPr>
-            <a:picLocks noChangeAspect="1"/>
-          </p:cNvPicPr>
-          <p:nvPr/>
-        </p:nvPicPr>
-        <p:blipFill>
-          <a:blip r:embed="rId3"/>
-          <a:stretch>
-            <a:fillRect/>
-          </a:stretch>
-        </p:blipFill>
-        <p:spPr>
-          <a:xfrm>
-            <a:off x="5617596" y="4346294"/>
-            <a:ext cx="6296904" cy="2010056"/>
-          </a:xfrm>
-          <a:prstGeom prst="rect">
-            <a:avLst/>
-          </a:prstGeom>
-        </p:spPr>
-      </p:pic>
-      <p:sp>
-        <p:nvSpPr>
-          <p:cNvPr id="12" name="TextBox 11">
-            <a:extLst>
-              <a:ext uri="{FF2B5EF4-FFF2-40B4-BE49-F238E27FC236}">
-                <a16:creationId xmlns:a16="http://schemas.microsoft.com/office/drawing/2014/main" id="{5A01B166-FD99-E3FE-00DA-47C9E00381C6}"/>
-              </a:ext>
-            </a:extLst>
-          </p:cNvPr>
-          <p:cNvSpPr txBox="1"/>
-          <p:nvPr/>
-        </p:nvSpPr>
-        <p:spPr>
-          <a:xfrm>
-            <a:off x="6537960" y="3429000"/>
-            <a:ext cx="5376540" cy="878895"/>
-          </a:xfrm>
-          <a:prstGeom prst="rect">
-            <a:avLst/>
-          </a:prstGeom>
-          <a:noFill/>
-        </p:spPr>
-        <p:txBody>
-          <a:bodyPr wrap="square">
-            <a:spAutoFit/>
-          </a:bodyPr>
-          <a:lstStyle/>
-          <a:p>
-            <a:pPr marL="1530350" indent="-989965" algn="just">
-              <a:lnSpc>
-                <a:spcPct val="150000"/>
-              </a:lnSpc>
-              <a:spcAft>
-                <a:spcPts val="800"/>
-              </a:spcAft>
-            </a:pPr>
-            <a:r>
-              <a:rPr lang="ru-RU" sz="1800" dirty="0">
-                <a:effectLst/>
-                <a:latin typeface="Times New Roman" panose="02020603050405020304" pitchFamily="18" charset="0"/>
-                <a:ea typeface="Times New Roman" panose="02020603050405020304" pitchFamily="18" charset="0"/>
-                <a:cs typeface="Times New Roman" panose="02020603050405020304" pitchFamily="18" charset="0"/>
-              </a:rPr>
-              <a:t>Таблица 4 – Потенциальные нарушители УБИ в АС по работе с кредитами</a:t>
-            </a:r>
-            <a:endParaRPr lang="ru-RU" sz="1400" dirty="0">
-              <a:effectLst/>
-              <a:latin typeface="Calibri" panose="020F0502020204030204" pitchFamily="34" charset="0"/>
-              <a:ea typeface="Times New Roman" panose="02020603050405020304" pitchFamily="18" charset="0"/>
-              <a:cs typeface="Times New Roman" panose="02020603050405020304" pitchFamily="18" charset="0"/>
-            </a:endParaRPr>
-          </a:p>
-        </p:txBody>
-      </p:sp>
     </p:spTree>
     <p:extLst>
       <p:ext uri="{BB962C8B-B14F-4D97-AF65-F5344CB8AC3E}">
-        <p14:creationId xmlns:p14="http://schemas.microsoft.com/office/powerpoint/2010/main" val="3403834099"/>
+        <p14:creationId xmlns:p14="http://schemas.microsoft.com/office/powerpoint/2010/main" val="3639506500"/>
       </p:ext>
     </p:extLst>
   </p:cSld>
@@ -6424,7 +6180,7 @@
           <p:cNvPr id="2" name="Заголовок 1">
             <a:extLst>
               <a:ext uri="{FF2B5EF4-FFF2-40B4-BE49-F238E27FC236}">
-                <a16:creationId xmlns:a16="http://schemas.microsoft.com/office/drawing/2014/main" id="{10FE7714-D2BD-58EE-DB36-668C903A3522}"/>
+                <a16:creationId xmlns:a16="http://schemas.microsoft.com/office/drawing/2014/main" id="{8935D5EF-6051-9323-D0D6-8FAB21BB6475}"/>
               </a:ext>
             </a:extLst>
           </p:cNvPr>
@@ -6435,23 +6191,77 @@
             <p:ph type="title"/>
           </p:nvPr>
         </p:nvSpPr>
-        <p:spPr>
-          <a:xfrm>
-            <a:off x="838200" y="365125"/>
-            <a:ext cx="10515600" cy="759587"/>
-          </a:xfrm>
-        </p:spPr>
-        <p:txBody>
-          <a:bodyPr>
-            <a:normAutofit fontScale="90000"/>
-          </a:bodyPr>
+        <p:spPr/>
+        <p:txBody>
+          <a:bodyPr/>
           <a:lstStyle/>
           <a:p>
             <a:pPr algn="ctr"/>
             <a:r>
-              <a:rPr lang="ru-RU" sz="3200" b="1" dirty="0"/>
-              <a:t>Возможные угрозы безопасности информации для АС Потребительского кредитования</a:t>
-            </a:r>
+              <a:rPr lang="ru-RU" b="1" dirty="0"/>
+              <a:t>Классификация АС Потребительского кредитования</a:t>
+            </a:r>
+          </a:p>
+        </p:txBody>
+      </p:sp>
+      <p:sp>
+        <p:nvSpPr>
+          <p:cNvPr id="3" name="Объект 2">
+            <a:extLst>
+              <a:ext uri="{FF2B5EF4-FFF2-40B4-BE49-F238E27FC236}">
+                <a16:creationId xmlns:a16="http://schemas.microsoft.com/office/drawing/2014/main" id="{CBE190E1-DB26-C7D0-A97C-9F85AC07344D}"/>
+              </a:ext>
+            </a:extLst>
+          </p:cNvPr>
+          <p:cNvSpPr>
+            <a:spLocks noGrp="1"/>
+          </p:cNvSpPr>
+          <p:nvPr>
+            <p:ph idx="1"/>
+          </p:nvPr>
+        </p:nvSpPr>
+        <p:spPr/>
+        <p:txBody>
+          <a:bodyPr/>
+          <a:lstStyle/>
+          <a:p>
+            <a:r>
+              <a:rPr lang="ru-RU" dirty="0"/>
+              <a:t>Класс защищенности информационной системы определяется в </a:t>
+            </a:r>
+            <a:r>
+              <a:rPr lang="ru-RU" dirty="0" smtClean="0"/>
+              <a:t>зависимости </a:t>
+            </a:r>
+            <a:r>
+              <a:rPr lang="ru-RU" dirty="0"/>
+              <a:t>от уровня значимости информации, обрабатываемой в этой </a:t>
+            </a:r>
+            <a:r>
+              <a:rPr lang="ru-RU" dirty="0" smtClean="0"/>
+              <a:t>информационной </a:t>
+            </a:r>
+            <a:r>
+              <a:rPr lang="ru-RU" dirty="0"/>
+              <a:t>системе, и масштаба информационной системы.</a:t>
+            </a:r>
+          </a:p>
+          <a:p>
+            <a:r>
+              <a:rPr lang="ru-RU" dirty="0"/>
+              <a:t>Уровень значимости информации определяется степенью возможного ущерба для обладателя информации и (или) оператора от нарушения </a:t>
+            </a:r>
+            <a:r>
+              <a:rPr lang="ru-RU" dirty="0" smtClean="0"/>
+              <a:t>конфиденциальности</a:t>
+            </a:r>
+            <a:r>
+              <a:rPr lang="ru-RU" dirty="0"/>
+              <a:t>, целостности или доступности информации.</a:t>
+            </a:r>
+          </a:p>
+          <a:p>
+            <a:endParaRPr lang="ru-RU" dirty="0"/>
           </a:p>
         </p:txBody>
       </p:sp>
@@ -6460,7 +6270,7 @@
           <p:cNvPr id="4" name="Номер слайда 3">
             <a:extLst>
               <a:ext uri="{FF2B5EF4-FFF2-40B4-BE49-F238E27FC236}">
-                <a16:creationId xmlns:a16="http://schemas.microsoft.com/office/drawing/2014/main" id="{B749E474-E60C-E485-0873-CB4794CFB755}"/>
+                <a16:creationId xmlns:a16="http://schemas.microsoft.com/office/drawing/2014/main" id="{D45BE40A-06E0-051C-9854-8074B4B81497}"/>
               </a:ext>
             </a:extLst>
           </p:cNvPr>
@@ -6492,94 +6302,10 @@
           </a:p>
         </p:txBody>
       </p:sp>
-      <p:pic>
-        <p:nvPicPr>
-          <p:cNvPr id="5" name="Рисунок 4">
-            <a:extLst>
-              <a:ext uri="{FF2B5EF4-FFF2-40B4-BE49-F238E27FC236}">
-                <a16:creationId xmlns:a16="http://schemas.microsoft.com/office/drawing/2014/main" id="{C1107AD3-01AC-C14E-A7FC-602EA641C6D2}"/>
-              </a:ext>
-            </a:extLst>
-          </p:cNvPr>
-          <p:cNvPicPr>
-            <a:picLocks noChangeAspect="1"/>
-          </p:cNvPicPr>
-          <p:nvPr/>
-        </p:nvPicPr>
-        <p:blipFill>
-          <a:blip r:embed="rId2"/>
-          <a:stretch>
-            <a:fillRect/>
-          </a:stretch>
-        </p:blipFill>
-        <p:spPr>
-          <a:xfrm>
-            <a:off x="2085287" y="1916211"/>
-            <a:ext cx="8021419" cy="4440139"/>
-          </a:xfrm>
-          <a:prstGeom prst="rect">
-            <a:avLst/>
-          </a:prstGeom>
-        </p:spPr>
-      </p:pic>
-      <p:sp>
-        <p:nvSpPr>
-          <p:cNvPr id="9" name="TextBox 8">
-            <a:extLst>
-              <a:ext uri="{FF2B5EF4-FFF2-40B4-BE49-F238E27FC236}">
-                <a16:creationId xmlns:a16="http://schemas.microsoft.com/office/drawing/2014/main" id="{E9FFA0B4-0E3C-1F72-2965-837229BD5CAF}"/>
-              </a:ext>
-            </a:extLst>
-          </p:cNvPr>
-          <p:cNvSpPr txBox="1"/>
-          <p:nvPr/>
-        </p:nvSpPr>
-        <p:spPr>
-          <a:xfrm>
-            <a:off x="838198" y="1124712"/>
-            <a:ext cx="10515599" cy="791499"/>
-          </a:xfrm>
-          <a:prstGeom prst="rect">
-            <a:avLst/>
-          </a:prstGeom>
-          <a:noFill/>
-        </p:spPr>
-        <p:txBody>
-          <a:bodyPr wrap="square">
-            <a:spAutoFit/>
-          </a:bodyPr>
-          <a:lstStyle/>
-          <a:p>
-            <a:pPr marL="1530350" indent="-989965" algn="just">
-              <a:lnSpc>
-                <a:spcPct val="150000"/>
-              </a:lnSpc>
-              <a:spcAft>
-                <a:spcPts val="800"/>
-              </a:spcAft>
-            </a:pPr>
-            <a:r>
-              <a:rPr lang="ru-RU" sz="1600" dirty="0">
-                <a:effectLst/>
-                <a:latin typeface="Times New Roman" panose="02020603050405020304" pitchFamily="18" charset="0"/>
-                <a:ea typeface="Times New Roman" panose="02020603050405020304" pitchFamily="18" charset="0"/>
-                <a:cs typeface="Times New Roman" panose="02020603050405020304" pitchFamily="18" charset="0"/>
-              </a:rPr>
-              <a:t>Таблица 5 – Цели реализации нарушителями угроз безопасности информации в зависимости от возможных негативных последствий и видов ущерба от их реализации для АС по работе с кредитами</a:t>
-            </a:r>
-            <a:endParaRPr lang="ru-RU" sz="1200" dirty="0">
-              <a:effectLst/>
-              <a:latin typeface="Calibri" panose="020F0502020204030204" pitchFamily="34" charset="0"/>
-              <a:ea typeface="Times New Roman" panose="02020603050405020304" pitchFamily="18" charset="0"/>
-              <a:cs typeface="Times New Roman" panose="02020603050405020304" pitchFamily="18" charset="0"/>
-            </a:endParaRPr>
-          </a:p>
-        </p:txBody>
-      </p:sp>
     </p:spTree>
     <p:extLst>
       <p:ext uri="{BB962C8B-B14F-4D97-AF65-F5344CB8AC3E}">
-        <p14:creationId xmlns:p14="http://schemas.microsoft.com/office/powerpoint/2010/main" val="3639506500"/>
+        <p14:creationId xmlns:p14="http://schemas.microsoft.com/office/powerpoint/2010/main" val="556537270"/>
       </p:ext>
     </p:extLst>
   </p:cSld>

--- a/анацкая/КП/КР ЧигаревА.Ю. БИб-21Э1 ТПЗАС.pptx
+++ b/анацкая/КП/КР ЧигаревА.Ю. БИб-21Э1 ТПЗАС.pptx
@@ -4104,7 +4104,7 @@
         <p:spPr>
           <a:xfrm>
             <a:off x="838200" y="365126"/>
-            <a:ext cx="10515600" cy="959478"/>
+            <a:ext cx="10515600" cy="558799"/>
           </a:xfrm>
         </p:spPr>
         <p:txBody>
@@ -4115,7 +4115,7 @@
           <a:p>
             <a:pPr algn="ctr"/>
             <a:r>
-              <a:rPr lang="ru-RU" b="1" dirty="0"/>
+              <a:rPr lang="ru-RU" sz="3600" b="1" dirty="0"/>
               <a:t>Набор мер защиты в информационной системе</a:t>
             </a:r>
           </a:p>
@@ -4179,8 +4179,8 @@
         </p:blipFill>
         <p:spPr>
           <a:xfrm>
-            <a:off x="2837995" y="1324603"/>
-            <a:ext cx="6516009" cy="5396872"/>
+            <a:off x="2600325" y="923925"/>
+            <a:ext cx="6991350" cy="5790572"/>
           </a:xfrm>
           <a:prstGeom prst="rect">
             <a:avLst/>
@@ -4241,13 +4241,13 @@
         </p:spPr>
         <p:txBody>
           <a:bodyPr>
-            <a:normAutofit/>
+            <a:noAutofit/>
           </a:bodyPr>
           <a:lstStyle/>
           <a:p>
             <a:pPr algn="ctr"/>
             <a:r>
-              <a:rPr lang="ru-RU" sz="3200" dirty="0"/>
+              <a:rPr lang="ru-RU" sz="3600" b="1" dirty="0"/>
               <a:t>Исключённые базовые меры в процессе адаптации</a:t>
             </a:r>
           </a:p>
@@ -4373,12 +4373,14 @@
           </a:xfrm>
         </p:spPr>
         <p:txBody>
-          <a:bodyPr/>
+          <a:bodyPr>
+            <a:normAutofit/>
+          </a:bodyPr>
           <a:lstStyle/>
           <a:p>
             <a:pPr algn="ctr"/>
             <a:r>
-              <a:rPr lang="ru-RU" dirty="0"/>
+              <a:rPr lang="ru-RU" sz="3600" b="1" dirty="0"/>
               <a:t>Сопоставление мер противодействия</a:t>
             </a:r>
           </a:p>
@@ -4499,8 +4501,8 @@
         </p:nvSpPr>
         <p:spPr>
           <a:xfrm>
-            <a:off x="839898" y="649325"/>
-            <a:ext cx="10515600" cy="284098"/>
+            <a:off x="839898" y="409575"/>
+            <a:ext cx="10515600" cy="809625"/>
           </a:xfrm>
         </p:spPr>
         <p:txBody>
@@ -4511,8 +4513,27 @@
           <a:p>
             <a:pPr algn="ctr"/>
             <a:r>
-              <a:rPr lang="ru-RU" sz="3200" b="1" dirty="0"/>
-              <a:t>Сравнение мер в приказах ФСТЭК РОССИИ №17 и №21</a:t>
+              <a:rPr lang="ru-RU" sz="3600" b="1" dirty="0" smtClean="0"/>
+              <a:t>Сопоставление </a:t>
+            </a:r>
+            <a:r>
+              <a:rPr lang="ru-RU" sz="3600" b="1" dirty="0"/>
+              <a:t>мер в приказах </a:t>
+            </a:r>
+            <a:r>
+              <a:rPr lang="ru-RU" sz="3600" b="1" dirty="0" smtClean="0"/>
+              <a:t/>
+            </a:r>
+            <a:br>
+              <a:rPr lang="ru-RU" sz="3600" b="1" dirty="0" smtClean="0"/>
+            </a:br>
+            <a:r>
+              <a:rPr lang="ru-RU" sz="3600" b="1" dirty="0" smtClean="0"/>
+              <a:t>ФСТЭК </a:t>
+            </a:r>
+            <a:r>
+              <a:rPr lang="ru-RU" sz="3600" b="1" dirty="0"/>
+              <a:t>РОССИИ №17 и №21</a:t>
             </a:r>
           </a:p>
         </p:txBody>
@@ -4576,8 +4597,8 @@
         </p:blipFill>
         <p:spPr>
           <a:xfrm>
-            <a:off x="839898" y="1501622"/>
-            <a:ext cx="10512203" cy="4286529"/>
+            <a:off x="257965" y="1406525"/>
+            <a:ext cx="11679465" cy="4762500"/>
           </a:xfrm>
           <a:prstGeom prst="rect">
             <a:avLst/>
@@ -4632,8 +4653,8 @@
         </p:nvSpPr>
         <p:spPr>
           <a:xfrm>
-            <a:off x="838200" y="365125"/>
-            <a:ext cx="10515600" cy="1024763"/>
+            <a:off x="200025" y="555625"/>
+            <a:ext cx="11763375" cy="1024763"/>
           </a:xfrm>
         </p:spPr>
         <p:txBody>
@@ -4644,7 +4665,7 @@
           <a:p>
             <a:pPr algn="ctr"/>
             <a:r>
-              <a:rPr lang="ru-RU" sz="3200" b="1" dirty="0"/>
+              <a:rPr lang="ru-RU" sz="3600" b="1" dirty="0"/>
               <a:t>Техническое задание на проектирование средств защиты информации автоматизированной системы потребительских кредитов</a:t>
             </a:r>
           </a:p>
@@ -4782,13 +4803,13 @@
         </p:spPr>
         <p:txBody>
           <a:bodyPr>
-            <a:normAutofit fontScale="90000"/>
+            <a:normAutofit/>
           </a:bodyPr>
           <a:lstStyle/>
           <a:p>
             <a:pPr algn="ctr"/>
             <a:r>
-              <a:rPr lang="ru-RU" b="1" dirty="0"/>
+              <a:rPr lang="ru-RU" sz="3600" b="1" dirty="0"/>
               <a:t>Заключение</a:t>
             </a:r>
           </a:p>
@@ -5689,7 +5710,7 @@
           <a:p>
             <a:pPr algn="ctr"/>
             <a:r>
-              <a:rPr lang="ru-RU" b="1" dirty="0"/>
+              <a:rPr lang="ru-RU" sz="3600" b="1" dirty="0"/>
               <a:t>Диаграмма основных функций АС Потребительское кредитование</a:t>
             </a:r>
           </a:p>
@@ -5822,13 +5843,13 @@
         <p:spPr/>
         <p:txBody>
           <a:bodyPr>
-            <a:normAutofit fontScale="90000"/>
+            <a:normAutofit/>
           </a:bodyPr>
           <a:lstStyle/>
           <a:p>
             <a:pPr algn="ctr"/>
             <a:r>
-              <a:rPr lang="ru-RU" b="1" dirty="0"/>
+              <a:rPr lang="ru-RU" sz="3600" b="1" dirty="0"/>
               <a:t>Возможные угрозы безопасности информации для АС Потребительского кредитования</a:t>
             </a:r>
           </a:p>
@@ -6026,13 +6047,13 @@
         </p:spPr>
         <p:txBody>
           <a:bodyPr>
-            <a:normAutofit fontScale="90000"/>
+            <a:noAutofit/>
           </a:bodyPr>
           <a:lstStyle/>
           <a:p>
             <a:pPr algn="ctr"/>
             <a:r>
-              <a:rPr lang="ru-RU" sz="3200" b="1" dirty="0"/>
+              <a:rPr lang="ru-RU" sz="3600" b="1" dirty="0"/>
               <a:t>Возможные угрозы безопасности информации для АС Потребительского кредитования</a:t>
             </a:r>
           </a:p>
@@ -6193,12 +6214,14 @@
         </p:nvSpPr>
         <p:spPr/>
         <p:txBody>
-          <a:bodyPr/>
+          <a:bodyPr>
+            <a:normAutofit/>
+          </a:bodyPr>
           <a:lstStyle/>
           <a:p>
             <a:pPr algn="ctr"/>
             <a:r>
-              <a:rPr lang="ru-RU" b="1" dirty="0"/>
+              <a:rPr lang="ru-RU" sz="3600" b="1" dirty="0"/>
               <a:t>Классификация АС Потребительского кредитования</a:t>
             </a:r>
           </a:p>

--- a/анацкая/КП/КР ЧигаревА.Ю. БИб-21Э1 ТПЗАС.pptx
+++ b/анацкая/КП/КР ЧигаревА.Ю. БИб-21Э1 ТПЗАС.pptx
@@ -476,6 +476,90 @@
     </a:lvl9pPr>
   </p:notesStyle>
 </p:notesMaster>
+</file>
+
+<file path=ppt/notesSlides/notesSlide1.xml><?xml version="1.0" encoding="utf-8"?>
+<p:notes xmlns:a="http://schemas.openxmlformats.org/drawingml/2006/main" xmlns:r="http://schemas.openxmlformats.org/officeDocument/2006/relationships" xmlns:p="http://schemas.openxmlformats.org/presentationml/2006/main">
+  <p:cSld>
+    <p:spTree>
+      <p:nvGrpSpPr>
+        <p:cNvPr id="1" name=""/>
+        <p:cNvGrpSpPr/>
+        <p:nvPr/>
+      </p:nvGrpSpPr>
+      <p:grpSpPr>
+        <a:xfrm>
+          <a:off x="0" y="0"/>
+          <a:ext cx="0" cy="0"/>
+          <a:chOff x="0" y="0"/>
+          <a:chExt cx="0" cy="0"/>
+        </a:xfrm>
+      </p:grpSpPr>
+      <p:sp>
+        <p:nvSpPr>
+          <p:cNvPr id="2" name="Образ слайда 1"/>
+          <p:cNvSpPr>
+            <a:spLocks noGrp="1" noRot="1" noChangeAspect="1"/>
+          </p:cNvSpPr>
+          <p:nvPr>
+            <p:ph type="sldImg"/>
+          </p:nvPr>
+        </p:nvSpPr>
+        <p:spPr/>
+      </p:sp>
+      <p:sp>
+        <p:nvSpPr>
+          <p:cNvPr id="3" name="Заметки 2"/>
+          <p:cNvSpPr>
+            <a:spLocks noGrp="1"/>
+          </p:cNvSpPr>
+          <p:nvPr>
+            <p:ph type="body" idx="1"/>
+          </p:nvPr>
+        </p:nvSpPr>
+        <p:spPr/>
+        <p:txBody>
+          <a:bodyPr/>
+          <a:lstStyle/>
+          <a:p>
+            <a:endParaRPr lang="ru-RU" dirty="0"/>
+          </a:p>
+        </p:txBody>
+      </p:sp>
+      <p:sp>
+        <p:nvSpPr>
+          <p:cNvPr id="4" name="Номер слайда 3"/>
+          <p:cNvSpPr>
+            <a:spLocks noGrp="1"/>
+          </p:cNvSpPr>
+          <p:nvPr>
+            <p:ph type="sldNum" sz="quarter" idx="10"/>
+          </p:nvPr>
+        </p:nvSpPr>
+        <p:spPr/>
+        <p:txBody>
+          <a:bodyPr/>
+          <a:lstStyle/>
+          <a:p>
+            <a:fld id="{91B407FB-0A78-4BA4-9032-970417349B12}" type="slidenum">
+              <a:rPr lang="ru-RU" smtClean="0"/>
+              <a:t>2</a:t>
+            </a:fld>
+            <a:endParaRPr lang="ru-RU"/>
+          </a:p>
+        </p:txBody>
+      </p:sp>
+    </p:spTree>
+    <p:extLst>
+      <p:ext uri="{BB962C8B-B14F-4D97-AF65-F5344CB8AC3E}">
+        <p14:creationId xmlns:p14="http://schemas.microsoft.com/office/powerpoint/2010/main" val="3236697269"/>
+      </p:ext>
+    </p:extLst>
+  </p:cSld>
+  <p:clrMapOvr>
+    <a:masterClrMapping/>
+  </p:clrMapOvr>
+</p:notes>
 </file>
 
 <file path=ppt/slideLayouts/slideLayout1.xml><?xml version="1.0" encoding="utf-8"?>
@@ -3965,7 +4049,7 @@
                 <a:latin typeface="Times New Roman" panose="02020603050405020304" pitchFamily="18" charset="0"/>
                 <a:cs typeface="Times New Roman" panose="02020603050405020304" pitchFamily="18" charset="0"/>
               </a:rPr>
-              <a:t>Руководитель проекта</a:t>
+              <a:t>Руководитель</a:t>
             </a:r>
             <a:endParaRPr lang="ru-RU" dirty="0">
               <a:latin typeface="Times New Roman" panose="02020603050405020304" pitchFamily="18" charset="0"/>

--- a/анацкая/КП/КР ЧигаревА.Ю. БИб-21Э1 ТПЗАС.pptx
+++ b/анацкая/КП/КР ЧигаревА.Ю. БИб-21Э1 ТПЗАС.pptx
@@ -10,15 +10,15 @@
   <p:sldIdLst>
     <p:sldId id="256" r:id="rId2"/>
     <p:sldId id="257" r:id="rId3"/>
-    <p:sldId id="258" r:id="rId4"/>
-    <p:sldId id="265" r:id="rId5"/>
+    <p:sldId id="265" r:id="rId4"/>
+    <p:sldId id="258" r:id="rId5"/>
     <p:sldId id="259" r:id="rId6"/>
     <p:sldId id="260" r:id="rId7"/>
     <p:sldId id="262" r:id="rId8"/>
     <p:sldId id="267" r:id="rId9"/>
     <p:sldId id="264" r:id="rId10"/>
-    <p:sldId id="263" r:id="rId11"/>
-    <p:sldId id="268" r:id="rId12"/>
+    <p:sldId id="268" r:id="rId11"/>
+    <p:sldId id="263" r:id="rId12"/>
     <p:sldId id="269" r:id="rId13"/>
     <p:sldId id="270" r:id="rId14"/>
     <p:sldId id="271" r:id="rId15"/>
@@ -543,6 +543,90 @@
           <a:p>
             <a:fld id="{91B407FB-0A78-4BA4-9032-970417349B12}" type="slidenum">
               <a:rPr lang="ru-RU" smtClean="0"/>
+              <a:t>1</a:t>
+            </a:fld>
+            <a:endParaRPr lang="ru-RU"/>
+          </a:p>
+        </p:txBody>
+      </p:sp>
+    </p:spTree>
+    <p:extLst>
+      <p:ext uri="{BB962C8B-B14F-4D97-AF65-F5344CB8AC3E}">
+        <p14:creationId xmlns:p14="http://schemas.microsoft.com/office/powerpoint/2010/main" val="556707143"/>
+      </p:ext>
+    </p:extLst>
+  </p:cSld>
+  <p:clrMapOvr>
+    <a:masterClrMapping/>
+  </p:clrMapOvr>
+</p:notes>
+</file>
+
+<file path=ppt/notesSlides/notesSlide2.xml><?xml version="1.0" encoding="utf-8"?>
+<p:notes xmlns:a="http://schemas.openxmlformats.org/drawingml/2006/main" xmlns:r="http://schemas.openxmlformats.org/officeDocument/2006/relationships" xmlns:p="http://schemas.openxmlformats.org/presentationml/2006/main">
+  <p:cSld>
+    <p:spTree>
+      <p:nvGrpSpPr>
+        <p:cNvPr id="1" name=""/>
+        <p:cNvGrpSpPr/>
+        <p:nvPr/>
+      </p:nvGrpSpPr>
+      <p:grpSpPr>
+        <a:xfrm>
+          <a:off x="0" y="0"/>
+          <a:ext cx="0" cy="0"/>
+          <a:chOff x="0" y="0"/>
+          <a:chExt cx="0" cy="0"/>
+        </a:xfrm>
+      </p:grpSpPr>
+      <p:sp>
+        <p:nvSpPr>
+          <p:cNvPr id="2" name="Образ слайда 1"/>
+          <p:cNvSpPr>
+            <a:spLocks noGrp="1" noRot="1" noChangeAspect="1"/>
+          </p:cNvSpPr>
+          <p:nvPr>
+            <p:ph type="sldImg"/>
+          </p:nvPr>
+        </p:nvSpPr>
+        <p:spPr/>
+      </p:sp>
+      <p:sp>
+        <p:nvSpPr>
+          <p:cNvPr id="3" name="Заметки 2"/>
+          <p:cNvSpPr>
+            <a:spLocks noGrp="1"/>
+          </p:cNvSpPr>
+          <p:nvPr>
+            <p:ph type="body" idx="1"/>
+          </p:nvPr>
+        </p:nvSpPr>
+        <p:spPr/>
+        <p:txBody>
+          <a:bodyPr/>
+          <a:lstStyle/>
+          <a:p>
+            <a:endParaRPr lang="ru-RU" dirty="0"/>
+          </a:p>
+        </p:txBody>
+      </p:sp>
+      <p:sp>
+        <p:nvSpPr>
+          <p:cNvPr id="4" name="Номер слайда 3"/>
+          <p:cNvSpPr>
+            <a:spLocks noGrp="1"/>
+          </p:cNvSpPr>
+          <p:nvPr>
+            <p:ph type="sldNum" sz="quarter" idx="10"/>
+          </p:nvPr>
+        </p:nvSpPr>
+        <p:spPr/>
+        <p:txBody>
+          <a:bodyPr/>
+          <a:lstStyle/>
+          <a:p>
+            <a:fld id="{91B407FB-0A78-4BA4-9032-970417349B12}" type="slidenum">
+              <a:rPr lang="ru-RU" smtClean="0"/>
               <a:t>2</a:t>
             </a:fld>
             <a:endParaRPr lang="ru-RU"/>
@@ -553,6 +637,594 @@
     <p:extLst>
       <p:ext uri="{BB962C8B-B14F-4D97-AF65-F5344CB8AC3E}">
         <p14:creationId xmlns:p14="http://schemas.microsoft.com/office/powerpoint/2010/main" val="3236697269"/>
+      </p:ext>
+    </p:extLst>
+  </p:cSld>
+  <p:clrMapOvr>
+    <a:masterClrMapping/>
+  </p:clrMapOvr>
+</p:notes>
+</file>
+
+<file path=ppt/notesSlides/notesSlide3.xml><?xml version="1.0" encoding="utf-8"?>
+<p:notes xmlns:a="http://schemas.openxmlformats.org/drawingml/2006/main" xmlns:r="http://schemas.openxmlformats.org/officeDocument/2006/relationships" xmlns:p="http://schemas.openxmlformats.org/presentationml/2006/main">
+  <p:cSld>
+    <p:spTree>
+      <p:nvGrpSpPr>
+        <p:cNvPr id="1" name=""/>
+        <p:cNvGrpSpPr/>
+        <p:nvPr/>
+      </p:nvGrpSpPr>
+      <p:grpSpPr>
+        <a:xfrm>
+          <a:off x="0" y="0"/>
+          <a:ext cx="0" cy="0"/>
+          <a:chOff x="0" y="0"/>
+          <a:chExt cx="0" cy="0"/>
+        </a:xfrm>
+      </p:grpSpPr>
+      <p:sp>
+        <p:nvSpPr>
+          <p:cNvPr id="2" name="Образ слайда 1"/>
+          <p:cNvSpPr>
+            <a:spLocks noGrp="1" noRot="1" noChangeAspect="1"/>
+          </p:cNvSpPr>
+          <p:nvPr>
+            <p:ph type="sldImg"/>
+          </p:nvPr>
+        </p:nvSpPr>
+        <p:spPr/>
+      </p:sp>
+      <p:sp>
+        <p:nvSpPr>
+          <p:cNvPr id="3" name="Заметки 2"/>
+          <p:cNvSpPr>
+            <a:spLocks noGrp="1"/>
+          </p:cNvSpPr>
+          <p:nvPr>
+            <p:ph type="body" idx="1"/>
+          </p:nvPr>
+        </p:nvSpPr>
+        <p:spPr/>
+        <p:txBody>
+          <a:bodyPr/>
+          <a:lstStyle/>
+          <a:p>
+            <a:endParaRPr lang="ru-RU" dirty="0"/>
+          </a:p>
+        </p:txBody>
+      </p:sp>
+      <p:sp>
+        <p:nvSpPr>
+          <p:cNvPr id="4" name="Номер слайда 3"/>
+          <p:cNvSpPr>
+            <a:spLocks noGrp="1"/>
+          </p:cNvSpPr>
+          <p:nvPr>
+            <p:ph type="sldNum" sz="quarter" idx="10"/>
+          </p:nvPr>
+        </p:nvSpPr>
+        <p:spPr/>
+        <p:txBody>
+          <a:bodyPr/>
+          <a:lstStyle/>
+          <a:p>
+            <a:fld id="{91B407FB-0A78-4BA4-9032-970417349B12}" type="slidenum">
+              <a:rPr lang="ru-RU" smtClean="0"/>
+              <a:t>3</a:t>
+            </a:fld>
+            <a:endParaRPr lang="ru-RU"/>
+          </a:p>
+        </p:txBody>
+      </p:sp>
+    </p:spTree>
+    <p:extLst>
+      <p:ext uri="{BB962C8B-B14F-4D97-AF65-F5344CB8AC3E}">
+        <p14:creationId xmlns:p14="http://schemas.microsoft.com/office/powerpoint/2010/main" val="2750050341"/>
+      </p:ext>
+    </p:extLst>
+  </p:cSld>
+  <p:clrMapOvr>
+    <a:masterClrMapping/>
+  </p:clrMapOvr>
+</p:notes>
+</file>
+
+<file path=ppt/notesSlides/notesSlide4.xml><?xml version="1.0" encoding="utf-8"?>
+<p:notes xmlns:a="http://schemas.openxmlformats.org/drawingml/2006/main" xmlns:r="http://schemas.openxmlformats.org/officeDocument/2006/relationships" xmlns:p="http://schemas.openxmlformats.org/presentationml/2006/main">
+  <p:cSld>
+    <p:spTree>
+      <p:nvGrpSpPr>
+        <p:cNvPr id="1" name=""/>
+        <p:cNvGrpSpPr/>
+        <p:nvPr/>
+      </p:nvGrpSpPr>
+      <p:grpSpPr>
+        <a:xfrm>
+          <a:off x="0" y="0"/>
+          <a:ext cx="0" cy="0"/>
+          <a:chOff x="0" y="0"/>
+          <a:chExt cx="0" cy="0"/>
+        </a:xfrm>
+      </p:grpSpPr>
+      <p:sp>
+        <p:nvSpPr>
+          <p:cNvPr id="2" name="Образ слайда 1"/>
+          <p:cNvSpPr>
+            <a:spLocks noGrp="1" noRot="1" noChangeAspect="1"/>
+          </p:cNvSpPr>
+          <p:nvPr>
+            <p:ph type="sldImg"/>
+          </p:nvPr>
+        </p:nvSpPr>
+        <p:spPr/>
+      </p:sp>
+      <p:sp>
+        <p:nvSpPr>
+          <p:cNvPr id="3" name="Заметки 2"/>
+          <p:cNvSpPr>
+            <a:spLocks noGrp="1"/>
+          </p:cNvSpPr>
+          <p:nvPr>
+            <p:ph type="body" idx="1"/>
+          </p:nvPr>
+        </p:nvSpPr>
+        <p:spPr/>
+        <p:txBody>
+          <a:bodyPr/>
+          <a:lstStyle/>
+          <a:p>
+            <a:endParaRPr lang="ru-RU" dirty="0"/>
+          </a:p>
+        </p:txBody>
+      </p:sp>
+      <p:sp>
+        <p:nvSpPr>
+          <p:cNvPr id="4" name="Номер слайда 3"/>
+          <p:cNvSpPr>
+            <a:spLocks noGrp="1"/>
+          </p:cNvSpPr>
+          <p:nvPr>
+            <p:ph type="sldNum" sz="quarter" idx="10"/>
+          </p:nvPr>
+        </p:nvSpPr>
+        <p:spPr/>
+        <p:txBody>
+          <a:bodyPr/>
+          <a:lstStyle/>
+          <a:p>
+            <a:fld id="{91B407FB-0A78-4BA4-9032-970417349B12}" type="slidenum">
+              <a:rPr lang="ru-RU" smtClean="0"/>
+              <a:t>4</a:t>
+            </a:fld>
+            <a:endParaRPr lang="ru-RU"/>
+          </a:p>
+        </p:txBody>
+      </p:sp>
+    </p:spTree>
+    <p:extLst>
+      <p:ext uri="{BB962C8B-B14F-4D97-AF65-F5344CB8AC3E}">
+        <p14:creationId xmlns:p14="http://schemas.microsoft.com/office/powerpoint/2010/main" val="1706740131"/>
+      </p:ext>
+    </p:extLst>
+  </p:cSld>
+  <p:clrMapOvr>
+    <a:masterClrMapping/>
+  </p:clrMapOvr>
+</p:notes>
+</file>
+
+<file path=ppt/notesSlides/notesSlide5.xml><?xml version="1.0" encoding="utf-8"?>
+<p:notes xmlns:a="http://schemas.openxmlformats.org/drawingml/2006/main" xmlns:r="http://schemas.openxmlformats.org/officeDocument/2006/relationships" xmlns:p="http://schemas.openxmlformats.org/presentationml/2006/main">
+  <p:cSld>
+    <p:spTree>
+      <p:nvGrpSpPr>
+        <p:cNvPr id="1" name=""/>
+        <p:cNvGrpSpPr/>
+        <p:nvPr/>
+      </p:nvGrpSpPr>
+      <p:grpSpPr>
+        <a:xfrm>
+          <a:off x="0" y="0"/>
+          <a:ext cx="0" cy="0"/>
+          <a:chOff x="0" y="0"/>
+          <a:chExt cx="0" cy="0"/>
+        </a:xfrm>
+      </p:grpSpPr>
+      <p:sp>
+        <p:nvSpPr>
+          <p:cNvPr id="2" name="Образ слайда 1"/>
+          <p:cNvSpPr>
+            <a:spLocks noGrp="1" noRot="1" noChangeAspect="1"/>
+          </p:cNvSpPr>
+          <p:nvPr>
+            <p:ph type="sldImg"/>
+          </p:nvPr>
+        </p:nvSpPr>
+        <p:spPr/>
+      </p:sp>
+      <p:sp>
+        <p:nvSpPr>
+          <p:cNvPr id="3" name="Заметки 2"/>
+          <p:cNvSpPr>
+            <a:spLocks noGrp="1"/>
+          </p:cNvSpPr>
+          <p:nvPr>
+            <p:ph type="body" idx="1"/>
+          </p:nvPr>
+        </p:nvSpPr>
+        <p:spPr/>
+        <p:txBody>
+          <a:bodyPr/>
+          <a:lstStyle/>
+          <a:p>
+            <a:endParaRPr lang="ru-RU" dirty="0"/>
+          </a:p>
+        </p:txBody>
+      </p:sp>
+      <p:sp>
+        <p:nvSpPr>
+          <p:cNvPr id="4" name="Номер слайда 3"/>
+          <p:cNvSpPr>
+            <a:spLocks noGrp="1"/>
+          </p:cNvSpPr>
+          <p:nvPr>
+            <p:ph type="sldNum" sz="quarter" idx="10"/>
+          </p:nvPr>
+        </p:nvSpPr>
+        <p:spPr/>
+        <p:txBody>
+          <a:bodyPr/>
+          <a:lstStyle/>
+          <a:p>
+            <a:fld id="{91B407FB-0A78-4BA4-9032-970417349B12}" type="slidenum">
+              <a:rPr lang="ru-RU" smtClean="0"/>
+              <a:t>5</a:t>
+            </a:fld>
+            <a:endParaRPr lang="ru-RU"/>
+          </a:p>
+        </p:txBody>
+      </p:sp>
+    </p:spTree>
+    <p:extLst>
+      <p:ext uri="{BB962C8B-B14F-4D97-AF65-F5344CB8AC3E}">
+        <p14:creationId xmlns:p14="http://schemas.microsoft.com/office/powerpoint/2010/main" val="1339514207"/>
+      </p:ext>
+    </p:extLst>
+  </p:cSld>
+  <p:clrMapOvr>
+    <a:masterClrMapping/>
+  </p:clrMapOvr>
+</p:notes>
+</file>
+
+<file path=ppt/notesSlides/notesSlide6.xml><?xml version="1.0" encoding="utf-8"?>
+<p:notes xmlns:a="http://schemas.openxmlformats.org/drawingml/2006/main" xmlns:r="http://schemas.openxmlformats.org/officeDocument/2006/relationships" xmlns:p="http://schemas.openxmlformats.org/presentationml/2006/main">
+  <p:cSld>
+    <p:spTree>
+      <p:nvGrpSpPr>
+        <p:cNvPr id="1" name=""/>
+        <p:cNvGrpSpPr/>
+        <p:nvPr/>
+      </p:nvGrpSpPr>
+      <p:grpSpPr>
+        <a:xfrm>
+          <a:off x="0" y="0"/>
+          <a:ext cx="0" cy="0"/>
+          <a:chOff x="0" y="0"/>
+          <a:chExt cx="0" cy="0"/>
+        </a:xfrm>
+      </p:grpSpPr>
+      <p:sp>
+        <p:nvSpPr>
+          <p:cNvPr id="2" name="Образ слайда 1"/>
+          <p:cNvSpPr>
+            <a:spLocks noGrp="1" noRot="1" noChangeAspect="1"/>
+          </p:cNvSpPr>
+          <p:nvPr>
+            <p:ph type="sldImg"/>
+          </p:nvPr>
+        </p:nvSpPr>
+        <p:spPr/>
+      </p:sp>
+      <p:sp>
+        <p:nvSpPr>
+          <p:cNvPr id="3" name="Заметки 2"/>
+          <p:cNvSpPr>
+            <a:spLocks noGrp="1"/>
+          </p:cNvSpPr>
+          <p:nvPr>
+            <p:ph type="body" idx="1"/>
+          </p:nvPr>
+        </p:nvSpPr>
+        <p:spPr/>
+        <p:txBody>
+          <a:bodyPr/>
+          <a:lstStyle/>
+          <a:p>
+            <a:endParaRPr lang="ru-RU" dirty="0"/>
+          </a:p>
+        </p:txBody>
+      </p:sp>
+      <p:sp>
+        <p:nvSpPr>
+          <p:cNvPr id="4" name="Номер слайда 3"/>
+          <p:cNvSpPr>
+            <a:spLocks noGrp="1"/>
+          </p:cNvSpPr>
+          <p:nvPr>
+            <p:ph type="sldNum" sz="quarter" idx="10"/>
+          </p:nvPr>
+        </p:nvSpPr>
+        <p:spPr/>
+        <p:txBody>
+          <a:bodyPr/>
+          <a:lstStyle/>
+          <a:p>
+            <a:fld id="{91B407FB-0A78-4BA4-9032-970417349B12}" type="slidenum">
+              <a:rPr lang="ru-RU" smtClean="0"/>
+              <a:t>6</a:t>
+            </a:fld>
+            <a:endParaRPr lang="ru-RU"/>
+          </a:p>
+        </p:txBody>
+      </p:sp>
+    </p:spTree>
+    <p:extLst>
+      <p:ext uri="{BB962C8B-B14F-4D97-AF65-F5344CB8AC3E}">
+        <p14:creationId xmlns:p14="http://schemas.microsoft.com/office/powerpoint/2010/main" val="3610780877"/>
+      </p:ext>
+    </p:extLst>
+  </p:cSld>
+  <p:clrMapOvr>
+    <a:masterClrMapping/>
+  </p:clrMapOvr>
+</p:notes>
+</file>
+
+<file path=ppt/notesSlides/notesSlide7.xml><?xml version="1.0" encoding="utf-8"?>
+<p:notes xmlns:a="http://schemas.openxmlformats.org/drawingml/2006/main" xmlns:r="http://schemas.openxmlformats.org/officeDocument/2006/relationships" xmlns:p="http://schemas.openxmlformats.org/presentationml/2006/main">
+  <p:cSld>
+    <p:spTree>
+      <p:nvGrpSpPr>
+        <p:cNvPr id="1" name=""/>
+        <p:cNvGrpSpPr/>
+        <p:nvPr/>
+      </p:nvGrpSpPr>
+      <p:grpSpPr>
+        <a:xfrm>
+          <a:off x="0" y="0"/>
+          <a:ext cx="0" cy="0"/>
+          <a:chOff x="0" y="0"/>
+          <a:chExt cx="0" cy="0"/>
+        </a:xfrm>
+      </p:grpSpPr>
+      <p:sp>
+        <p:nvSpPr>
+          <p:cNvPr id="2" name="Образ слайда 1"/>
+          <p:cNvSpPr>
+            <a:spLocks noGrp="1" noRot="1" noChangeAspect="1"/>
+          </p:cNvSpPr>
+          <p:nvPr>
+            <p:ph type="sldImg"/>
+          </p:nvPr>
+        </p:nvSpPr>
+        <p:spPr/>
+      </p:sp>
+      <p:sp>
+        <p:nvSpPr>
+          <p:cNvPr id="3" name="Заметки 2"/>
+          <p:cNvSpPr>
+            <a:spLocks noGrp="1"/>
+          </p:cNvSpPr>
+          <p:nvPr>
+            <p:ph type="body" idx="1"/>
+          </p:nvPr>
+        </p:nvSpPr>
+        <p:spPr/>
+        <p:txBody>
+          <a:bodyPr/>
+          <a:lstStyle/>
+          <a:p>
+            <a:endParaRPr lang="ru-RU" dirty="0"/>
+          </a:p>
+        </p:txBody>
+      </p:sp>
+      <p:sp>
+        <p:nvSpPr>
+          <p:cNvPr id="4" name="Номер слайда 3"/>
+          <p:cNvSpPr>
+            <a:spLocks noGrp="1"/>
+          </p:cNvSpPr>
+          <p:nvPr>
+            <p:ph type="sldNum" sz="quarter" idx="10"/>
+          </p:nvPr>
+        </p:nvSpPr>
+        <p:spPr/>
+        <p:txBody>
+          <a:bodyPr/>
+          <a:lstStyle/>
+          <a:p>
+            <a:fld id="{91B407FB-0A78-4BA4-9032-970417349B12}" type="slidenum">
+              <a:rPr lang="ru-RU" smtClean="0"/>
+              <a:t>7</a:t>
+            </a:fld>
+            <a:endParaRPr lang="ru-RU"/>
+          </a:p>
+        </p:txBody>
+      </p:sp>
+    </p:spTree>
+    <p:extLst>
+      <p:ext uri="{BB962C8B-B14F-4D97-AF65-F5344CB8AC3E}">
+        <p14:creationId xmlns:p14="http://schemas.microsoft.com/office/powerpoint/2010/main" val="1671190265"/>
+      </p:ext>
+    </p:extLst>
+  </p:cSld>
+  <p:clrMapOvr>
+    <a:masterClrMapping/>
+  </p:clrMapOvr>
+</p:notes>
+</file>
+
+<file path=ppt/notesSlides/notesSlide8.xml><?xml version="1.0" encoding="utf-8"?>
+<p:notes xmlns:a="http://schemas.openxmlformats.org/drawingml/2006/main" xmlns:r="http://schemas.openxmlformats.org/officeDocument/2006/relationships" xmlns:p="http://schemas.openxmlformats.org/presentationml/2006/main">
+  <p:cSld>
+    <p:spTree>
+      <p:nvGrpSpPr>
+        <p:cNvPr id="1" name=""/>
+        <p:cNvGrpSpPr/>
+        <p:nvPr/>
+      </p:nvGrpSpPr>
+      <p:grpSpPr>
+        <a:xfrm>
+          <a:off x="0" y="0"/>
+          <a:ext cx="0" cy="0"/>
+          <a:chOff x="0" y="0"/>
+          <a:chExt cx="0" cy="0"/>
+        </a:xfrm>
+      </p:grpSpPr>
+      <p:sp>
+        <p:nvSpPr>
+          <p:cNvPr id="2" name="Образ слайда 1"/>
+          <p:cNvSpPr>
+            <a:spLocks noGrp="1" noRot="1" noChangeAspect="1"/>
+          </p:cNvSpPr>
+          <p:nvPr>
+            <p:ph type="sldImg"/>
+          </p:nvPr>
+        </p:nvSpPr>
+        <p:spPr/>
+      </p:sp>
+      <p:sp>
+        <p:nvSpPr>
+          <p:cNvPr id="3" name="Заметки 2"/>
+          <p:cNvSpPr>
+            <a:spLocks noGrp="1"/>
+          </p:cNvSpPr>
+          <p:nvPr>
+            <p:ph type="body" idx="1"/>
+          </p:nvPr>
+        </p:nvSpPr>
+        <p:spPr/>
+        <p:txBody>
+          <a:bodyPr/>
+          <a:lstStyle/>
+          <a:p>
+            <a:endParaRPr lang="ru-RU" dirty="0"/>
+          </a:p>
+        </p:txBody>
+      </p:sp>
+      <p:sp>
+        <p:nvSpPr>
+          <p:cNvPr id="4" name="Номер слайда 3"/>
+          <p:cNvSpPr>
+            <a:spLocks noGrp="1"/>
+          </p:cNvSpPr>
+          <p:nvPr>
+            <p:ph type="sldNum" sz="quarter" idx="10"/>
+          </p:nvPr>
+        </p:nvSpPr>
+        <p:spPr/>
+        <p:txBody>
+          <a:bodyPr/>
+          <a:lstStyle/>
+          <a:p>
+            <a:fld id="{91B407FB-0A78-4BA4-9032-970417349B12}" type="slidenum">
+              <a:rPr lang="ru-RU" smtClean="0"/>
+              <a:t>8</a:t>
+            </a:fld>
+            <a:endParaRPr lang="ru-RU"/>
+          </a:p>
+        </p:txBody>
+      </p:sp>
+    </p:spTree>
+    <p:extLst>
+      <p:ext uri="{BB962C8B-B14F-4D97-AF65-F5344CB8AC3E}">
+        <p14:creationId xmlns:p14="http://schemas.microsoft.com/office/powerpoint/2010/main" val="1627500897"/>
+      </p:ext>
+    </p:extLst>
+  </p:cSld>
+  <p:clrMapOvr>
+    <a:masterClrMapping/>
+  </p:clrMapOvr>
+</p:notes>
+</file>
+
+<file path=ppt/notesSlides/notesSlide9.xml><?xml version="1.0" encoding="utf-8"?>
+<p:notes xmlns:a="http://schemas.openxmlformats.org/drawingml/2006/main" xmlns:r="http://schemas.openxmlformats.org/officeDocument/2006/relationships" xmlns:p="http://schemas.openxmlformats.org/presentationml/2006/main">
+  <p:cSld>
+    <p:spTree>
+      <p:nvGrpSpPr>
+        <p:cNvPr id="1" name=""/>
+        <p:cNvGrpSpPr/>
+        <p:nvPr/>
+      </p:nvGrpSpPr>
+      <p:grpSpPr>
+        <a:xfrm>
+          <a:off x="0" y="0"/>
+          <a:ext cx="0" cy="0"/>
+          <a:chOff x="0" y="0"/>
+          <a:chExt cx="0" cy="0"/>
+        </a:xfrm>
+      </p:grpSpPr>
+      <p:sp>
+        <p:nvSpPr>
+          <p:cNvPr id="2" name="Образ слайда 1"/>
+          <p:cNvSpPr>
+            <a:spLocks noGrp="1" noRot="1" noChangeAspect="1"/>
+          </p:cNvSpPr>
+          <p:nvPr>
+            <p:ph type="sldImg"/>
+          </p:nvPr>
+        </p:nvSpPr>
+        <p:spPr/>
+      </p:sp>
+      <p:sp>
+        <p:nvSpPr>
+          <p:cNvPr id="3" name="Заметки 2"/>
+          <p:cNvSpPr>
+            <a:spLocks noGrp="1"/>
+          </p:cNvSpPr>
+          <p:nvPr>
+            <p:ph type="body" idx="1"/>
+          </p:nvPr>
+        </p:nvSpPr>
+        <p:spPr/>
+        <p:txBody>
+          <a:bodyPr/>
+          <a:lstStyle/>
+          <a:p>
+            <a:endParaRPr lang="ru-RU" dirty="0"/>
+          </a:p>
+        </p:txBody>
+      </p:sp>
+      <p:sp>
+        <p:nvSpPr>
+          <p:cNvPr id="4" name="Номер слайда 3"/>
+          <p:cNvSpPr>
+            <a:spLocks noGrp="1"/>
+          </p:cNvSpPr>
+          <p:nvPr>
+            <p:ph type="sldNum" sz="quarter" idx="10"/>
+          </p:nvPr>
+        </p:nvSpPr>
+        <p:spPr/>
+        <p:txBody>
+          <a:bodyPr/>
+          <a:lstStyle/>
+          <a:p>
+            <a:fld id="{91B407FB-0A78-4BA4-9032-970417349B12}" type="slidenum">
+              <a:rPr lang="ru-RU" smtClean="0"/>
+              <a:t>9</a:t>
+            </a:fld>
+            <a:endParaRPr lang="ru-RU"/>
+          </a:p>
+        </p:txBody>
+      </p:sp>
+    </p:spTree>
+    <p:extLst>
+      <p:ext uri="{BB962C8B-B14F-4D97-AF65-F5344CB8AC3E}">
+        <p14:creationId xmlns:p14="http://schemas.microsoft.com/office/powerpoint/2010/main" val="2871348197"/>
       </p:ext>
     </p:extLst>
   </p:cSld>
@@ -4174,7 +4846,7 @@
           <p:cNvPr id="2" name="Заголовок 1">
             <a:extLst>
               <a:ext uri="{FF2B5EF4-FFF2-40B4-BE49-F238E27FC236}">
-                <a16:creationId xmlns:a16="http://schemas.microsoft.com/office/drawing/2014/main" id="{10F5E7CB-FFFE-F6CD-2358-AFE8A9529FB2}"/>
+                <a16:creationId xmlns:a16="http://schemas.microsoft.com/office/drawing/2014/main" id="{2B37B506-F5E1-4A74-88AE-1E05F2187EA6}"/>
               </a:ext>
             </a:extLst>
           </p:cNvPr>
@@ -4187,20 +4859,20 @@
         </p:nvSpPr>
         <p:spPr>
           <a:xfrm>
-            <a:off x="838200" y="365126"/>
-            <a:ext cx="10515600" cy="558799"/>
+            <a:off x="838200" y="365125"/>
+            <a:ext cx="10515600" cy="549275"/>
           </a:xfrm>
         </p:spPr>
         <p:txBody>
           <a:bodyPr>
-            <a:normAutofit fontScale="90000"/>
+            <a:noAutofit/>
           </a:bodyPr>
           <a:lstStyle/>
           <a:p>
             <a:pPr algn="ctr"/>
             <a:r>
               <a:rPr lang="ru-RU" sz="3600" b="1" dirty="0"/>
-              <a:t>Набор мер защиты в информационной системе</a:t>
+              <a:t>Исключённые базовые меры в процессе адаптации</a:t>
             </a:r>
           </a:p>
         </p:txBody>
@@ -4210,7 +4882,7 @@
           <p:cNvPr id="4" name="Номер слайда 3">
             <a:extLst>
               <a:ext uri="{FF2B5EF4-FFF2-40B4-BE49-F238E27FC236}">
-                <a16:creationId xmlns:a16="http://schemas.microsoft.com/office/drawing/2014/main" id="{F03825FB-64D5-6695-85EB-DE18303352FD}"/>
+                <a16:creationId xmlns:a16="http://schemas.microsoft.com/office/drawing/2014/main" id="{4E115A0D-20FA-519A-2183-E8DA0573AFAD}"/>
               </a:ext>
             </a:extLst>
           </p:cNvPr>
@@ -4247,7 +4919,7 @@
           <p:cNvPr id="6" name="Рисунок 5">
             <a:extLst>
               <a:ext uri="{FF2B5EF4-FFF2-40B4-BE49-F238E27FC236}">
-                <a16:creationId xmlns:a16="http://schemas.microsoft.com/office/drawing/2014/main" id="{32478BC7-A4BC-8B73-0722-F26D5128E560}"/>
+                <a16:creationId xmlns:a16="http://schemas.microsoft.com/office/drawing/2014/main" id="{E7D92C6E-F678-B3E3-3D0C-BE488475BAA7}"/>
               </a:ext>
             </a:extLst>
           </p:cNvPr>
@@ -4256,15 +4928,16 @@
           </p:cNvPicPr>
           <p:nvPr/>
         </p:nvPicPr>
-        <p:blipFill rotWithShape="1">
+        <p:blipFill>
           <a:blip r:embed="rId2"/>
-          <a:srcRect b="2993"/>
-          <a:stretch/>
+          <a:stretch>
+            <a:fillRect/>
+          </a:stretch>
         </p:blipFill>
         <p:spPr>
           <a:xfrm>
-            <a:off x="2600325" y="923925"/>
-            <a:ext cx="6991350" cy="5790572"/>
+            <a:off x="2029968" y="1075594"/>
+            <a:ext cx="8132064" cy="5417281"/>
           </a:xfrm>
           <a:prstGeom prst="rect">
             <a:avLst/>
@@ -4274,7 +4947,7 @@
     </p:spTree>
     <p:extLst>
       <p:ext uri="{BB962C8B-B14F-4D97-AF65-F5344CB8AC3E}">
-        <p14:creationId xmlns:p14="http://schemas.microsoft.com/office/powerpoint/2010/main" val="707589190"/>
+        <p14:creationId xmlns:p14="http://schemas.microsoft.com/office/powerpoint/2010/main" val="2583930041"/>
       </p:ext>
     </p:extLst>
   </p:cSld>
@@ -4306,7 +4979,7 @@
           <p:cNvPr id="2" name="Заголовок 1">
             <a:extLst>
               <a:ext uri="{FF2B5EF4-FFF2-40B4-BE49-F238E27FC236}">
-                <a16:creationId xmlns:a16="http://schemas.microsoft.com/office/drawing/2014/main" id="{2B37B506-F5E1-4A74-88AE-1E05F2187EA6}"/>
+                <a16:creationId xmlns:a16="http://schemas.microsoft.com/office/drawing/2014/main" id="{10F5E7CB-FFFE-F6CD-2358-AFE8A9529FB2}"/>
               </a:ext>
             </a:extLst>
           </p:cNvPr>
@@ -4319,20 +4992,20 @@
         </p:nvSpPr>
         <p:spPr>
           <a:xfrm>
-            <a:off x="838200" y="365125"/>
-            <a:ext cx="10515600" cy="549275"/>
+            <a:off x="838200" y="365126"/>
+            <a:ext cx="10515600" cy="558799"/>
           </a:xfrm>
         </p:spPr>
         <p:txBody>
           <a:bodyPr>
-            <a:noAutofit/>
+            <a:normAutofit fontScale="90000"/>
           </a:bodyPr>
           <a:lstStyle/>
           <a:p>
             <a:pPr algn="ctr"/>
             <a:r>
               <a:rPr lang="ru-RU" sz="3600" b="1" dirty="0"/>
-              <a:t>Исключённые базовые меры в процессе адаптации</a:t>
+              <a:t>Набор мер защиты в информационной системе</a:t>
             </a:r>
           </a:p>
         </p:txBody>
@@ -4342,7 +5015,7 @@
           <p:cNvPr id="4" name="Номер слайда 3">
             <a:extLst>
               <a:ext uri="{FF2B5EF4-FFF2-40B4-BE49-F238E27FC236}">
-                <a16:creationId xmlns:a16="http://schemas.microsoft.com/office/drawing/2014/main" id="{4E115A0D-20FA-519A-2183-E8DA0573AFAD}"/>
+                <a16:creationId xmlns:a16="http://schemas.microsoft.com/office/drawing/2014/main" id="{F03825FB-64D5-6695-85EB-DE18303352FD}"/>
               </a:ext>
             </a:extLst>
           </p:cNvPr>
@@ -4379,7 +5052,7 @@
           <p:cNvPr id="6" name="Рисунок 5">
             <a:extLst>
               <a:ext uri="{FF2B5EF4-FFF2-40B4-BE49-F238E27FC236}">
-                <a16:creationId xmlns:a16="http://schemas.microsoft.com/office/drawing/2014/main" id="{E7D92C6E-F678-B3E3-3D0C-BE488475BAA7}"/>
+                <a16:creationId xmlns:a16="http://schemas.microsoft.com/office/drawing/2014/main" id="{32478BC7-A4BC-8B73-0722-F26D5128E560}"/>
               </a:ext>
             </a:extLst>
           </p:cNvPr>
@@ -4388,16 +5061,15 @@
           </p:cNvPicPr>
           <p:nvPr/>
         </p:nvPicPr>
-        <p:blipFill>
+        <p:blipFill rotWithShape="1">
           <a:blip r:embed="rId2"/>
-          <a:stretch>
-            <a:fillRect/>
-          </a:stretch>
+          <a:srcRect b="2993"/>
+          <a:stretch/>
         </p:blipFill>
         <p:spPr>
           <a:xfrm>
-            <a:off x="2029968" y="1075594"/>
-            <a:ext cx="8132064" cy="5417281"/>
+            <a:off x="2600325" y="923925"/>
+            <a:ext cx="6991350" cy="5790572"/>
           </a:xfrm>
           <a:prstGeom prst="rect">
             <a:avLst/>
@@ -4407,7 +5079,7 @@
     </p:spTree>
     <p:extLst>
       <p:ext uri="{BB962C8B-B14F-4D97-AF65-F5344CB8AC3E}">
-        <p14:creationId xmlns:p14="http://schemas.microsoft.com/office/powerpoint/2010/main" val="2583930041"/>
+        <p14:creationId xmlns:p14="http://schemas.microsoft.com/office/powerpoint/2010/main" val="707589190"/>
       </p:ext>
     </p:extLst>
   </p:cSld>
@@ -5210,249 +5882,6 @@
           <p:cNvPr id="2" name="Заголовок 1">
             <a:extLst>
               <a:ext uri="{FF2B5EF4-FFF2-40B4-BE49-F238E27FC236}">
-                <a16:creationId xmlns:a16="http://schemas.microsoft.com/office/drawing/2014/main" id="{DDEECA3A-6214-93DA-7ED0-90A5FF200BDD}"/>
-              </a:ext>
-            </a:extLst>
-          </p:cNvPr>
-          <p:cNvSpPr>
-            <a:spLocks noGrp="1"/>
-          </p:cNvSpPr>
-          <p:nvPr>
-            <p:ph type="title"/>
-          </p:nvPr>
-        </p:nvSpPr>
-        <p:spPr/>
-        <p:txBody>
-          <a:bodyPr>
-            <a:normAutofit/>
-          </a:bodyPr>
-          <a:lstStyle/>
-          <a:p>
-            <a:pPr algn="ctr"/>
-            <a:r>
-              <a:rPr lang="ru-RU" sz="2800" b="1" dirty="0">
-                <a:latin typeface="Times New Roman" panose="02020603050405020304" pitchFamily="18" charset="0"/>
-                <a:cs typeface="Times New Roman" panose="02020603050405020304" pitchFamily="18" charset="0"/>
-              </a:rPr>
-              <a:t>Характеристика АС Потребительское кредитование</a:t>
-            </a:r>
-          </a:p>
-        </p:txBody>
-      </p:sp>
-      <p:sp>
-        <p:nvSpPr>
-          <p:cNvPr id="3" name="Объект 2">
-            <a:extLst>
-              <a:ext uri="{FF2B5EF4-FFF2-40B4-BE49-F238E27FC236}">
-                <a16:creationId xmlns:a16="http://schemas.microsoft.com/office/drawing/2014/main" id="{9322A6E8-A984-2C0D-15B8-22425C54EBCB}"/>
-              </a:ext>
-            </a:extLst>
-          </p:cNvPr>
-          <p:cNvSpPr>
-            <a:spLocks noGrp="1"/>
-          </p:cNvSpPr>
-          <p:nvPr>
-            <p:ph idx="1"/>
-          </p:nvPr>
-        </p:nvSpPr>
-        <p:spPr>
-          <a:xfrm>
-            <a:off x="838200" y="1825625"/>
-            <a:ext cx="5257800" cy="4351338"/>
-          </a:xfrm>
-        </p:spPr>
-        <p:txBody>
-          <a:bodyPr>
-            <a:normAutofit fontScale="85000" lnSpcReduction="20000"/>
-          </a:bodyPr>
-          <a:lstStyle/>
-          <a:p>
-            <a:r>
-              <a:rPr lang="ru-RU" b="1" dirty="0"/>
-              <a:t>Название автоматизированной системы:</a:t>
-            </a:r>
-            <a:r>
-              <a:rPr lang="ru-RU" dirty="0"/>
-              <a:t> Потребительское кредитование.</a:t>
-            </a:r>
-          </a:p>
-          <a:p>
-            <a:r>
-              <a:rPr lang="ru-RU" b="1" dirty="0"/>
-              <a:t>Назначение:</a:t>
-            </a:r>
-            <a:r>
-              <a:rPr lang="ru-RU" dirty="0"/>
-              <a:t> Автоматизированная система (далее АС) потребительских кредитов предназначена для управления и обработки информации о кредитных операциях, связанных с потребительской областью в банковской среде.</a:t>
-            </a:r>
-          </a:p>
-          <a:p>
-            <a:r>
-              <a:rPr lang="ru-RU" b="1" dirty="0"/>
-              <a:t>Основная цель системы:</a:t>
-            </a:r>
-            <a:r>
-              <a:rPr lang="ru-RU" dirty="0"/>
-              <a:t> эффективное управление выдачей и контролем потребительских кредитов.</a:t>
-            </a:r>
-          </a:p>
-          <a:p>
-            <a:endParaRPr lang="ru-RU" dirty="0"/>
-          </a:p>
-        </p:txBody>
-      </p:sp>
-      <p:sp>
-        <p:nvSpPr>
-          <p:cNvPr id="4" name="Номер слайда 3">
-            <a:extLst>
-              <a:ext uri="{FF2B5EF4-FFF2-40B4-BE49-F238E27FC236}">
-                <a16:creationId xmlns:a16="http://schemas.microsoft.com/office/drawing/2014/main" id="{EEBACB1D-4EAF-9300-DEC0-FEFF3CBAC3AC}"/>
-              </a:ext>
-            </a:extLst>
-          </p:cNvPr>
-          <p:cNvSpPr>
-            <a:spLocks noGrp="1"/>
-          </p:cNvSpPr>
-          <p:nvPr>
-            <p:ph type="sldNum" sz="quarter" idx="12"/>
-          </p:nvPr>
-        </p:nvSpPr>
-        <p:spPr/>
-        <p:txBody>
-          <a:bodyPr/>
-          <a:lstStyle/>
-          <a:p>
-            <a:fld id="{8666B52E-C19B-40B3-8032-CCCA6478B10A}" type="slidenum">
-              <a:rPr lang="ru-RU" sz="2000" smtClean="0">
-                <a:solidFill>
-                  <a:schemeClr val="tx1"/>
-                </a:solidFill>
-                <a:latin typeface="Times New Roman" panose="02020603050405020304" pitchFamily="18" charset="0"/>
-                <a:cs typeface="Times New Roman" panose="02020603050405020304" pitchFamily="18" charset="0"/>
-              </a:rPr>
-              <a:t>3</a:t>
-            </a:fld>
-            <a:endParaRPr lang="ru-RU" sz="2000" dirty="0">
-              <a:solidFill>
-                <a:schemeClr val="tx1"/>
-              </a:solidFill>
-              <a:latin typeface="Times New Roman" panose="02020603050405020304" pitchFamily="18" charset="0"/>
-              <a:cs typeface="Times New Roman" panose="02020603050405020304" pitchFamily="18" charset="0"/>
-            </a:endParaRPr>
-          </a:p>
-        </p:txBody>
-      </p:sp>
-      <p:pic>
-        <p:nvPicPr>
-          <p:cNvPr id="5" name="Рисунок 4">
-            <a:extLst>
-              <a:ext uri="{FF2B5EF4-FFF2-40B4-BE49-F238E27FC236}">
-                <a16:creationId xmlns:a16="http://schemas.microsoft.com/office/drawing/2014/main" id="{35F145D0-7C9B-0CD7-0EDF-D42118E05106}"/>
-              </a:ext>
-            </a:extLst>
-          </p:cNvPr>
-          <p:cNvPicPr>
-            <a:picLocks noChangeAspect="1"/>
-          </p:cNvPicPr>
-          <p:nvPr/>
-        </p:nvPicPr>
-        <p:blipFill>
-          <a:blip r:embed="rId2">
-            <a:extLst>
-              <a:ext uri="{28A0092B-C50C-407E-A947-70E740481C1C}">
-                <a14:useLocalDpi xmlns:a14="http://schemas.microsoft.com/office/drawing/2010/main" val="0"/>
-              </a:ext>
-            </a:extLst>
-          </a:blip>
-          <a:srcRect/>
-          <a:stretch>
-            <a:fillRect/>
-          </a:stretch>
-        </p:blipFill>
-        <p:spPr bwMode="auto">
-          <a:xfrm>
-            <a:off x="7123989" y="1499615"/>
-            <a:ext cx="3543439" cy="4003167"/>
-          </a:xfrm>
-          <a:prstGeom prst="rect">
-            <a:avLst/>
-          </a:prstGeom>
-          <a:noFill/>
-          <a:ln>
-            <a:noFill/>
-          </a:ln>
-        </p:spPr>
-      </p:pic>
-      <p:sp>
-        <p:nvSpPr>
-          <p:cNvPr id="6" name="TextBox 5">
-            <a:extLst>
-              <a:ext uri="{FF2B5EF4-FFF2-40B4-BE49-F238E27FC236}">
-                <a16:creationId xmlns:a16="http://schemas.microsoft.com/office/drawing/2014/main" id="{52B9B05D-14EA-FAB2-8B32-A2E16E0314AE}"/>
-              </a:ext>
-            </a:extLst>
-          </p:cNvPr>
-          <p:cNvSpPr txBox="1"/>
-          <p:nvPr/>
-        </p:nvSpPr>
-        <p:spPr>
-          <a:xfrm>
-            <a:off x="6747556" y="5744900"/>
-            <a:ext cx="4296304" cy="369332"/>
-          </a:xfrm>
-          <a:prstGeom prst="rect">
-            <a:avLst/>
-          </a:prstGeom>
-          <a:noFill/>
-        </p:spPr>
-        <p:txBody>
-          <a:bodyPr wrap="none" rtlCol="0">
-            <a:spAutoFit/>
-          </a:bodyPr>
-          <a:lstStyle/>
-          <a:p>
-            <a:r>
-              <a:rPr lang="ru-RU" dirty="0"/>
-              <a:t>Рисунок 1 – Схема ИТ-Инфраструктуры АС</a:t>
-            </a:r>
-          </a:p>
-        </p:txBody>
-      </p:sp>
-    </p:spTree>
-    <p:extLst>
-      <p:ext uri="{BB962C8B-B14F-4D97-AF65-F5344CB8AC3E}">
-        <p14:creationId xmlns:p14="http://schemas.microsoft.com/office/powerpoint/2010/main" val="3671397588"/>
-      </p:ext>
-    </p:extLst>
-  </p:cSld>
-  <p:clrMapOvr>
-    <a:masterClrMapping/>
-  </p:clrMapOvr>
-</p:sld>
-</file>
-
-<file path=ppt/slides/slide4.xml><?xml version="1.0" encoding="utf-8"?>
-<p:sld xmlns:a="http://schemas.openxmlformats.org/drawingml/2006/main" xmlns:r="http://schemas.openxmlformats.org/officeDocument/2006/relationships" xmlns:p="http://schemas.openxmlformats.org/presentationml/2006/main">
-  <p:cSld>
-    <p:spTree>
-      <p:nvGrpSpPr>
-        <p:cNvPr id="1" name=""/>
-        <p:cNvGrpSpPr/>
-        <p:nvPr/>
-      </p:nvGrpSpPr>
-      <p:grpSpPr>
-        <a:xfrm>
-          <a:off x="0" y="0"/>
-          <a:ext cx="0" cy="0"/>
-          <a:chOff x="0" y="0"/>
-          <a:chExt cx="0" cy="0"/>
-        </a:xfrm>
-      </p:grpSpPr>
-      <p:sp>
-        <p:nvSpPr>
-          <p:cNvPr id="2" name="Заголовок 1">
-            <a:extLst>
-              <a:ext uri="{FF2B5EF4-FFF2-40B4-BE49-F238E27FC236}">
                 <a16:creationId xmlns:a16="http://schemas.microsoft.com/office/drawing/2014/main" id="{A5330ABB-B912-84AC-5B98-1E4A1D8ECB49}"/>
               </a:ext>
             </a:extLst>
@@ -5506,7 +5935,7 @@
                   <a:schemeClr val="tx1"/>
                 </a:solidFill>
               </a:rPr>
-              <a:t>4</a:t>
+              <a:t>3</a:t>
             </a:fld>
             <a:endParaRPr lang="ru-RU" sz="2000" dirty="0">
               <a:solidFill>
@@ -5572,7 +6001,7 @@
           <p:nvPr/>
         </p:nvPicPr>
         <p:blipFill>
-          <a:blip r:embed="rId2"/>
+          <a:blip r:embed="rId3"/>
           <a:stretch>
             <a:fillRect/>
           </a:stretch>
@@ -5600,6 +6029,249 @@
 </p:sld>
 </file>
 
+<file path=ppt/slides/slide4.xml><?xml version="1.0" encoding="utf-8"?>
+<p:sld xmlns:a="http://schemas.openxmlformats.org/drawingml/2006/main" xmlns:r="http://schemas.openxmlformats.org/officeDocument/2006/relationships" xmlns:p="http://schemas.openxmlformats.org/presentationml/2006/main">
+  <p:cSld>
+    <p:spTree>
+      <p:nvGrpSpPr>
+        <p:cNvPr id="1" name=""/>
+        <p:cNvGrpSpPr/>
+        <p:nvPr/>
+      </p:nvGrpSpPr>
+      <p:grpSpPr>
+        <a:xfrm>
+          <a:off x="0" y="0"/>
+          <a:ext cx="0" cy="0"/>
+          <a:chOff x="0" y="0"/>
+          <a:chExt cx="0" cy="0"/>
+        </a:xfrm>
+      </p:grpSpPr>
+      <p:sp>
+        <p:nvSpPr>
+          <p:cNvPr id="2" name="Заголовок 1">
+            <a:extLst>
+              <a:ext uri="{FF2B5EF4-FFF2-40B4-BE49-F238E27FC236}">
+                <a16:creationId xmlns:a16="http://schemas.microsoft.com/office/drawing/2014/main" id="{DDEECA3A-6214-93DA-7ED0-90A5FF200BDD}"/>
+              </a:ext>
+            </a:extLst>
+          </p:cNvPr>
+          <p:cNvSpPr>
+            <a:spLocks noGrp="1"/>
+          </p:cNvSpPr>
+          <p:nvPr>
+            <p:ph type="title"/>
+          </p:nvPr>
+        </p:nvSpPr>
+        <p:spPr/>
+        <p:txBody>
+          <a:bodyPr>
+            <a:normAutofit/>
+          </a:bodyPr>
+          <a:lstStyle/>
+          <a:p>
+            <a:pPr algn="ctr"/>
+            <a:r>
+              <a:rPr lang="ru-RU" sz="2800" b="1" dirty="0">
+                <a:latin typeface="Times New Roman" panose="02020603050405020304" pitchFamily="18" charset="0"/>
+                <a:cs typeface="Times New Roman" panose="02020603050405020304" pitchFamily="18" charset="0"/>
+              </a:rPr>
+              <a:t>Характеристика АС Потребительское кредитование</a:t>
+            </a:r>
+          </a:p>
+        </p:txBody>
+      </p:sp>
+      <p:sp>
+        <p:nvSpPr>
+          <p:cNvPr id="3" name="Объект 2">
+            <a:extLst>
+              <a:ext uri="{FF2B5EF4-FFF2-40B4-BE49-F238E27FC236}">
+                <a16:creationId xmlns:a16="http://schemas.microsoft.com/office/drawing/2014/main" id="{9322A6E8-A984-2C0D-15B8-22425C54EBCB}"/>
+              </a:ext>
+            </a:extLst>
+          </p:cNvPr>
+          <p:cNvSpPr>
+            <a:spLocks noGrp="1"/>
+          </p:cNvSpPr>
+          <p:nvPr>
+            <p:ph idx="1"/>
+          </p:nvPr>
+        </p:nvSpPr>
+        <p:spPr>
+          <a:xfrm>
+            <a:off x="838200" y="1825625"/>
+            <a:ext cx="5257800" cy="4351338"/>
+          </a:xfrm>
+        </p:spPr>
+        <p:txBody>
+          <a:bodyPr>
+            <a:normAutofit fontScale="85000" lnSpcReduction="20000"/>
+          </a:bodyPr>
+          <a:lstStyle/>
+          <a:p>
+            <a:r>
+              <a:rPr lang="ru-RU" b="1" dirty="0"/>
+              <a:t>Название автоматизированной системы:</a:t>
+            </a:r>
+            <a:r>
+              <a:rPr lang="ru-RU" dirty="0"/>
+              <a:t> Потребительское кредитование.</a:t>
+            </a:r>
+          </a:p>
+          <a:p>
+            <a:r>
+              <a:rPr lang="ru-RU" b="1" dirty="0"/>
+              <a:t>Назначение:</a:t>
+            </a:r>
+            <a:r>
+              <a:rPr lang="ru-RU" dirty="0"/>
+              <a:t> Автоматизированная система (далее АС) потребительских кредитов предназначена для управления и обработки информации о кредитных операциях, связанных с потребительской областью в банковской среде.</a:t>
+            </a:r>
+          </a:p>
+          <a:p>
+            <a:r>
+              <a:rPr lang="ru-RU" b="1" dirty="0"/>
+              <a:t>Основная цель системы:</a:t>
+            </a:r>
+            <a:r>
+              <a:rPr lang="ru-RU" dirty="0"/>
+              <a:t> эффективное управление выдачей и контролем потребительских кредитов.</a:t>
+            </a:r>
+          </a:p>
+          <a:p>
+            <a:endParaRPr lang="ru-RU" dirty="0"/>
+          </a:p>
+        </p:txBody>
+      </p:sp>
+      <p:sp>
+        <p:nvSpPr>
+          <p:cNvPr id="4" name="Номер слайда 3">
+            <a:extLst>
+              <a:ext uri="{FF2B5EF4-FFF2-40B4-BE49-F238E27FC236}">
+                <a16:creationId xmlns:a16="http://schemas.microsoft.com/office/drawing/2014/main" id="{EEBACB1D-4EAF-9300-DEC0-FEFF3CBAC3AC}"/>
+              </a:ext>
+            </a:extLst>
+          </p:cNvPr>
+          <p:cNvSpPr>
+            <a:spLocks noGrp="1"/>
+          </p:cNvSpPr>
+          <p:nvPr>
+            <p:ph type="sldNum" sz="quarter" idx="12"/>
+          </p:nvPr>
+        </p:nvSpPr>
+        <p:spPr/>
+        <p:txBody>
+          <a:bodyPr/>
+          <a:lstStyle/>
+          <a:p>
+            <a:fld id="{8666B52E-C19B-40B3-8032-CCCA6478B10A}" type="slidenum">
+              <a:rPr lang="ru-RU" sz="2000" smtClean="0">
+                <a:solidFill>
+                  <a:schemeClr val="tx1"/>
+                </a:solidFill>
+                <a:latin typeface="Times New Roman" panose="02020603050405020304" pitchFamily="18" charset="0"/>
+                <a:cs typeface="Times New Roman" panose="02020603050405020304" pitchFamily="18" charset="0"/>
+              </a:rPr>
+              <a:t>4</a:t>
+            </a:fld>
+            <a:endParaRPr lang="ru-RU" sz="2000" dirty="0">
+              <a:solidFill>
+                <a:schemeClr val="tx1"/>
+              </a:solidFill>
+              <a:latin typeface="Times New Roman" panose="02020603050405020304" pitchFamily="18" charset="0"/>
+              <a:cs typeface="Times New Roman" panose="02020603050405020304" pitchFamily="18" charset="0"/>
+            </a:endParaRPr>
+          </a:p>
+        </p:txBody>
+      </p:sp>
+      <p:pic>
+        <p:nvPicPr>
+          <p:cNvPr id="5" name="Рисунок 4">
+            <a:extLst>
+              <a:ext uri="{FF2B5EF4-FFF2-40B4-BE49-F238E27FC236}">
+                <a16:creationId xmlns:a16="http://schemas.microsoft.com/office/drawing/2014/main" id="{35F145D0-7C9B-0CD7-0EDF-D42118E05106}"/>
+              </a:ext>
+            </a:extLst>
+          </p:cNvPr>
+          <p:cNvPicPr>
+            <a:picLocks noChangeAspect="1"/>
+          </p:cNvPicPr>
+          <p:nvPr/>
+        </p:nvPicPr>
+        <p:blipFill>
+          <a:blip r:embed="rId3">
+            <a:extLst>
+              <a:ext uri="{28A0092B-C50C-407E-A947-70E740481C1C}">
+                <a14:useLocalDpi xmlns:a14="http://schemas.microsoft.com/office/drawing/2010/main" val="0"/>
+              </a:ext>
+            </a:extLst>
+          </a:blip>
+          <a:srcRect/>
+          <a:stretch>
+            <a:fillRect/>
+          </a:stretch>
+        </p:blipFill>
+        <p:spPr bwMode="auto">
+          <a:xfrm>
+            <a:off x="7123989" y="1499615"/>
+            <a:ext cx="3543439" cy="4003167"/>
+          </a:xfrm>
+          <a:prstGeom prst="rect">
+            <a:avLst/>
+          </a:prstGeom>
+          <a:noFill/>
+          <a:ln>
+            <a:noFill/>
+          </a:ln>
+        </p:spPr>
+      </p:pic>
+      <p:sp>
+        <p:nvSpPr>
+          <p:cNvPr id="6" name="TextBox 5">
+            <a:extLst>
+              <a:ext uri="{FF2B5EF4-FFF2-40B4-BE49-F238E27FC236}">
+                <a16:creationId xmlns:a16="http://schemas.microsoft.com/office/drawing/2014/main" id="{52B9B05D-14EA-FAB2-8B32-A2E16E0314AE}"/>
+              </a:ext>
+            </a:extLst>
+          </p:cNvPr>
+          <p:cNvSpPr txBox="1"/>
+          <p:nvPr/>
+        </p:nvSpPr>
+        <p:spPr>
+          <a:xfrm>
+            <a:off x="6747556" y="5744900"/>
+            <a:ext cx="4296304" cy="369332"/>
+          </a:xfrm>
+          <a:prstGeom prst="rect">
+            <a:avLst/>
+          </a:prstGeom>
+          <a:noFill/>
+        </p:spPr>
+        <p:txBody>
+          <a:bodyPr wrap="none" rtlCol="0">
+            <a:spAutoFit/>
+          </a:bodyPr>
+          <a:lstStyle/>
+          <a:p>
+            <a:r>
+              <a:rPr lang="ru-RU" dirty="0"/>
+              <a:t>Рисунок 1 – Схема ИТ-Инфраструктуры АС</a:t>
+            </a:r>
+          </a:p>
+        </p:txBody>
+      </p:sp>
+    </p:spTree>
+    <p:extLst>
+      <p:ext uri="{BB962C8B-B14F-4D97-AF65-F5344CB8AC3E}">
+        <p14:creationId xmlns:p14="http://schemas.microsoft.com/office/powerpoint/2010/main" val="3671397588"/>
+      </p:ext>
+    </p:extLst>
+  </p:cSld>
+  <p:clrMapOvr>
+    <a:masterClrMapping/>
+  </p:clrMapOvr>
+</p:sld>
+</file>
+
 <file path=ppt/slides/slide5.xml><?xml version="1.0" encoding="utf-8"?>
 <p:sld xmlns:a="http://schemas.openxmlformats.org/drawingml/2006/main" xmlns:r="http://schemas.openxmlformats.org/officeDocument/2006/relationships" xmlns:p="http://schemas.openxmlformats.org/presentationml/2006/main">
   <p:cSld>
@@ -5713,7 +6385,7 @@
           <p:nvPr/>
         </p:nvPicPr>
         <p:blipFill>
-          <a:blip r:embed="rId2">
+          <a:blip r:embed="rId3">
             <a:extLst>
               <a:ext uri="{28A0092B-C50C-407E-A947-70E740481C1C}">
                 <a14:useLocalDpi xmlns:a14="http://schemas.microsoft.com/office/drawing/2010/main" val="0"/>
@@ -5852,7 +6524,7 @@
           <p:nvPr/>
         </p:nvPicPr>
         <p:blipFill>
-          <a:blip r:embed="rId2">
+          <a:blip r:embed="rId3">
             <a:extLst>
               <a:ext uri="{28A0092B-C50C-407E-A947-70E740481C1C}">
                 <a14:useLocalDpi xmlns:a14="http://schemas.microsoft.com/office/drawing/2010/main" val="0"/>
@@ -5991,7 +6663,7 @@
           <p:nvPr/>
         </p:nvPicPr>
         <p:blipFill>
-          <a:blip r:embed="rId2"/>
+          <a:blip r:embed="rId3"/>
           <a:stretch>
             <a:fillRect/>
           </a:stretch>
@@ -6189,7 +6861,7 @@
           <p:nvPr/>
         </p:nvPicPr>
         <p:blipFill>
-          <a:blip r:embed="rId2"/>
+          <a:blip r:embed="rId3"/>
           <a:stretch>
             <a:fillRect/>
           </a:stretch>

--- a/анацкая/КП/КР ЧигаревА.Ю. БИб-21Э1 ТПЗАС.pptx
+++ b/анацкая/КП/КР ЧигаревА.Ю. БИб-21Э1 ТПЗАС.pptx
@@ -5,24 +5,27 @@
     <p:sldMasterId id="2147483648" r:id="rId1"/>
   </p:sldMasterIdLst>
   <p:notesMasterIdLst>
-    <p:notesMasterId r:id="rId17"/>
+    <p:notesMasterId r:id="rId20"/>
   </p:notesMasterIdLst>
   <p:sldIdLst>
     <p:sldId id="256" r:id="rId2"/>
     <p:sldId id="257" r:id="rId3"/>
     <p:sldId id="265" r:id="rId4"/>
-    <p:sldId id="258" r:id="rId5"/>
-    <p:sldId id="259" r:id="rId6"/>
-    <p:sldId id="260" r:id="rId7"/>
+    <p:sldId id="259" r:id="rId5"/>
+    <p:sldId id="260" r:id="rId6"/>
+    <p:sldId id="258" r:id="rId7"/>
     <p:sldId id="262" r:id="rId8"/>
     <p:sldId id="267" r:id="rId9"/>
     <p:sldId id="264" r:id="rId10"/>
-    <p:sldId id="268" r:id="rId11"/>
-    <p:sldId id="263" r:id="rId12"/>
+    <p:sldId id="263" r:id="rId11"/>
+    <p:sldId id="268" r:id="rId12"/>
     <p:sldId id="269" r:id="rId13"/>
     <p:sldId id="270" r:id="rId14"/>
-    <p:sldId id="271" r:id="rId15"/>
-    <p:sldId id="261" r:id="rId16"/>
+    <p:sldId id="272" r:id="rId15"/>
+    <p:sldId id="271" r:id="rId16"/>
+    <p:sldId id="274" r:id="rId17"/>
+    <p:sldId id="273" r:id="rId18"/>
+    <p:sldId id="261" r:id="rId19"/>
   </p:sldIdLst>
   <p:sldSz cx="12192000" cy="6858000"/>
   <p:notesSz cx="6858000" cy="9144000"/>
@@ -804,7 +807,7 @@
     </p:spTree>
     <p:extLst>
       <p:ext uri="{BB962C8B-B14F-4D97-AF65-F5344CB8AC3E}">
-        <p14:creationId xmlns:p14="http://schemas.microsoft.com/office/powerpoint/2010/main" val="1706740131"/>
+        <p14:creationId xmlns:p14="http://schemas.microsoft.com/office/powerpoint/2010/main" val="1339514207"/>
       </p:ext>
     </p:extLst>
   </p:cSld>
@@ -888,7 +891,7 @@
     </p:spTree>
     <p:extLst>
       <p:ext uri="{BB962C8B-B14F-4D97-AF65-F5344CB8AC3E}">
-        <p14:creationId xmlns:p14="http://schemas.microsoft.com/office/powerpoint/2010/main" val="1339514207"/>
+        <p14:creationId xmlns:p14="http://schemas.microsoft.com/office/powerpoint/2010/main" val="3610780877"/>
       </p:ext>
     </p:extLst>
   </p:cSld>
@@ -972,7 +975,7 @@
     </p:spTree>
     <p:extLst>
       <p:ext uri="{BB962C8B-B14F-4D97-AF65-F5344CB8AC3E}">
-        <p14:creationId xmlns:p14="http://schemas.microsoft.com/office/powerpoint/2010/main" val="3610780877"/>
+        <p14:creationId xmlns:p14="http://schemas.microsoft.com/office/powerpoint/2010/main" val="1706740131"/>
       </p:ext>
     </p:extLst>
   </p:cSld>
@@ -4846,7 +4849,7 @@
           <p:cNvPr id="2" name="Заголовок 1">
             <a:extLst>
               <a:ext uri="{FF2B5EF4-FFF2-40B4-BE49-F238E27FC236}">
-                <a16:creationId xmlns:a16="http://schemas.microsoft.com/office/drawing/2014/main" id="{2B37B506-F5E1-4A74-88AE-1E05F2187EA6}"/>
+                <a16:creationId xmlns:a16="http://schemas.microsoft.com/office/drawing/2014/main" id="{10F5E7CB-FFFE-F6CD-2358-AFE8A9529FB2}"/>
               </a:ext>
             </a:extLst>
           </p:cNvPr>
@@ -4859,20 +4862,20 @@
         </p:nvSpPr>
         <p:spPr>
           <a:xfrm>
-            <a:off x="838200" y="365125"/>
-            <a:ext cx="10515600" cy="549275"/>
+            <a:off x="838200" y="365126"/>
+            <a:ext cx="10515600" cy="558799"/>
           </a:xfrm>
         </p:spPr>
         <p:txBody>
           <a:bodyPr>
-            <a:noAutofit/>
+            <a:normAutofit fontScale="90000"/>
           </a:bodyPr>
           <a:lstStyle/>
           <a:p>
             <a:pPr algn="ctr"/>
             <a:r>
               <a:rPr lang="ru-RU" sz="3600" b="1" dirty="0"/>
-              <a:t>Исключённые базовые меры в процессе адаптации</a:t>
+              <a:t>Набор мер защиты в информационной системе</a:t>
             </a:r>
           </a:p>
         </p:txBody>
@@ -4882,7 +4885,7 @@
           <p:cNvPr id="4" name="Номер слайда 3">
             <a:extLst>
               <a:ext uri="{FF2B5EF4-FFF2-40B4-BE49-F238E27FC236}">
-                <a16:creationId xmlns:a16="http://schemas.microsoft.com/office/drawing/2014/main" id="{4E115A0D-20FA-519A-2183-E8DA0573AFAD}"/>
+                <a16:creationId xmlns:a16="http://schemas.microsoft.com/office/drawing/2014/main" id="{F03825FB-64D5-6695-85EB-DE18303352FD}"/>
               </a:ext>
             </a:extLst>
           </p:cNvPr>
@@ -4919,7 +4922,7 @@
           <p:cNvPr id="6" name="Рисунок 5">
             <a:extLst>
               <a:ext uri="{FF2B5EF4-FFF2-40B4-BE49-F238E27FC236}">
-                <a16:creationId xmlns:a16="http://schemas.microsoft.com/office/drawing/2014/main" id="{E7D92C6E-F678-B3E3-3D0C-BE488475BAA7}"/>
+                <a16:creationId xmlns:a16="http://schemas.microsoft.com/office/drawing/2014/main" id="{32478BC7-A4BC-8B73-0722-F26D5128E560}"/>
               </a:ext>
             </a:extLst>
           </p:cNvPr>
@@ -4928,16 +4931,15 @@
           </p:cNvPicPr>
           <p:nvPr/>
         </p:nvPicPr>
-        <p:blipFill>
+        <p:blipFill rotWithShape="1">
           <a:blip r:embed="rId2"/>
-          <a:stretch>
-            <a:fillRect/>
-          </a:stretch>
+          <a:srcRect b="2993"/>
+          <a:stretch/>
         </p:blipFill>
         <p:spPr>
           <a:xfrm>
-            <a:off x="2029968" y="1075594"/>
-            <a:ext cx="8132064" cy="5417281"/>
+            <a:off x="2600325" y="923925"/>
+            <a:ext cx="6991350" cy="5790572"/>
           </a:xfrm>
           <a:prstGeom prst="rect">
             <a:avLst/>
@@ -4947,7 +4949,7 @@
     </p:spTree>
     <p:extLst>
       <p:ext uri="{BB962C8B-B14F-4D97-AF65-F5344CB8AC3E}">
-        <p14:creationId xmlns:p14="http://schemas.microsoft.com/office/powerpoint/2010/main" val="2583930041"/>
+        <p14:creationId xmlns:p14="http://schemas.microsoft.com/office/powerpoint/2010/main" val="707589190"/>
       </p:ext>
     </p:extLst>
   </p:cSld>
@@ -4979,7 +4981,7 @@
           <p:cNvPr id="2" name="Заголовок 1">
             <a:extLst>
               <a:ext uri="{FF2B5EF4-FFF2-40B4-BE49-F238E27FC236}">
-                <a16:creationId xmlns:a16="http://schemas.microsoft.com/office/drawing/2014/main" id="{10F5E7CB-FFFE-F6CD-2358-AFE8A9529FB2}"/>
+                <a16:creationId xmlns:a16="http://schemas.microsoft.com/office/drawing/2014/main" id="{2B37B506-F5E1-4A74-88AE-1E05F2187EA6}"/>
               </a:ext>
             </a:extLst>
           </p:cNvPr>
@@ -4992,20 +4994,20 @@
         </p:nvSpPr>
         <p:spPr>
           <a:xfrm>
-            <a:off x="838200" y="365126"/>
-            <a:ext cx="10515600" cy="558799"/>
+            <a:off x="838200" y="365125"/>
+            <a:ext cx="10515600" cy="549275"/>
           </a:xfrm>
         </p:spPr>
         <p:txBody>
           <a:bodyPr>
-            <a:normAutofit fontScale="90000"/>
+            <a:noAutofit/>
           </a:bodyPr>
           <a:lstStyle/>
           <a:p>
             <a:pPr algn="ctr"/>
             <a:r>
               <a:rPr lang="ru-RU" sz="3600" b="1" dirty="0"/>
-              <a:t>Набор мер защиты в информационной системе</a:t>
+              <a:t>Исключённые базовые меры в процессе адаптации</a:t>
             </a:r>
           </a:p>
         </p:txBody>
@@ -5015,7 +5017,7 @@
           <p:cNvPr id="4" name="Номер слайда 3">
             <a:extLst>
               <a:ext uri="{FF2B5EF4-FFF2-40B4-BE49-F238E27FC236}">
-                <a16:creationId xmlns:a16="http://schemas.microsoft.com/office/drawing/2014/main" id="{F03825FB-64D5-6695-85EB-DE18303352FD}"/>
+                <a16:creationId xmlns:a16="http://schemas.microsoft.com/office/drawing/2014/main" id="{4E115A0D-20FA-519A-2183-E8DA0573AFAD}"/>
               </a:ext>
             </a:extLst>
           </p:cNvPr>
@@ -5052,7 +5054,7 @@
           <p:cNvPr id="6" name="Рисунок 5">
             <a:extLst>
               <a:ext uri="{FF2B5EF4-FFF2-40B4-BE49-F238E27FC236}">
-                <a16:creationId xmlns:a16="http://schemas.microsoft.com/office/drawing/2014/main" id="{32478BC7-A4BC-8B73-0722-F26D5128E560}"/>
+                <a16:creationId xmlns:a16="http://schemas.microsoft.com/office/drawing/2014/main" id="{E7D92C6E-F678-B3E3-3D0C-BE488475BAA7}"/>
               </a:ext>
             </a:extLst>
           </p:cNvPr>
@@ -5061,15 +5063,16 @@
           </p:cNvPicPr>
           <p:nvPr/>
         </p:nvPicPr>
-        <p:blipFill rotWithShape="1">
+        <p:blipFill>
           <a:blip r:embed="rId2"/>
-          <a:srcRect b="2993"/>
-          <a:stretch/>
+          <a:stretch>
+            <a:fillRect/>
+          </a:stretch>
         </p:blipFill>
         <p:spPr>
           <a:xfrm>
-            <a:off x="2600325" y="923925"/>
-            <a:ext cx="6991350" cy="5790572"/>
+            <a:off x="2029968" y="1075594"/>
+            <a:ext cx="8132064" cy="5417281"/>
           </a:xfrm>
           <a:prstGeom prst="rect">
             <a:avLst/>
@@ -5079,7 +5082,7 @@
     </p:spTree>
     <p:extLst>
       <p:ext uri="{BB962C8B-B14F-4D97-AF65-F5344CB8AC3E}">
-        <p14:creationId xmlns:p14="http://schemas.microsoft.com/office/powerpoint/2010/main" val="707589190"/>
+        <p14:creationId xmlns:p14="http://schemas.microsoft.com/office/powerpoint/2010/main" val="2583930041"/>
       </p:ext>
     </p:extLst>
   </p:cSld>
@@ -5393,13 +5396,7 @@
       </p:grpSpPr>
       <p:sp>
         <p:nvSpPr>
-          <p:cNvPr id="2" name="Заголовок 1">
-            <a:extLst>
-              <a:ext uri="{FF2B5EF4-FFF2-40B4-BE49-F238E27FC236}">
-                <a16:creationId xmlns:a16="http://schemas.microsoft.com/office/drawing/2014/main" id="{99E7EC0C-4FA8-26CB-9B50-997CDFC95AFC}"/>
-              </a:ext>
-            </a:extLst>
-          </p:cNvPr>
+          <p:cNvPr id="2" name="Заголовок 1"/>
           <p:cNvSpPr>
             <a:spLocks noGrp="1"/>
           </p:cNvSpPr>
@@ -5407,76 +5404,30 @@
             <p:ph type="title"/>
           </p:nvPr>
         </p:nvSpPr>
-        <p:spPr>
-          <a:xfrm>
-            <a:off x="200025" y="555625"/>
-            <a:ext cx="11763375" cy="1024763"/>
-          </a:xfrm>
-        </p:spPr>
-        <p:txBody>
-          <a:bodyPr>
-            <a:noAutofit/>
-          </a:bodyPr>
+        <p:spPr/>
+        <p:txBody>
+          <a:bodyPr/>
           <a:lstStyle/>
           <a:p>
             <a:pPr algn="ctr"/>
             <a:r>
-              <a:rPr lang="ru-RU" sz="3600" b="1" dirty="0"/>
-              <a:t>Техническое задание на проектирование средств защиты информации автоматизированной системы потребительских кредитов</a:t>
-            </a:r>
-          </a:p>
-        </p:txBody>
-      </p:sp>
-      <p:sp>
-        <p:nvSpPr>
-          <p:cNvPr id="3" name="Объект 2">
-            <a:extLst>
-              <a:ext uri="{FF2B5EF4-FFF2-40B4-BE49-F238E27FC236}">
-                <a16:creationId xmlns:a16="http://schemas.microsoft.com/office/drawing/2014/main" id="{F3278044-BFF5-59D7-BCBC-CC765F7ECE11}"/>
-              </a:ext>
-            </a:extLst>
-          </p:cNvPr>
-          <p:cNvSpPr>
-            <a:spLocks noGrp="1"/>
-          </p:cNvSpPr>
-          <p:nvPr>
-            <p:ph idx="1"/>
-          </p:nvPr>
-        </p:nvSpPr>
-        <p:spPr>
-          <a:xfrm>
-            <a:off x="838200" y="2075688"/>
-            <a:ext cx="10515600" cy="4101275"/>
-          </a:xfrm>
-        </p:spPr>
-        <p:txBody>
-          <a:bodyPr>
-            <a:normAutofit/>
-          </a:bodyPr>
-          <a:lstStyle/>
-          <a:p>
-            <a:r>
-              <a:rPr lang="ru-RU" dirty="0"/>
-              <a:t>Целью и основными задачами СЗИ является предотвращение неправомерного доступа к информации, обрабатываемой объектом АС Потребительского кредитования.</a:t>
-            </a:r>
-          </a:p>
-          <a:p>
-            <a:r>
-              <a:rPr lang="ru-RU" dirty="0"/>
-              <a:t>В ТЗ описывается: Заказчик, Исполнитель договора, Период действия договора, Цель и основные требования, Состав и содержание работ, Порядок оформления и предъявления результатов работ, Назначение и цели создания системы, Общая характеристика, Требования к созданию АС, Требования к документированию, Состав и содержание поставляемого товара.</a:t>
-            </a:r>
-          </a:p>
-        </p:txBody>
-      </p:sp>
-      <p:sp>
-        <p:nvSpPr>
-          <p:cNvPr id="4" name="Номер слайда 3">
-            <a:extLst>
-              <a:ext uri="{FF2B5EF4-FFF2-40B4-BE49-F238E27FC236}">
-                <a16:creationId xmlns:a16="http://schemas.microsoft.com/office/drawing/2014/main" id="{089E7E28-6C24-021A-1D32-A04C258D15BA}"/>
-              </a:ext>
-            </a:extLst>
-          </p:cNvPr>
+              <a:rPr lang="ru-RU" b="1" dirty="0"/>
+              <a:t>Сопоставление мер в приказах </a:t>
+            </a:r>
+            <a:br>
+              <a:rPr lang="ru-RU" b="1" dirty="0"/>
+            </a:br>
+            <a:r>
+              <a:rPr lang="ru-RU" b="1" dirty="0"/>
+              <a:t>ФСТЭК РОССИИ №17 и №21</a:t>
+            </a:r>
+            <a:endParaRPr lang="ru-RU" dirty="0"/>
+          </a:p>
+        </p:txBody>
+      </p:sp>
+      <p:sp>
+        <p:nvSpPr>
+          <p:cNvPr id="4" name="Номер слайда 3"/>
           <p:cNvSpPr>
             <a:spLocks noGrp="1"/>
           </p:cNvSpPr>
@@ -5505,10 +5456,34 @@
           </a:p>
         </p:txBody>
       </p:sp>
+      <p:pic>
+        <p:nvPicPr>
+          <p:cNvPr id="5" name="Рисунок 4"/>
+          <p:cNvPicPr>
+            <a:picLocks noChangeAspect="1"/>
+          </p:cNvPicPr>
+          <p:nvPr/>
+        </p:nvPicPr>
+        <p:blipFill>
+          <a:blip r:embed="rId2"/>
+          <a:stretch>
+            <a:fillRect/>
+          </a:stretch>
+        </p:blipFill>
+        <p:spPr>
+          <a:xfrm>
+            <a:off x="1859972" y="1690688"/>
+            <a:ext cx="8472055" cy="4975859"/>
+          </a:xfrm>
+          <a:prstGeom prst="rect">
+            <a:avLst/>
+          </a:prstGeom>
+        </p:spPr>
+      </p:pic>
     </p:spTree>
     <p:extLst>
       <p:ext uri="{BB962C8B-B14F-4D97-AF65-F5344CB8AC3E}">
-        <p14:creationId xmlns:p14="http://schemas.microsoft.com/office/powerpoint/2010/main" val="2967561987"/>
+        <p14:creationId xmlns:p14="http://schemas.microsoft.com/office/powerpoint/2010/main" val="1580036992"/>
       </p:ext>
     </p:extLst>
   </p:cSld>
@@ -5540,7 +5515,7 @@
           <p:cNvPr id="2" name="Заголовок 1">
             <a:extLst>
               <a:ext uri="{FF2B5EF4-FFF2-40B4-BE49-F238E27FC236}">
-                <a16:creationId xmlns:a16="http://schemas.microsoft.com/office/drawing/2014/main" id="{D601BBB1-6747-EEFC-9F19-747DF3EC9546}"/>
+                <a16:creationId xmlns:a16="http://schemas.microsoft.com/office/drawing/2014/main" id="{99E7EC0C-4FA8-26CB-9B50-997CDFC95AFC}"/>
               </a:ext>
             </a:extLst>
           </p:cNvPr>
@@ -5553,8 +5528,44 @@
         </p:nvSpPr>
         <p:spPr>
           <a:xfrm>
-            <a:off x="838200" y="681037"/>
-            <a:ext cx="10515600" cy="604139"/>
+            <a:off x="200025" y="555625"/>
+            <a:ext cx="11763375" cy="1024763"/>
+          </a:xfrm>
+        </p:spPr>
+        <p:txBody>
+          <a:bodyPr>
+            <a:noAutofit/>
+          </a:bodyPr>
+          <a:lstStyle/>
+          <a:p>
+            <a:pPr algn="ctr"/>
+            <a:r>
+              <a:rPr lang="ru-RU" sz="3600" b="1" dirty="0"/>
+              <a:t>Техническое задание на проектирование средств защиты информации автоматизированной системы потребительских кредитов</a:t>
+            </a:r>
+          </a:p>
+        </p:txBody>
+      </p:sp>
+      <p:sp>
+        <p:nvSpPr>
+          <p:cNvPr id="3" name="Объект 2">
+            <a:extLst>
+              <a:ext uri="{FF2B5EF4-FFF2-40B4-BE49-F238E27FC236}">
+                <a16:creationId xmlns:a16="http://schemas.microsoft.com/office/drawing/2014/main" id="{F3278044-BFF5-59D7-BCBC-CC765F7ECE11}"/>
+              </a:ext>
+            </a:extLst>
+          </p:cNvPr>
+          <p:cNvSpPr>
+            <a:spLocks noGrp="1"/>
+          </p:cNvSpPr>
+          <p:nvPr>
+            <p:ph idx="1"/>
+          </p:nvPr>
+        </p:nvSpPr>
+        <p:spPr>
+          <a:xfrm>
+            <a:off x="838200" y="2075688"/>
+            <a:ext cx="10515600" cy="4101275"/>
           </a:xfrm>
         </p:spPr>
         <p:txBody>
@@ -5563,61 +5574,20 @@
           </a:bodyPr>
           <a:lstStyle/>
           <a:p>
-            <a:pPr algn="ctr"/>
-            <a:r>
-              <a:rPr lang="ru-RU" sz="3600" b="1" dirty="0"/>
-              <a:t>Заключение</a:t>
-            </a:r>
-          </a:p>
-        </p:txBody>
-      </p:sp>
-      <p:sp>
-        <p:nvSpPr>
-          <p:cNvPr id="3" name="Объект 2">
-            <a:extLst>
-              <a:ext uri="{FF2B5EF4-FFF2-40B4-BE49-F238E27FC236}">
-                <a16:creationId xmlns:a16="http://schemas.microsoft.com/office/drawing/2014/main" id="{959E7C7B-D65E-D31F-34AE-E0769E785BE4}"/>
-              </a:ext>
-            </a:extLst>
-          </p:cNvPr>
-          <p:cNvSpPr>
-            <a:spLocks noGrp="1"/>
-          </p:cNvSpPr>
-          <p:nvPr>
-            <p:ph idx="1"/>
-          </p:nvPr>
-        </p:nvSpPr>
-        <p:spPr/>
-        <p:txBody>
-          <a:bodyPr>
-            <a:normAutofit fontScale="85000" lnSpcReduction="10000"/>
-          </a:bodyPr>
-          <a:lstStyle/>
-          <a:p>
             <a:r>
               <a:rPr lang="ru-RU" dirty="0"/>
-              <a:t>В итоге выполнение анализа АС Потребительского кредитования как объекта защиты, позволило выявить общую характеристику объекта защиты выделить основные программные и аппаратные средства, а также группы внешних и внутренних пользователей АС, и возможные угрозы безопасности информации, и объекты, на которые эти угрозы воздействуют.</a:t>
+              <a:t>Целью и основными задачами СЗИ является предотвращение неправомерного доступа к информации, обрабатываемой объектом АС Потребительского кредитования.</a:t>
             </a:r>
           </a:p>
           <a:p>
             <a:r>
               <a:rPr lang="ru-RU" dirty="0"/>
-              <a:t>Определение требований по обеспечению безопасности в АС Потребительского кредитования, позволило выявить класс защищённости АС Потребительского кредитования, а также состав мер по обеспечению информационной безопасности АС Потребительского кредитования.</a:t>
-            </a:r>
-          </a:p>
-          <a:p>
-            <a:r>
-              <a:rPr lang="ru-RU" dirty="0"/>
-              <a:t>На основе информации, полученной в первом и втором разделах, было спроектировано техническое задание на создание системы защиты для АС Потребительского кредитования.</a:t>
-            </a:r>
-          </a:p>
-          <a:p>
-            <a:r>
-              <a:rPr lang="ru-RU" dirty="0"/>
-              <a:t>Таким образом все поставленные задачи выполнены, цель достигнута.</a:t>
-            </a:r>
-          </a:p>
-          <a:p>
+              <a:t>В ТЗ описывается: </a:t>
+            </a:r>
+            <a:r>
+              <a:rPr lang="ru-RU" dirty="0" smtClean="0"/>
+              <a:t>заказчик, исполнитель договора, период действия договора, цель и основные требования, состав и содержание работ, порядок оформления и предъявления результатов работ, назначение и цели создания системы, общая характеристика, требования к созданию ас, требования к документированию, состав и содержание поставляемого товара.</a:t>
+            </a:r>
             <a:endParaRPr lang="ru-RU" dirty="0"/>
           </a:p>
         </p:txBody>
@@ -5627,7 +5597,7 @@
           <p:cNvPr id="4" name="Номер слайда 3">
             <a:extLst>
               <a:ext uri="{FF2B5EF4-FFF2-40B4-BE49-F238E27FC236}">
-                <a16:creationId xmlns:a16="http://schemas.microsoft.com/office/drawing/2014/main" id="{E0393E48-8A50-F16B-2AED-C58ACAFA9D65}"/>
+                <a16:creationId xmlns:a16="http://schemas.microsoft.com/office/drawing/2014/main" id="{089E7E28-6C24-021A-1D32-A04C258D15BA}"/>
               </a:ext>
             </a:extLst>
           </p:cNvPr>
@@ -5650,6 +5620,451 @@
                 </a:solidFill>
               </a:rPr>
               <a:t>15</a:t>
+            </a:fld>
+            <a:endParaRPr lang="ru-RU" sz="2000" dirty="0">
+              <a:solidFill>
+                <a:schemeClr val="tx1"/>
+              </a:solidFill>
+            </a:endParaRPr>
+          </a:p>
+        </p:txBody>
+      </p:sp>
+    </p:spTree>
+    <p:extLst>
+      <p:ext uri="{BB962C8B-B14F-4D97-AF65-F5344CB8AC3E}">
+        <p14:creationId xmlns:p14="http://schemas.microsoft.com/office/powerpoint/2010/main" val="2967561987"/>
+      </p:ext>
+    </p:extLst>
+  </p:cSld>
+  <p:clrMapOvr>
+    <a:masterClrMapping/>
+  </p:clrMapOvr>
+</p:sld>
+</file>
+
+<file path=ppt/slides/slide16.xml><?xml version="1.0" encoding="utf-8"?>
+<p:sld xmlns:a="http://schemas.openxmlformats.org/drawingml/2006/main" xmlns:r="http://schemas.openxmlformats.org/officeDocument/2006/relationships" xmlns:p="http://schemas.openxmlformats.org/presentationml/2006/main">
+  <p:cSld>
+    <p:spTree>
+      <p:nvGrpSpPr>
+        <p:cNvPr id="1" name=""/>
+        <p:cNvGrpSpPr/>
+        <p:nvPr/>
+      </p:nvGrpSpPr>
+      <p:grpSpPr>
+        <a:xfrm>
+          <a:off x="0" y="0"/>
+          <a:ext cx="0" cy="0"/>
+          <a:chOff x="0" y="0"/>
+          <a:chExt cx="0" cy="0"/>
+        </a:xfrm>
+      </p:grpSpPr>
+      <p:sp>
+        <p:nvSpPr>
+          <p:cNvPr id="2" name="Заголовок 1"/>
+          <p:cNvSpPr>
+            <a:spLocks noGrp="1"/>
+          </p:cNvSpPr>
+          <p:nvPr>
+            <p:ph type="title"/>
+          </p:nvPr>
+        </p:nvSpPr>
+        <p:spPr>
+          <a:xfrm>
+            <a:off x="838200" y="365125"/>
+            <a:ext cx="10515600" cy="898409"/>
+          </a:xfrm>
+        </p:spPr>
+        <p:txBody>
+          <a:bodyPr>
+            <a:normAutofit/>
+          </a:bodyPr>
+          <a:lstStyle/>
+          <a:p>
+            <a:pPr algn="ctr"/>
+            <a:r>
+              <a:rPr lang="ru-RU" b="1" dirty="0"/>
+              <a:t>Список технических </a:t>
+            </a:r>
+            <a:r>
+              <a:rPr lang="ru-RU" b="1" dirty="0" err="1"/>
+              <a:t>СрЗИ</a:t>
+            </a:r>
+            <a:endParaRPr lang="ru-RU" b="1" dirty="0"/>
+          </a:p>
+        </p:txBody>
+      </p:sp>
+      <p:sp>
+        <p:nvSpPr>
+          <p:cNvPr id="4" name="Номер слайда 3"/>
+          <p:cNvSpPr>
+            <a:spLocks noGrp="1"/>
+          </p:cNvSpPr>
+          <p:nvPr>
+            <p:ph type="sldNum" sz="quarter" idx="12"/>
+          </p:nvPr>
+        </p:nvSpPr>
+        <p:spPr/>
+        <p:txBody>
+          <a:bodyPr/>
+          <a:lstStyle/>
+          <a:p>
+            <a:fld id="{8666B52E-C19B-40B3-8032-CCCA6478B10A}" type="slidenum">
+              <a:rPr lang="ru-RU" sz="2000" smtClean="0">
+                <a:solidFill>
+                  <a:schemeClr val="tx1"/>
+                </a:solidFill>
+              </a:rPr>
+              <a:t>16</a:t>
+            </a:fld>
+            <a:endParaRPr lang="ru-RU" dirty="0">
+              <a:solidFill>
+                <a:schemeClr val="tx1"/>
+              </a:solidFill>
+            </a:endParaRPr>
+          </a:p>
+        </p:txBody>
+      </p:sp>
+      <p:pic>
+        <p:nvPicPr>
+          <p:cNvPr id="5" name="Рисунок 4"/>
+          <p:cNvPicPr>
+            <a:picLocks noChangeAspect="1"/>
+          </p:cNvPicPr>
+          <p:nvPr/>
+        </p:nvPicPr>
+        <p:blipFill>
+          <a:blip r:embed="rId2"/>
+          <a:stretch>
+            <a:fillRect/>
+          </a:stretch>
+        </p:blipFill>
+        <p:spPr>
+          <a:xfrm>
+            <a:off x="838200" y="1479849"/>
+            <a:ext cx="10515600" cy="4660185"/>
+          </a:xfrm>
+          <a:prstGeom prst="rect">
+            <a:avLst/>
+          </a:prstGeom>
+        </p:spPr>
+      </p:pic>
+    </p:spTree>
+    <p:extLst>
+      <p:ext uri="{BB962C8B-B14F-4D97-AF65-F5344CB8AC3E}">
+        <p14:creationId xmlns:p14="http://schemas.microsoft.com/office/powerpoint/2010/main" val="466152918"/>
+      </p:ext>
+    </p:extLst>
+  </p:cSld>
+  <p:clrMapOvr>
+    <a:masterClrMapping/>
+  </p:clrMapOvr>
+</p:sld>
+</file>
+
+<file path=ppt/slides/slide17.xml><?xml version="1.0" encoding="utf-8"?>
+<p:sld xmlns:a="http://schemas.openxmlformats.org/drawingml/2006/main" xmlns:r="http://schemas.openxmlformats.org/officeDocument/2006/relationships" xmlns:p="http://schemas.openxmlformats.org/presentationml/2006/main">
+  <p:cSld>
+    <p:spTree>
+      <p:nvGrpSpPr>
+        <p:cNvPr id="1" name=""/>
+        <p:cNvGrpSpPr/>
+        <p:nvPr/>
+      </p:nvGrpSpPr>
+      <p:grpSpPr>
+        <a:xfrm>
+          <a:off x="0" y="0"/>
+          <a:ext cx="0" cy="0"/>
+          <a:chOff x="0" y="0"/>
+          <a:chExt cx="0" cy="0"/>
+        </a:xfrm>
+      </p:grpSpPr>
+      <p:sp>
+        <p:nvSpPr>
+          <p:cNvPr id="2" name="Заголовок 1"/>
+          <p:cNvSpPr>
+            <a:spLocks noGrp="1"/>
+          </p:cNvSpPr>
+          <p:nvPr>
+            <p:ph type="title"/>
+          </p:nvPr>
+        </p:nvSpPr>
+        <p:spPr/>
+        <p:txBody>
+          <a:bodyPr/>
+          <a:lstStyle/>
+          <a:p>
+            <a:pPr algn="ctr"/>
+            <a:r>
+              <a:rPr lang="ru-RU" b="1" dirty="0" smtClean="0"/>
+              <a:t>Состав и содержание поставляемого товара </a:t>
+            </a:r>
+            <a:endParaRPr lang="ru-RU" b="1" dirty="0"/>
+          </a:p>
+        </p:txBody>
+      </p:sp>
+      <p:sp>
+        <p:nvSpPr>
+          <p:cNvPr id="4" name="Номер слайда 3"/>
+          <p:cNvSpPr>
+            <a:spLocks noGrp="1"/>
+          </p:cNvSpPr>
+          <p:nvPr>
+            <p:ph type="sldNum" sz="quarter" idx="12"/>
+          </p:nvPr>
+        </p:nvSpPr>
+        <p:spPr/>
+        <p:txBody>
+          <a:bodyPr/>
+          <a:lstStyle/>
+          <a:p>
+            <a:fld id="{8666B52E-C19B-40B3-8032-CCCA6478B10A}" type="slidenum">
+              <a:rPr lang="ru-RU" sz="2000" smtClean="0">
+                <a:solidFill>
+                  <a:schemeClr val="tx1"/>
+                </a:solidFill>
+              </a:rPr>
+              <a:t>17</a:t>
+            </a:fld>
+            <a:endParaRPr lang="ru-RU" dirty="0">
+              <a:solidFill>
+                <a:schemeClr val="tx1"/>
+              </a:solidFill>
+            </a:endParaRPr>
+          </a:p>
+        </p:txBody>
+      </p:sp>
+      <p:sp>
+        <p:nvSpPr>
+          <p:cNvPr id="6" name="Прямоугольник 5"/>
+          <p:cNvSpPr/>
+          <p:nvPr/>
+        </p:nvSpPr>
+        <p:spPr>
+          <a:xfrm>
+            <a:off x="838200" y="1753457"/>
+            <a:ext cx="10515600" cy="507831"/>
+          </a:xfrm>
+          <a:prstGeom prst="rect">
+            <a:avLst/>
+          </a:prstGeom>
+        </p:spPr>
+        <p:txBody>
+          <a:bodyPr wrap="square">
+            <a:spAutoFit/>
+          </a:bodyPr>
+          <a:lstStyle/>
+          <a:p>
+            <a:pPr marL="1170305" indent="-1170305">
+              <a:lnSpc>
+                <a:spcPct val="150000"/>
+              </a:lnSpc>
+              <a:spcAft>
+                <a:spcPts val="0"/>
+              </a:spcAft>
+            </a:pPr>
+            <a:r>
+              <a:rPr lang="ru-RU" dirty="0" smtClean="0">
+                <a:latin typeface="Times New Roman" panose="02020603050405020304" pitchFamily="18" charset="0"/>
+                <a:ea typeface="Times New Roman" panose="02020603050405020304" pitchFamily="18" charset="0"/>
+                <a:cs typeface="Times New Roman" panose="02020603050405020304" pitchFamily="18" charset="0"/>
+              </a:rPr>
+              <a:t>Фрагмент таблицы «Товар</a:t>
+            </a:r>
+            <a:r>
+              <a:rPr lang="ru-RU" dirty="0">
+                <a:latin typeface="Times New Roman" panose="02020603050405020304" pitchFamily="18" charset="0"/>
+                <a:ea typeface="Times New Roman" panose="02020603050405020304" pitchFamily="18" charset="0"/>
+                <a:cs typeface="Times New Roman" panose="02020603050405020304" pitchFamily="18" charset="0"/>
+              </a:rPr>
+              <a:t>, поставляемый для дополнения и актуализации существующей </a:t>
+            </a:r>
+            <a:r>
+              <a:rPr lang="ru-RU" dirty="0" smtClean="0">
+                <a:latin typeface="Times New Roman" panose="02020603050405020304" pitchFamily="18" charset="0"/>
+                <a:ea typeface="Times New Roman" panose="02020603050405020304" pitchFamily="18" charset="0"/>
+                <a:cs typeface="Times New Roman" panose="02020603050405020304" pitchFamily="18" charset="0"/>
+              </a:rPr>
+              <a:t>СЗИ»</a:t>
+            </a:r>
+            <a:endParaRPr lang="ru-RU" sz="1400" dirty="0">
+              <a:effectLst/>
+              <a:latin typeface="Calibri" panose="020F0502020204030204" pitchFamily="34" charset="0"/>
+              <a:ea typeface="Times New Roman" panose="02020603050405020304" pitchFamily="18" charset="0"/>
+              <a:cs typeface="Times New Roman" panose="02020603050405020304" pitchFamily="18" charset="0"/>
+            </a:endParaRPr>
+          </a:p>
+        </p:txBody>
+      </p:sp>
+      <p:pic>
+        <p:nvPicPr>
+          <p:cNvPr id="7" name="Рисунок 6"/>
+          <p:cNvPicPr>
+            <a:picLocks noChangeAspect="1"/>
+          </p:cNvPicPr>
+          <p:nvPr/>
+        </p:nvPicPr>
+        <p:blipFill>
+          <a:blip r:embed="rId2"/>
+          <a:stretch>
+            <a:fillRect/>
+          </a:stretch>
+        </p:blipFill>
+        <p:spPr>
+          <a:xfrm>
+            <a:off x="838200" y="2391911"/>
+            <a:ext cx="10515600" cy="1916907"/>
+          </a:xfrm>
+          <a:prstGeom prst="rect">
+            <a:avLst/>
+          </a:prstGeom>
+        </p:spPr>
+      </p:pic>
+    </p:spTree>
+    <p:extLst>
+      <p:ext uri="{BB962C8B-B14F-4D97-AF65-F5344CB8AC3E}">
+        <p14:creationId xmlns:p14="http://schemas.microsoft.com/office/powerpoint/2010/main" val="2023759671"/>
+      </p:ext>
+    </p:extLst>
+  </p:cSld>
+  <p:clrMapOvr>
+    <a:masterClrMapping/>
+  </p:clrMapOvr>
+</p:sld>
+</file>
+
+<file path=ppt/slides/slide18.xml><?xml version="1.0" encoding="utf-8"?>
+<p:sld xmlns:a="http://schemas.openxmlformats.org/drawingml/2006/main" xmlns:r="http://schemas.openxmlformats.org/officeDocument/2006/relationships" xmlns:p="http://schemas.openxmlformats.org/presentationml/2006/main">
+  <p:cSld>
+    <p:spTree>
+      <p:nvGrpSpPr>
+        <p:cNvPr id="1" name=""/>
+        <p:cNvGrpSpPr/>
+        <p:nvPr/>
+      </p:nvGrpSpPr>
+      <p:grpSpPr>
+        <a:xfrm>
+          <a:off x="0" y="0"/>
+          <a:ext cx="0" cy="0"/>
+          <a:chOff x="0" y="0"/>
+          <a:chExt cx="0" cy="0"/>
+        </a:xfrm>
+      </p:grpSpPr>
+      <p:sp>
+        <p:nvSpPr>
+          <p:cNvPr id="2" name="Заголовок 1">
+            <a:extLst>
+              <a:ext uri="{FF2B5EF4-FFF2-40B4-BE49-F238E27FC236}">
+                <a16:creationId xmlns:a16="http://schemas.microsoft.com/office/drawing/2014/main" id="{D601BBB1-6747-EEFC-9F19-747DF3EC9546}"/>
+              </a:ext>
+            </a:extLst>
+          </p:cNvPr>
+          <p:cNvSpPr>
+            <a:spLocks noGrp="1"/>
+          </p:cNvSpPr>
+          <p:nvPr>
+            <p:ph type="title"/>
+          </p:nvPr>
+        </p:nvSpPr>
+        <p:spPr>
+          <a:xfrm>
+            <a:off x="838200" y="681037"/>
+            <a:ext cx="10515600" cy="604139"/>
+          </a:xfrm>
+        </p:spPr>
+        <p:txBody>
+          <a:bodyPr>
+            <a:normAutofit/>
+          </a:bodyPr>
+          <a:lstStyle/>
+          <a:p>
+            <a:pPr algn="ctr"/>
+            <a:r>
+              <a:rPr lang="ru-RU" sz="3600" b="1" dirty="0"/>
+              <a:t>Заключение</a:t>
+            </a:r>
+          </a:p>
+        </p:txBody>
+      </p:sp>
+      <p:sp>
+        <p:nvSpPr>
+          <p:cNvPr id="3" name="Объект 2">
+            <a:extLst>
+              <a:ext uri="{FF2B5EF4-FFF2-40B4-BE49-F238E27FC236}">
+                <a16:creationId xmlns:a16="http://schemas.microsoft.com/office/drawing/2014/main" id="{959E7C7B-D65E-D31F-34AE-E0769E785BE4}"/>
+              </a:ext>
+            </a:extLst>
+          </p:cNvPr>
+          <p:cNvSpPr>
+            <a:spLocks noGrp="1"/>
+          </p:cNvSpPr>
+          <p:nvPr>
+            <p:ph idx="1"/>
+          </p:nvPr>
+        </p:nvSpPr>
+        <p:spPr/>
+        <p:txBody>
+          <a:bodyPr>
+            <a:normAutofit fontScale="85000" lnSpcReduction="10000"/>
+          </a:bodyPr>
+          <a:lstStyle/>
+          <a:p>
+            <a:r>
+              <a:rPr lang="ru-RU" dirty="0"/>
+              <a:t>В итоге выполнение анализа АС Потребительского кредитования как объекта защиты, позволило выявить общую характеристику объекта защиты выделить основные программные и аппаратные средства, а также группы внешних и внутренних пользователей АС, и возможные угрозы безопасности информации, и объекты, на которые эти угрозы воздействуют.</a:t>
+            </a:r>
+          </a:p>
+          <a:p>
+            <a:r>
+              <a:rPr lang="ru-RU" dirty="0"/>
+              <a:t>Определение требований по обеспечению безопасности в АС Потребительского кредитования, позволило выявить класс защищённости АС Потребительского кредитования, а также состав мер по обеспечению информационной безопасности АС Потребительского кредитования.</a:t>
+            </a:r>
+          </a:p>
+          <a:p>
+            <a:r>
+              <a:rPr lang="ru-RU" dirty="0"/>
+              <a:t>На основе информации, полученной в первом и втором разделах, было спроектировано техническое задание на создание системы защиты для АС Потребительского кредитования.</a:t>
+            </a:r>
+          </a:p>
+          <a:p>
+            <a:r>
+              <a:rPr lang="ru-RU" dirty="0"/>
+              <a:t>Таким образом все поставленные задачи выполнены, цель достигнута.</a:t>
+            </a:r>
+          </a:p>
+          <a:p>
+            <a:endParaRPr lang="ru-RU" dirty="0"/>
+          </a:p>
+        </p:txBody>
+      </p:sp>
+      <p:sp>
+        <p:nvSpPr>
+          <p:cNvPr id="4" name="Номер слайда 3">
+            <a:extLst>
+              <a:ext uri="{FF2B5EF4-FFF2-40B4-BE49-F238E27FC236}">
+                <a16:creationId xmlns:a16="http://schemas.microsoft.com/office/drawing/2014/main" id="{E0393E48-8A50-F16B-2AED-C58ACAFA9D65}"/>
+              </a:ext>
+            </a:extLst>
+          </p:cNvPr>
+          <p:cNvSpPr>
+            <a:spLocks noGrp="1"/>
+          </p:cNvSpPr>
+          <p:nvPr>
+            <p:ph type="sldNum" sz="quarter" idx="12"/>
+          </p:nvPr>
+        </p:nvSpPr>
+        <p:spPr/>
+        <p:txBody>
+          <a:bodyPr/>
+          <a:lstStyle/>
+          <a:p>
+            <a:fld id="{8666B52E-C19B-40B3-8032-CCCA6478B10A}" type="slidenum">
+              <a:rPr lang="ru-RU" sz="2000" smtClean="0">
+                <a:solidFill>
+                  <a:schemeClr val="tx1"/>
+                </a:solidFill>
+              </a:rPr>
+              <a:t>18</a:t>
             </a:fld>
             <a:endParaRPr lang="ru-RU" sz="2000" dirty="0">
               <a:solidFill>
@@ -5975,12 +6390,12 @@
           <a:p>
             <a:pPr algn="ctr"/>
             <a:r>
-              <a:rPr lang="ru-RU" sz="1800" dirty="0">
+              <a:rPr lang="ru-RU" sz="1800" dirty="0" smtClean="0">
                 <a:effectLst/>
                 <a:latin typeface="Times New Roman" panose="02020603050405020304" pitchFamily="18" charset="0"/>
                 <a:ea typeface="Times New Roman" panose="02020603050405020304" pitchFamily="18" charset="0"/>
               </a:rPr>
-              <a:t>Таблица 1 – Описание бизнес-процессов</a:t>
+              <a:t>Фрагмент таблицы «Описание бизнес-процессов»</a:t>
             </a:r>
             <a:endParaRPr lang="ru-RU" dirty="0"/>
           </a:p>
@@ -6051,249 +6466,6 @@
           <p:cNvPr id="2" name="Заголовок 1">
             <a:extLst>
               <a:ext uri="{FF2B5EF4-FFF2-40B4-BE49-F238E27FC236}">
-                <a16:creationId xmlns:a16="http://schemas.microsoft.com/office/drawing/2014/main" id="{DDEECA3A-6214-93DA-7ED0-90A5FF200BDD}"/>
-              </a:ext>
-            </a:extLst>
-          </p:cNvPr>
-          <p:cNvSpPr>
-            <a:spLocks noGrp="1"/>
-          </p:cNvSpPr>
-          <p:nvPr>
-            <p:ph type="title"/>
-          </p:nvPr>
-        </p:nvSpPr>
-        <p:spPr/>
-        <p:txBody>
-          <a:bodyPr>
-            <a:normAutofit/>
-          </a:bodyPr>
-          <a:lstStyle/>
-          <a:p>
-            <a:pPr algn="ctr"/>
-            <a:r>
-              <a:rPr lang="ru-RU" sz="2800" b="1" dirty="0">
-                <a:latin typeface="Times New Roman" panose="02020603050405020304" pitchFamily="18" charset="0"/>
-                <a:cs typeface="Times New Roman" panose="02020603050405020304" pitchFamily="18" charset="0"/>
-              </a:rPr>
-              <a:t>Характеристика АС Потребительское кредитование</a:t>
-            </a:r>
-          </a:p>
-        </p:txBody>
-      </p:sp>
-      <p:sp>
-        <p:nvSpPr>
-          <p:cNvPr id="3" name="Объект 2">
-            <a:extLst>
-              <a:ext uri="{FF2B5EF4-FFF2-40B4-BE49-F238E27FC236}">
-                <a16:creationId xmlns:a16="http://schemas.microsoft.com/office/drawing/2014/main" id="{9322A6E8-A984-2C0D-15B8-22425C54EBCB}"/>
-              </a:ext>
-            </a:extLst>
-          </p:cNvPr>
-          <p:cNvSpPr>
-            <a:spLocks noGrp="1"/>
-          </p:cNvSpPr>
-          <p:nvPr>
-            <p:ph idx="1"/>
-          </p:nvPr>
-        </p:nvSpPr>
-        <p:spPr>
-          <a:xfrm>
-            <a:off x="838200" y="1825625"/>
-            <a:ext cx="5257800" cy="4351338"/>
-          </a:xfrm>
-        </p:spPr>
-        <p:txBody>
-          <a:bodyPr>
-            <a:normAutofit fontScale="85000" lnSpcReduction="20000"/>
-          </a:bodyPr>
-          <a:lstStyle/>
-          <a:p>
-            <a:r>
-              <a:rPr lang="ru-RU" b="1" dirty="0"/>
-              <a:t>Название автоматизированной системы:</a:t>
-            </a:r>
-            <a:r>
-              <a:rPr lang="ru-RU" dirty="0"/>
-              <a:t> Потребительское кредитование.</a:t>
-            </a:r>
-          </a:p>
-          <a:p>
-            <a:r>
-              <a:rPr lang="ru-RU" b="1" dirty="0"/>
-              <a:t>Назначение:</a:t>
-            </a:r>
-            <a:r>
-              <a:rPr lang="ru-RU" dirty="0"/>
-              <a:t> Автоматизированная система (далее АС) потребительских кредитов предназначена для управления и обработки информации о кредитных операциях, связанных с потребительской областью в банковской среде.</a:t>
-            </a:r>
-          </a:p>
-          <a:p>
-            <a:r>
-              <a:rPr lang="ru-RU" b="1" dirty="0"/>
-              <a:t>Основная цель системы:</a:t>
-            </a:r>
-            <a:r>
-              <a:rPr lang="ru-RU" dirty="0"/>
-              <a:t> эффективное управление выдачей и контролем потребительских кредитов.</a:t>
-            </a:r>
-          </a:p>
-          <a:p>
-            <a:endParaRPr lang="ru-RU" dirty="0"/>
-          </a:p>
-        </p:txBody>
-      </p:sp>
-      <p:sp>
-        <p:nvSpPr>
-          <p:cNvPr id="4" name="Номер слайда 3">
-            <a:extLst>
-              <a:ext uri="{FF2B5EF4-FFF2-40B4-BE49-F238E27FC236}">
-                <a16:creationId xmlns:a16="http://schemas.microsoft.com/office/drawing/2014/main" id="{EEBACB1D-4EAF-9300-DEC0-FEFF3CBAC3AC}"/>
-              </a:ext>
-            </a:extLst>
-          </p:cNvPr>
-          <p:cNvSpPr>
-            <a:spLocks noGrp="1"/>
-          </p:cNvSpPr>
-          <p:nvPr>
-            <p:ph type="sldNum" sz="quarter" idx="12"/>
-          </p:nvPr>
-        </p:nvSpPr>
-        <p:spPr/>
-        <p:txBody>
-          <a:bodyPr/>
-          <a:lstStyle/>
-          <a:p>
-            <a:fld id="{8666B52E-C19B-40B3-8032-CCCA6478B10A}" type="slidenum">
-              <a:rPr lang="ru-RU" sz="2000" smtClean="0">
-                <a:solidFill>
-                  <a:schemeClr val="tx1"/>
-                </a:solidFill>
-                <a:latin typeface="Times New Roman" panose="02020603050405020304" pitchFamily="18" charset="0"/>
-                <a:cs typeface="Times New Roman" panose="02020603050405020304" pitchFamily="18" charset="0"/>
-              </a:rPr>
-              <a:t>4</a:t>
-            </a:fld>
-            <a:endParaRPr lang="ru-RU" sz="2000" dirty="0">
-              <a:solidFill>
-                <a:schemeClr val="tx1"/>
-              </a:solidFill>
-              <a:latin typeface="Times New Roman" panose="02020603050405020304" pitchFamily="18" charset="0"/>
-              <a:cs typeface="Times New Roman" panose="02020603050405020304" pitchFamily="18" charset="0"/>
-            </a:endParaRPr>
-          </a:p>
-        </p:txBody>
-      </p:sp>
-      <p:pic>
-        <p:nvPicPr>
-          <p:cNvPr id="5" name="Рисунок 4">
-            <a:extLst>
-              <a:ext uri="{FF2B5EF4-FFF2-40B4-BE49-F238E27FC236}">
-                <a16:creationId xmlns:a16="http://schemas.microsoft.com/office/drawing/2014/main" id="{35F145D0-7C9B-0CD7-0EDF-D42118E05106}"/>
-              </a:ext>
-            </a:extLst>
-          </p:cNvPr>
-          <p:cNvPicPr>
-            <a:picLocks noChangeAspect="1"/>
-          </p:cNvPicPr>
-          <p:nvPr/>
-        </p:nvPicPr>
-        <p:blipFill>
-          <a:blip r:embed="rId3">
-            <a:extLst>
-              <a:ext uri="{28A0092B-C50C-407E-A947-70E740481C1C}">
-                <a14:useLocalDpi xmlns:a14="http://schemas.microsoft.com/office/drawing/2010/main" val="0"/>
-              </a:ext>
-            </a:extLst>
-          </a:blip>
-          <a:srcRect/>
-          <a:stretch>
-            <a:fillRect/>
-          </a:stretch>
-        </p:blipFill>
-        <p:spPr bwMode="auto">
-          <a:xfrm>
-            <a:off x="7123989" y="1499615"/>
-            <a:ext cx="3543439" cy="4003167"/>
-          </a:xfrm>
-          <a:prstGeom prst="rect">
-            <a:avLst/>
-          </a:prstGeom>
-          <a:noFill/>
-          <a:ln>
-            <a:noFill/>
-          </a:ln>
-        </p:spPr>
-      </p:pic>
-      <p:sp>
-        <p:nvSpPr>
-          <p:cNvPr id="6" name="TextBox 5">
-            <a:extLst>
-              <a:ext uri="{FF2B5EF4-FFF2-40B4-BE49-F238E27FC236}">
-                <a16:creationId xmlns:a16="http://schemas.microsoft.com/office/drawing/2014/main" id="{52B9B05D-14EA-FAB2-8B32-A2E16E0314AE}"/>
-              </a:ext>
-            </a:extLst>
-          </p:cNvPr>
-          <p:cNvSpPr txBox="1"/>
-          <p:nvPr/>
-        </p:nvSpPr>
-        <p:spPr>
-          <a:xfrm>
-            <a:off x="6747556" y="5744900"/>
-            <a:ext cx="4296304" cy="369332"/>
-          </a:xfrm>
-          <a:prstGeom prst="rect">
-            <a:avLst/>
-          </a:prstGeom>
-          <a:noFill/>
-        </p:spPr>
-        <p:txBody>
-          <a:bodyPr wrap="none" rtlCol="0">
-            <a:spAutoFit/>
-          </a:bodyPr>
-          <a:lstStyle/>
-          <a:p>
-            <a:r>
-              <a:rPr lang="ru-RU" dirty="0"/>
-              <a:t>Рисунок 1 – Схема ИТ-Инфраструктуры АС</a:t>
-            </a:r>
-          </a:p>
-        </p:txBody>
-      </p:sp>
-    </p:spTree>
-    <p:extLst>
-      <p:ext uri="{BB962C8B-B14F-4D97-AF65-F5344CB8AC3E}">
-        <p14:creationId xmlns:p14="http://schemas.microsoft.com/office/powerpoint/2010/main" val="3671397588"/>
-      </p:ext>
-    </p:extLst>
-  </p:cSld>
-  <p:clrMapOvr>
-    <a:masterClrMapping/>
-  </p:clrMapOvr>
-</p:sld>
-</file>
-
-<file path=ppt/slides/slide5.xml><?xml version="1.0" encoding="utf-8"?>
-<p:sld xmlns:a="http://schemas.openxmlformats.org/drawingml/2006/main" xmlns:r="http://schemas.openxmlformats.org/officeDocument/2006/relationships" xmlns:p="http://schemas.openxmlformats.org/presentationml/2006/main">
-  <p:cSld>
-    <p:spTree>
-      <p:nvGrpSpPr>
-        <p:cNvPr id="1" name=""/>
-        <p:cNvGrpSpPr/>
-        <p:nvPr/>
-      </p:nvGrpSpPr>
-      <p:grpSpPr>
-        <a:xfrm>
-          <a:off x="0" y="0"/>
-          <a:ext cx="0" cy="0"/>
-          <a:chOff x="0" y="0"/>
-          <a:chExt cx="0" cy="0"/>
-        </a:xfrm>
-      </p:grpSpPr>
-      <p:sp>
-        <p:nvSpPr>
-          <p:cNvPr id="2" name="Заголовок 1">
-            <a:extLst>
-              <a:ext uri="{FF2B5EF4-FFF2-40B4-BE49-F238E27FC236}">
                 <a16:creationId xmlns:a16="http://schemas.microsoft.com/office/drawing/2014/main" id="{5B2A0A38-B293-BFAB-0B31-5C463B9641F6}"/>
               </a:ext>
             </a:extLst>
@@ -6360,7 +6532,7 @@
                   <a:schemeClr val="tx1"/>
                 </a:solidFill>
               </a:rPr>
-              <a:t>5</a:t>
+              <a:t>4</a:t>
             </a:fld>
             <a:endParaRPr lang="ru-RU" sz="2000" dirty="0">
               <a:solidFill>
@@ -6424,6 +6596,145 @@
 </p:sld>
 </file>
 
+<file path=ppt/slides/slide5.xml><?xml version="1.0" encoding="utf-8"?>
+<p:sld xmlns:a="http://schemas.openxmlformats.org/drawingml/2006/main" xmlns:r="http://schemas.openxmlformats.org/officeDocument/2006/relationships" xmlns:p="http://schemas.openxmlformats.org/presentationml/2006/main">
+  <p:cSld>
+    <p:spTree>
+      <p:nvGrpSpPr>
+        <p:cNvPr id="1" name=""/>
+        <p:cNvGrpSpPr/>
+        <p:nvPr/>
+      </p:nvGrpSpPr>
+      <p:grpSpPr>
+        <a:xfrm>
+          <a:off x="0" y="0"/>
+          <a:ext cx="0" cy="0"/>
+          <a:chOff x="0" y="0"/>
+          <a:chExt cx="0" cy="0"/>
+        </a:xfrm>
+      </p:grpSpPr>
+      <p:sp>
+        <p:nvSpPr>
+          <p:cNvPr id="2" name="Заголовок 1">
+            <a:extLst>
+              <a:ext uri="{FF2B5EF4-FFF2-40B4-BE49-F238E27FC236}">
+                <a16:creationId xmlns:a16="http://schemas.microsoft.com/office/drawing/2014/main" id="{CB852462-1AA1-607D-5B2C-62F2CA3DD22D}"/>
+              </a:ext>
+            </a:extLst>
+          </p:cNvPr>
+          <p:cNvSpPr>
+            <a:spLocks noGrp="1"/>
+          </p:cNvSpPr>
+          <p:nvPr>
+            <p:ph type="title"/>
+          </p:nvPr>
+        </p:nvSpPr>
+        <p:spPr/>
+        <p:txBody>
+          <a:bodyPr>
+            <a:normAutofit/>
+          </a:bodyPr>
+          <a:lstStyle/>
+          <a:p>
+            <a:pPr algn="ctr"/>
+            <a:r>
+              <a:rPr lang="ru-RU" sz="3600" b="1" dirty="0"/>
+              <a:t>Диаграмма основных функций АС Потребительское кредитование</a:t>
+            </a:r>
+          </a:p>
+        </p:txBody>
+      </p:sp>
+      <p:sp>
+        <p:nvSpPr>
+          <p:cNvPr id="4" name="Номер слайда 3">
+            <a:extLst>
+              <a:ext uri="{FF2B5EF4-FFF2-40B4-BE49-F238E27FC236}">
+                <a16:creationId xmlns:a16="http://schemas.microsoft.com/office/drawing/2014/main" id="{77412D3B-6E0C-1EBA-5BDD-F4B17970BF06}"/>
+              </a:ext>
+            </a:extLst>
+          </p:cNvPr>
+          <p:cNvSpPr>
+            <a:spLocks noGrp="1"/>
+          </p:cNvSpPr>
+          <p:nvPr>
+            <p:ph type="sldNum" sz="quarter" idx="12"/>
+          </p:nvPr>
+        </p:nvSpPr>
+        <p:spPr/>
+        <p:txBody>
+          <a:bodyPr/>
+          <a:lstStyle/>
+          <a:p>
+            <a:fld id="{8666B52E-C19B-40B3-8032-CCCA6478B10A}" type="slidenum">
+              <a:rPr lang="ru-RU" sz="2000" smtClean="0">
+                <a:solidFill>
+                  <a:schemeClr val="tx1"/>
+                </a:solidFill>
+              </a:rPr>
+              <a:t>5</a:t>
+            </a:fld>
+            <a:endParaRPr lang="ru-RU" sz="2000" dirty="0">
+              <a:solidFill>
+                <a:schemeClr val="tx1"/>
+              </a:solidFill>
+            </a:endParaRPr>
+          </a:p>
+        </p:txBody>
+      </p:sp>
+      <p:pic>
+        <p:nvPicPr>
+          <p:cNvPr id="5" name="Рисунок 4">
+            <a:extLst>
+              <a:ext uri="{FF2B5EF4-FFF2-40B4-BE49-F238E27FC236}">
+                <a16:creationId xmlns:a16="http://schemas.microsoft.com/office/drawing/2014/main" id="{059FA6F1-E83B-F0B5-9888-410D664279BA}"/>
+              </a:ext>
+            </a:extLst>
+          </p:cNvPr>
+          <p:cNvPicPr>
+            <a:picLocks noChangeAspect="1"/>
+          </p:cNvPicPr>
+          <p:nvPr/>
+        </p:nvPicPr>
+        <p:blipFill>
+          <a:blip r:embed="rId3">
+            <a:extLst>
+              <a:ext uri="{28A0092B-C50C-407E-A947-70E740481C1C}">
+                <a14:useLocalDpi xmlns:a14="http://schemas.microsoft.com/office/drawing/2010/main" val="0"/>
+              </a:ext>
+            </a:extLst>
+          </a:blip>
+          <a:srcRect/>
+          <a:stretch>
+            <a:fillRect/>
+          </a:stretch>
+        </p:blipFill>
+        <p:spPr bwMode="auto">
+          <a:xfrm>
+            <a:off x="2631601" y="1634979"/>
+            <a:ext cx="6928797" cy="4777081"/>
+          </a:xfrm>
+          <a:prstGeom prst="rect">
+            <a:avLst/>
+          </a:prstGeom>
+          <a:noFill/>
+          <a:ln>
+            <a:noFill/>
+          </a:ln>
+        </p:spPr>
+      </p:pic>
+    </p:spTree>
+    <p:extLst>
+      <p:ext uri="{BB962C8B-B14F-4D97-AF65-F5344CB8AC3E}">
+        <p14:creationId xmlns:p14="http://schemas.microsoft.com/office/powerpoint/2010/main" val="3572906927"/>
+      </p:ext>
+    </p:extLst>
+  </p:cSld>
+  <p:clrMapOvr>
+    <a:masterClrMapping/>
+  </p:clrMapOvr>
+</p:sld>
+</file>
+
 <file path=ppt/slides/slide6.xml><?xml version="1.0" encoding="utf-8"?>
 <p:sld xmlns:a="http://schemas.openxmlformats.org/drawingml/2006/main" xmlns:r="http://schemas.openxmlformats.org/officeDocument/2006/relationships" xmlns:p="http://schemas.openxmlformats.org/presentationml/2006/main">
   <p:cSld>
@@ -6446,7 +6757,7 @@
           <p:cNvPr id="2" name="Заголовок 1">
             <a:extLst>
               <a:ext uri="{FF2B5EF4-FFF2-40B4-BE49-F238E27FC236}">
-                <a16:creationId xmlns:a16="http://schemas.microsoft.com/office/drawing/2014/main" id="{CB852462-1AA1-607D-5B2C-62F2CA3DD22D}"/>
+                <a16:creationId xmlns:a16="http://schemas.microsoft.com/office/drawing/2014/main" id="{DDEECA3A-6214-93DA-7ED0-90A5FF200BDD}"/>
               </a:ext>
             </a:extLst>
           </p:cNvPr>
@@ -6466,9 +6777,74 @@
           <a:p>
             <a:pPr algn="ctr"/>
             <a:r>
-              <a:rPr lang="ru-RU" sz="3600" b="1" dirty="0"/>
-              <a:t>Диаграмма основных функций АС Потребительское кредитование</a:t>
-            </a:r>
+              <a:rPr lang="ru-RU" sz="2800" b="1" dirty="0">
+                <a:latin typeface="Times New Roman" panose="02020603050405020304" pitchFamily="18" charset="0"/>
+                <a:cs typeface="Times New Roman" panose="02020603050405020304" pitchFamily="18" charset="0"/>
+              </a:rPr>
+              <a:t>Характеристика АС Потребительское кредитование</a:t>
+            </a:r>
+          </a:p>
+        </p:txBody>
+      </p:sp>
+      <p:sp>
+        <p:nvSpPr>
+          <p:cNvPr id="3" name="Объект 2">
+            <a:extLst>
+              <a:ext uri="{FF2B5EF4-FFF2-40B4-BE49-F238E27FC236}">
+                <a16:creationId xmlns:a16="http://schemas.microsoft.com/office/drawing/2014/main" id="{9322A6E8-A984-2C0D-15B8-22425C54EBCB}"/>
+              </a:ext>
+            </a:extLst>
+          </p:cNvPr>
+          <p:cNvSpPr>
+            <a:spLocks noGrp="1"/>
+          </p:cNvSpPr>
+          <p:nvPr>
+            <p:ph idx="1"/>
+          </p:nvPr>
+        </p:nvSpPr>
+        <p:spPr>
+          <a:xfrm>
+            <a:off x="838200" y="1825625"/>
+            <a:ext cx="5257800" cy="4351338"/>
+          </a:xfrm>
+        </p:spPr>
+        <p:txBody>
+          <a:bodyPr>
+            <a:normAutofit fontScale="85000" lnSpcReduction="20000"/>
+          </a:bodyPr>
+          <a:lstStyle/>
+          <a:p>
+            <a:r>
+              <a:rPr lang="ru-RU" b="1" dirty="0"/>
+              <a:t>Название автоматизированной системы:</a:t>
+            </a:r>
+            <a:r>
+              <a:rPr lang="ru-RU" dirty="0"/>
+              <a:t> Потребительское кредитование.</a:t>
+            </a:r>
+          </a:p>
+          <a:p>
+            <a:r>
+              <a:rPr lang="ru-RU" b="1" dirty="0"/>
+              <a:t>Назначение:</a:t>
+            </a:r>
+            <a:r>
+              <a:rPr lang="ru-RU" dirty="0"/>
+              <a:t> Автоматизированная система (далее АС) потребительских кредитов предназначена для управления и обработки информации о кредитных операциях, связанных с потребительской областью в банковской среде.</a:t>
+            </a:r>
+          </a:p>
+          <a:p>
+            <a:r>
+              <a:rPr lang="ru-RU" b="1" dirty="0"/>
+              <a:t>Основная цель системы:</a:t>
+            </a:r>
+            <a:r>
+              <a:rPr lang="ru-RU" dirty="0"/>
+              <a:t> эффективное управление выдачей и контролем потребительских кредитов.</a:t>
+            </a:r>
+          </a:p>
+          <a:p>
+            <a:endParaRPr lang="ru-RU" dirty="0"/>
           </a:p>
         </p:txBody>
       </p:sp>
@@ -6477,7 +6853,7 @@
           <p:cNvPr id="4" name="Номер слайда 3">
             <a:extLst>
               <a:ext uri="{FF2B5EF4-FFF2-40B4-BE49-F238E27FC236}">
-                <a16:creationId xmlns:a16="http://schemas.microsoft.com/office/drawing/2014/main" id="{77412D3B-6E0C-1EBA-5BDD-F4B17970BF06}"/>
+                <a16:creationId xmlns:a16="http://schemas.microsoft.com/office/drawing/2014/main" id="{EEBACB1D-4EAF-9300-DEC0-FEFF3CBAC3AC}"/>
               </a:ext>
             </a:extLst>
           </p:cNvPr>
@@ -6498,6 +6874,8 @@
                 <a:solidFill>
                   <a:schemeClr val="tx1"/>
                 </a:solidFill>
+                <a:latin typeface="Times New Roman" panose="02020603050405020304" pitchFamily="18" charset="0"/>
+                <a:cs typeface="Times New Roman" panose="02020603050405020304" pitchFamily="18" charset="0"/>
               </a:rPr>
               <a:t>6</a:t>
             </a:fld>
@@ -6505,6 +6883,8 @@
               <a:solidFill>
                 <a:schemeClr val="tx1"/>
               </a:solidFill>
+              <a:latin typeface="Times New Roman" panose="02020603050405020304" pitchFamily="18" charset="0"/>
+              <a:cs typeface="Times New Roman" panose="02020603050405020304" pitchFamily="18" charset="0"/>
             </a:endParaRPr>
           </a:p>
         </p:txBody>
@@ -6514,7 +6894,7 @@
           <p:cNvPr id="5" name="Рисунок 4">
             <a:extLst>
               <a:ext uri="{FF2B5EF4-FFF2-40B4-BE49-F238E27FC236}">
-                <a16:creationId xmlns:a16="http://schemas.microsoft.com/office/drawing/2014/main" id="{059FA6F1-E83B-F0B5-9888-410D664279BA}"/>
+                <a16:creationId xmlns:a16="http://schemas.microsoft.com/office/drawing/2014/main" id="{35F145D0-7C9B-0CD7-0EDF-D42118E05106}"/>
               </a:ext>
             </a:extLst>
           </p:cNvPr>
@@ -6538,8 +6918,8 @@
         </p:blipFill>
         <p:spPr bwMode="auto">
           <a:xfrm>
-            <a:off x="2880221" y="1591639"/>
-            <a:ext cx="6431557" cy="4434257"/>
+            <a:off x="7123989" y="1499615"/>
+            <a:ext cx="3543439" cy="4003167"/>
           </a:xfrm>
           <a:prstGeom prst="rect">
             <a:avLst/>
@@ -6550,10 +6930,49 @@
           </a:ln>
         </p:spPr>
       </p:pic>
+      <p:sp>
+        <p:nvSpPr>
+          <p:cNvPr id="6" name="TextBox 5">
+            <a:extLst>
+              <a:ext uri="{FF2B5EF4-FFF2-40B4-BE49-F238E27FC236}">
+                <a16:creationId xmlns:a16="http://schemas.microsoft.com/office/drawing/2014/main" id="{52B9B05D-14EA-FAB2-8B32-A2E16E0314AE}"/>
+              </a:ext>
+            </a:extLst>
+          </p:cNvPr>
+          <p:cNvSpPr txBox="1"/>
+          <p:nvPr/>
+        </p:nvSpPr>
+        <p:spPr>
+          <a:xfrm>
+            <a:off x="7342270" y="5560234"/>
+            <a:ext cx="3106876" cy="369332"/>
+          </a:xfrm>
+          <a:prstGeom prst="rect">
+            <a:avLst/>
+          </a:prstGeom>
+          <a:noFill/>
+        </p:spPr>
+        <p:txBody>
+          <a:bodyPr wrap="none" rtlCol="0">
+            <a:spAutoFit/>
+          </a:bodyPr>
+          <a:lstStyle/>
+          <a:p>
+            <a:r>
+              <a:rPr lang="ru-RU" dirty="0" smtClean="0"/>
+              <a:t>Схема </a:t>
+            </a:r>
+            <a:r>
+              <a:rPr lang="ru-RU" dirty="0"/>
+              <a:t>ИТ-Инфраструктуры АС</a:t>
+            </a:r>
+          </a:p>
+        </p:txBody>
+      </p:sp>
     </p:spTree>
     <p:extLst>
       <p:ext uri="{BB962C8B-B14F-4D97-AF65-F5344CB8AC3E}">
-        <p14:creationId xmlns:p14="http://schemas.microsoft.com/office/powerpoint/2010/main" val="3572906927"/>
+        <p14:creationId xmlns:p14="http://schemas.microsoft.com/office/powerpoint/2010/main" val="3671397588"/>
       </p:ext>
     </p:extLst>
   </p:cSld>
@@ -6715,30 +7134,31 @@
               </a:spcAft>
             </a:pPr>
             <a:r>
+              <a:rPr lang="ru-RU" sz="1800" dirty="0" smtClean="0">
+                <a:effectLst/>
+                <a:latin typeface="Times New Roman" panose="02020603050405020304" pitchFamily="18" charset="0"/>
+                <a:ea typeface="Times New Roman" panose="02020603050405020304" pitchFamily="18" charset="0"/>
+                <a:cs typeface="Times New Roman" panose="02020603050405020304" pitchFamily="18" charset="0"/>
+              </a:rPr>
+              <a:t>Фрагмент таблицы «Виды </a:t>
+            </a:r>
+            <a:r>
               <a:rPr lang="ru-RU" sz="1800" dirty="0">
                 <a:effectLst/>
                 <a:latin typeface="Times New Roman" panose="02020603050405020304" pitchFamily="18" charset="0"/>
                 <a:ea typeface="Times New Roman" panose="02020603050405020304" pitchFamily="18" charset="0"/>
                 <a:cs typeface="Times New Roman" panose="02020603050405020304" pitchFamily="18" charset="0"/>
               </a:rPr>
-              <a:t>Таблица </a:t>
-            </a:r>
-            <a:r>
-              <a:rPr lang="ru-RU" dirty="0">
-                <a:latin typeface="Times New Roman" panose="02020603050405020304" pitchFamily="18" charset="0"/>
-                <a:ea typeface="Times New Roman" panose="02020603050405020304" pitchFamily="18" charset="0"/>
-                <a:cs typeface="Times New Roman" panose="02020603050405020304" pitchFamily="18" charset="0"/>
-              </a:rPr>
-              <a:t>2</a:t>
-            </a:r>
-            <a:r>
-              <a:rPr lang="ru-RU" sz="1800" dirty="0">
+              <a:t>рисков и негативных последствий от реализации </a:t>
+            </a:r>
+            <a:r>
+              <a:rPr lang="ru-RU" sz="1800" dirty="0" smtClean="0">
                 <a:effectLst/>
                 <a:latin typeface="Times New Roman" panose="02020603050405020304" pitchFamily="18" charset="0"/>
                 <a:ea typeface="Times New Roman" panose="02020603050405020304" pitchFamily="18" charset="0"/>
                 <a:cs typeface="Times New Roman" panose="02020603050405020304" pitchFamily="18" charset="0"/>
               </a:rPr>
-              <a:t> – Виды рисков и негативных последствий от реализации УБИ</a:t>
+              <a:t>УБИ»</a:t>
             </a:r>
             <a:endParaRPr lang="ru-RU" sz="1400" dirty="0">
               <a:effectLst/>
@@ -6868,8 +7288,8 @@
         </p:blipFill>
         <p:spPr>
           <a:xfrm>
-            <a:off x="3655716" y="1940516"/>
-            <a:ext cx="4880567" cy="4688884"/>
+            <a:off x="3406362" y="1553468"/>
+            <a:ext cx="5379276" cy="5168007"/>
           </a:xfrm>
           <a:prstGeom prst="rect">
             <a:avLst/>
@@ -6884,7 +7304,7 @@
         </p:nvSpPr>
         <p:spPr>
           <a:xfrm>
-            <a:off x="838200" y="1477119"/>
+            <a:off x="838200" y="1124712"/>
             <a:ext cx="10515600" cy="463397"/>
           </a:xfrm>
           <a:prstGeom prst="rect">
@@ -6906,12 +7326,20 @@
               </a:spcAft>
             </a:pPr>
             <a:r>
+              <a:rPr lang="ru-RU" dirty="0" smtClean="0">
+                <a:latin typeface="Times New Roman" panose="02020603050405020304" pitchFamily="18" charset="0"/>
+                <a:ea typeface="Times New Roman" panose="02020603050405020304" pitchFamily="18" charset="0"/>
+                <a:cs typeface="Times New Roman" panose="02020603050405020304" pitchFamily="18" charset="0"/>
+              </a:rPr>
+              <a:t>Фрагмент таблицы Возможные </a:t>
+            </a:r>
+            <a:r>
               <a:rPr lang="ru-RU" dirty="0">
                 <a:latin typeface="Times New Roman" panose="02020603050405020304" pitchFamily="18" charset="0"/>
                 <a:ea typeface="Times New Roman" panose="02020603050405020304" pitchFamily="18" charset="0"/>
                 <a:cs typeface="Times New Roman" panose="02020603050405020304" pitchFamily="18" charset="0"/>
               </a:rPr>
-              <a:t>Таблица 7 – Возможные УИБ для АС по работе с кредитами</a:t>
+              <a:t>УИБ для АС по работе с кредитами</a:t>
             </a:r>
             <a:endParaRPr lang="ru-RU" sz="1400" dirty="0">
               <a:effectLst/>

--- a/анацкая/КП/КР ЧигаревА.Ю. БИб-21Э1 ТПЗАС.pptx
+++ b/анацкая/КП/КР ЧигаревА.Ю. БИб-21Э1 ТПЗАС.pptx
@@ -5843,7 +5843,7 @@
         <p:spPr>
           <a:xfrm>
             <a:off x="838200" y="1753457"/>
-            <a:ext cx="10515600" cy="507831"/>
+            <a:ext cx="10515600" cy="463397"/>
           </a:xfrm>
           <a:prstGeom prst="rect">
             <a:avLst/>
@@ -5855,7 +5855,7 @@
           </a:bodyPr>
           <a:lstStyle/>
           <a:p>
-            <a:pPr marL="1170305" indent="-1170305">
+            <a:pPr marL="1170305" indent="-1170305" algn="ctr">
               <a:lnSpc>
                 <a:spcPct val="150000"/>
               </a:lnSpc>
@@ -5869,7 +5869,7 @@
                 <a:ea typeface="Times New Roman" panose="02020603050405020304" pitchFamily="18" charset="0"/>
                 <a:cs typeface="Times New Roman" panose="02020603050405020304" pitchFamily="18" charset="0"/>
               </a:rPr>
-              <a:t>Фрагмент таблицы «Товар</a:t>
+              <a:t>Товар</a:t>
             </a:r>
             <a:r>
               <a:rPr lang="ru-RU" dirty="0">
@@ -5885,7 +5885,7 @@
                 <a:ea typeface="Times New Roman" panose="02020603050405020304" pitchFamily="18" charset="0"/>
                 <a:cs typeface="Times New Roman" panose="02020603050405020304" pitchFamily="18" charset="0"/>
               </a:rPr>
-              <a:t>СЗИ»</a:t>
+              <a:t>СЗИ</a:t>
             </a:r>
             <a:endParaRPr lang="ru-RU" sz="1400" dirty="0">
               <a:effectLst/>
